--- a/rpg.pptx
+++ b/rpg.pptx
@@ -1,6 +1,6 @@
 
 <file path=ppt/presentation.xml><?xml version="1.0" encoding="utf-8"?>
-<p:presentation xmlns:a="http://schemas.openxmlformats.org/drawingml/2006/main" xmlns:r="http://schemas.openxmlformats.org/officeDocument/2006/relationships" xmlns:p="http://schemas.openxmlformats.org/presentationml/2006/main" saveSubsetFonts="1">
+<p:presentation xmlns:r="http://schemas.openxmlformats.org/officeDocument/2006/relationships" xmlns:c="http://schemas.openxmlformats.org/drawingml/2006/chart" xmlns:a="http://schemas.openxmlformats.org/drawingml/2006/main" xmlns:dgm="http://schemas.openxmlformats.org/drawingml/2006/diagram" xmlns:dsp="http://schemas.microsoft.com/office/drawing/2008/diagram" xmlns:p="http://schemas.openxmlformats.org/presentationml/2006/main">
   <p:sldMasterIdLst>
     <p:sldMasterId id="2147483648" r:id="rId1"/>
   </p:sldMasterIdLst>
@@ -3305,7 +3305,7 @@
 </file>
 
 <file path=ppt/slides/slide1.xml><?xml version="1.0" encoding="utf-8"?>
-<p:sld xmlns:a="http://schemas.openxmlformats.org/drawingml/2006/main" xmlns:r="http://schemas.openxmlformats.org/officeDocument/2006/relationships" xmlns:p="http://schemas.openxmlformats.org/presentationml/2006/main">
+<p:sld xmlns:r="http://schemas.openxmlformats.org/officeDocument/2006/relationships" xmlns:c="http://schemas.openxmlformats.org/drawingml/2006/chart" xmlns:a="http://schemas.openxmlformats.org/drawingml/2006/main" xmlns:dgm="http://schemas.openxmlformats.org/drawingml/2006/diagram" xmlns:dsp="http://schemas.microsoft.com/office/drawing/2008/diagram" xmlns:p="http://schemas.openxmlformats.org/presentationml/2006/main">
   <p:cSld>
     <p:spTree>
       <p:nvGrpSpPr>
@@ -3323,18 +3323,12 @@
       </p:grpSpPr>
       <p:sp>
         <p:nvSpPr>
-          <p:cNvPr id="4" name="제목 1">
-            <a:extLst>
-              <a:ext uri="{FF2B5EF4-FFF2-40B4-BE49-F238E27FC236}">
-                <a16:creationId xmlns:a16="http://schemas.microsoft.com/office/drawing/2014/main" id="{5D605A47-AEB2-39FA-66ED-8E3A86D68498}"/>
-              </a:ext>
-            </a:extLst>
-          </p:cNvPr>
+          <p:cNvPr id="4" name="제목 1"/>
           <p:cNvSpPr>
             <a:spLocks noGrp="1"/>
           </p:cNvSpPr>
           <p:nvPr>
-            <p:ph type="ctrTitle"/>
+            <p:ph type="ctrTitle" idx="0"/>
           </p:nvPr>
         </p:nvSpPr>
         <p:spPr>
@@ -3358,7 +3352,7 @@
               <a:defRPr/>
             </a:pPr>
             <a:r>
-              <a:rPr lang="en-US" altLang="ko-KR" sz="1300" b="0" dirty="0" err="1">
+              <a:rPr lang="en-US" altLang="ko-KR" sz="1300" b="0">
                 <a:ln w="9525"/>
                 <a:solidFill>
                   <a:schemeClr val="dk1"/>
@@ -3368,7 +3362,7 @@
               <a:t>rpg</a:t>
             </a:r>
             <a:br>
-              <a:rPr lang="en-US" altLang="ko-KR" sz="1300" b="0" dirty="0">
+              <a:rPr lang="en-US" altLang="ko-KR" sz="1300" b="0">
                 <a:ln w="9525"/>
                 <a:solidFill>
                   <a:schemeClr val="dk1"/>
@@ -3377,7 +3371,7 @@
               </a:rPr>
             </a:br>
             <a:r>
-              <a:rPr lang="ko-KR" altLang="en-US" sz="1300" b="0" dirty="0">
+              <a:rPr lang="ko-KR" altLang="en-US" sz="1300" b="0">
                 <a:ln w="9525"/>
                 <a:solidFill>
                   <a:schemeClr val="dk1"/>
@@ -3387,7 +3381,7 @@
               <a:t>변수 </a:t>
             </a:r>
             <a:r>
-              <a:rPr lang="en-US" altLang="ko-KR" sz="1300" b="0" dirty="0">
+              <a:rPr lang="en-US" altLang="ko-KR" sz="1300" b="0">
                 <a:ln w="9525"/>
                 <a:solidFill>
                   <a:schemeClr val="dk1"/>
@@ -3397,47 +3391,17 @@
               <a:t>: </a:t>
             </a:r>
             <a:r>
-              <a:rPr lang="en-US" altLang="ko-KR" sz="1300" dirty="0">
+              <a:rPr lang="en-US" altLang="ko-KR" sz="1300">
                 <a:ln w="9525"/>
                 <a:solidFill>
                   <a:schemeClr val="dk1"/>
                 </a:solidFill>
                 <a:latin typeface="맑은 고딕"/>
               </a:rPr>
-              <a:t>name, hp, </a:t>
-            </a:r>
-            <a:r>
-              <a:rPr lang="en-US" altLang="ko-KR" sz="1300" dirty="0" err="1">
-                <a:ln w="9525"/>
-                <a:solidFill>
-                  <a:schemeClr val="dk1"/>
-                </a:solidFill>
-                <a:latin typeface="맑은 고딕"/>
-              </a:rPr>
-              <a:t>mp</a:t>
-            </a:r>
-            <a:r>
-              <a:rPr lang="en-US" altLang="ko-KR" sz="1300" dirty="0">
-                <a:ln w="9525"/>
-                <a:solidFill>
-                  <a:schemeClr val="dk1"/>
-                </a:solidFill>
-                <a:latin typeface="맑은 고딕"/>
-              </a:rPr>
-              <a:t>, </a:t>
-            </a:r>
-            <a:r>
-              <a:rPr lang="en-US" altLang="ko-KR" sz="1300" dirty="0" err="1">
-                <a:ln w="9525"/>
-                <a:solidFill>
-                  <a:schemeClr val="dk1"/>
-                </a:solidFill>
-                <a:latin typeface="맑은 고딕"/>
-              </a:rPr>
-              <a:t>atk</a:t>
+              <a:t>name, hp, mp, atk</a:t>
             </a:r>
             <a:br>
-              <a:rPr lang="en-US" altLang="ko-KR" sz="1300" dirty="0">
+              <a:rPr lang="en-US" altLang="ko-KR" sz="1300">
                 <a:ln w="9525"/>
                 <a:solidFill>
                   <a:schemeClr val="dk1"/>
@@ -3446,7 +3410,7 @@
               </a:rPr>
             </a:br>
             <a:r>
-              <a:rPr lang="ko-KR" altLang="en-US" sz="1300" dirty="0">
+              <a:rPr lang="ko-KR" altLang="en-US" sz="1300">
                 <a:ln w="9525"/>
                 <a:solidFill>
                   <a:schemeClr val="dk1"/>
@@ -3456,7 +3420,7 @@
               <a:t>메서드 </a:t>
             </a:r>
             <a:r>
-              <a:rPr lang="en-US" altLang="ko-KR" sz="1300" dirty="0">
+              <a:rPr lang="en-US" altLang="ko-KR" sz="1300">
                 <a:ln w="9525"/>
                 <a:solidFill>
                   <a:schemeClr val="dk1"/>
@@ -3466,7 +3430,7 @@
               <a:t>: </a:t>
             </a:r>
             <a:r>
-              <a:rPr lang="ko-KR" altLang="en-US" sz="1300" dirty="0">
+              <a:rPr lang="ko-KR" altLang="en-US" sz="1300">
                 <a:ln w="9525"/>
                 <a:solidFill>
                   <a:schemeClr val="dk1"/>
@@ -3476,7 +3440,7 @@
               <a:t>게임소개</a:t>
             </a:r>
             <a:r>
-              <a:rPr lang="en-US" altLang="ko-KR" sz="1300" dirty="0">
+              <a:rPr lang="en-US" altLang="ko-KR" sz="1300">
                 <a:ln w="9525"/>
                 <a:solidFill>
                   <a:schemeClr val="dk1"/>
@@ -3486,7 +3450,7 @@
               <a:t>,</a:t>
             </a:r>
             <a:br>
-              <a:rPr lang="ko-KR" altLang="en-US" sz="1300" dirty="0">
+              <a:rPr lang="ko-KR" altLang="en-US" sz="1300">
                 <a:ln w="9525"/>
                 <a:solidFill>
                   <a:schemeClr val="dk1"/>
@@ -3495,7 +3459,7 @@
               </a:rPr>
             </a:br>
             <a:r>
-              <a:rPr lang="ko-KR" altLang="en-US" sz="1300" dirty="0">
+              <a:rPr lang="ko-KR" altLang="en-US" sz="1300">
                 <a:ln w="9525"/>
                 <a:solidFill>
                   <a:schemeClr val="dk1"/>
@@ -3505,7 +3469,7 @@
               <a:t>죽음</a:t>
             </a:r>
             <a:br>
-              <a:rPr lang="en-US" altLang="ko-KR" sz="1300" dirty="0">
+              <a:rPr lang="en-US" altLang="ko-KR" sz="1300">
                 <a:ln w="9525"/>
                 <a:solidFill>
                   <a:schemeClr val="dk1"/>
@@ -3513,7 +3477,7 @@
                 <a:latin typeface="맑은 고딕"/>
               </a:rPr>
             </a:br>
-            <a:endParaRPr lang="en-US" altLang="ko-KR" sz="1300" dirty="0">
+            <a:endParaRPr lang="en-US" altLang="ko-KR" sz="1300">
               <a:ln w="9525"/>
               <a:solidFill>
                 <a:schemeClr val="dk1"/>
@@ -3525,13 +3489,7 @@
       </p:sp>
       <p:sp>
         <p:nvSpPr>
-          <p:cNvPr id="6" name="제목 1">
-            <a:extLst>
-              <a:ext uri="{FF2B5EF4-FFF2-40B4-BE49-F238E27FC236}">
-                <a16:creationId xmlns:a16="http://schemas.microsoft.com/office/drawing/2014/main" id="{1446ED57-FFBC-7896-259F-2B14F2A9FD55}"/>
-              </a:ext>
-            </a:extLst>
-          </p:cNvPr>
+          <p:cNvPr id="6" name="제목 1"/>
           <p:cNvSpPr>
             <a:spLocks noGrp="1"/>
           </p:cNvSpPr>
@@ -3573,7 +3531,7 @@
               <a:defRPr/>
             </a:pPr>
             <a:r>
-              <a:rPr kumimoji="0" lang="ko-KR" altLang="en-US" sz="1200" b="0" i="0" u="none" strike="noStrike" kern="1200" cap="none" spc="0" normalizeH="0" baseline="0" dirty="0">
+              <a:rPr kumimoji="0" lang="ko-KR" altLang="en-US" sz="1200" b="0" i="0" u="none" strike="noStrike" kern="1200" cap="none" spc="0" normalizeH="0" baseline="0">
                 <a:solidFill>
                   <a:srgbClr val="000000"/>
                 </a:solidFill>
@@ -3583,6 +3541,14 @@
               </a:rPr>
               <a:t>모험가</a:t>
             </a:r>
+            <a:endParaRPr kumimoji="0" lang="ko-KR" altLang="en-US" sz="1200" b="0" i="0" u="none" strike="noStrike" kern="1200" cap="none" spc="0" normalizeH="0" baseline="0">
+              <a:solidFill>
+                <a:srgbClr val="000000"/>
+              </a:solidFill>
+              <a:latin typeface="Calibri"/>
+              <a:ea typeface="맑은 고딕"/>
+              <a:cs typeface="Calibri"/>
+            </a:endParaRPr>
           </a:p>
           <a:p>
             <a:pPr marL="0" lvl="0" indent="0" algn="ctr" defTabSz="914400" rtl="0" eaLnBrk="1" latinLnBrk="1" hangingPunct="1">
@@ -3599,7 +3565,7 @@
               <a:defRPr/>
             </a:pPr>
             <a:r>
-              <a:rPr lang="ko-KR" altLang="en-US" sz="1200" dirty="0">
+              <a:rPr lang="ko-KR" altLang="en-US" sz="1200">
                 <a:solidFill>
                   <a:srgbClr val="000000"/>
                 </a:solidFill>
@@ -3610,7 +3576,7 @@
               <a:t>변수 </a:t>
             </a:r>
             <a:r>
-              <a:rPr lang="en-US" altLang="ko-KR" sz="1200" dirty="0">
+              <a:rPr lang="en-US" altLang="ko-KR" sz="1200">
                 <a:solidFill>
                   <a:srgbClr val="000000"/>
                 </a:solidFill>
@@ -3621,7 +3587,7 @@
               <a:t>:  money,</a:t>
             </a:r>
             <a:r>
-              <a:rPr lang="ko-KR" altLang="en-US" sz="1200" dirty="0">
+              <a:rPr lang="ko-KR" altLang="en-US" sz="1200">
                 <a:solidFill>
                   <a:srgbClr val="000000"/>
                 </a:solidFill>
@@ -3632,7 +3598,7 @@
               <a:t> </a:t>
             </a:r>
             <a:r>
-              <a:rPr lang="en-US" altLang="ko-KR" sz="1200" dirty="0" err="1">
+              <a:rPr lang="en-US" altLang="ko-KR" sz="1200">
                 <a:solidFill>
                   <a:srgbClr val="000000"/>
                 </a:solidFill>
@@ -3640,41 +3606,16 @@
                 <a:ea typeface="맑은 고딕"/>
                 <a:cs typeface="Calibri"/>
               </a:rPr>
-              <a:t>exp,level,job,skillatk,needexp,addexp</a:t>
-            </a:r>
-            <a:r>
-              <a:rPr lang="en-US" altLang="ko-KR" sz="1200" dirty="0">
-                <a:solidFill>
-                  <a:srgbClr val="000000"/>
-                </a:solidFill>
-                <a:latin typeface="Calibri"/>
-                <a:ea typeface="맑은 고딕"/>
-                <a:cs typeface="Calibri"/>
-              </a:rPr>
-              <a:t>, </a:t>
-            </a:r>
-            <a:r>
-              <a:rPr lang="en-US" altLang="ko-KR" sz="1200" dirty="0" err="1">
-                <a:solidFill>
-                  <a:srgbClr val="000000"/>
-                </a:solidFill>
-                <a:latin typeface="Calibri"/>
-                <a:ea typeface="맑은 고딕"/>
-                <a:cs typeface="Calibri"/>
-              </a:rPr>
-              <a:t>addhp</a:t>
-            </a:r>
-            <a:r>
-              <a:rPr lang="en-US" altLang="ko-KR" sz="1200" dirty="0">
-                <a:solidFill>
-                  <a:srgbClr val="000000"/>
-                </a:solidFill>
-                <a:latin typeface="Calibri"/>
-                <a:ea typeface="맑은 고딕"/>
-                <a:cs typeface="Calibri"/>
-              </a:rPr>
-              <a:t>,</a:t>
-            </a:r>
+              <a:t>exp,level,job,skillatk,needexp,addexp, addhp,</a:t>
+            </a:r>
+            <a:endParaRPr lang="en-US" altLang="ko-KR" sz="1200">
+              <a:solidFill>
+                <a:srgbClr val="000000"/>
+              </a:solidFill>
+              <a:latin typeface="Calibri"/>
+              <a:ea typeface="맑은 고딕"/>
+              <a:cs typeface="Calibri"/>
+            </a:endParaRPr>
           </a:p>
           <a:p>
             <a:pPr marL="0" lvl="0" indent="0" algn="ctr" defTabSz="914400" rtl="0" eaLnBrk="1" latinLnBrk="1" hangingPunct="1">
@@ -3691,7 +3632,7 @@
               <a:defRPr/>
             </a:pPr>
             <a:r>
-              <a:rPr lang="en-US" altLang="ko-KR" sz="1200" dirty="0" err="1">
+              <a:rPr lang="en-US" altLang="ko-KR" sz="1200">
                 <a:solidFill>
                   <a:srgbClr val="000000"/>
                 </a:solidFill>
@@ -3701,7 +3642,7 @@
               </a:rPr>
               <a:t>addmp,addatk,addskillatk.maxhp,maxmp</a:t>
             </a:r>
-            <a:endParaRPr lang="en-US" altLang="ko-KR" sz="1200" dirty="0">
+            <a:endParaRPr lang="en-US" altLang="ko-KR" sz="1200">
               <a:solidFill>
                 <a:srgbClr val="000000"/>
               </a:solidFill>
@@ -3725,7 +3666,7 @@
               <a:defRPr/>
             </a:pPr>
             <a:r>
-              <a:rPr kumimoji="0" lang="ko-KR" altLang="en-US" sz="1200" b="0" i="0" u="none" strike="noStrike" kern="1200" cap="none" spc="0" normalizeH="0" baseline="0" dirty="0">
+              <a:rPr kumimoji="0" lang="ko-KR" altLang="en-US" sz="1200" b="0" i="0" u="none" strike="noStrike" kern="1200" cap="none" spc="0" normalizeH="0" baseline="0">
                 <a:solidFill>
                   <a:srgbClr val="000000"/>
                 </a:solidFill>
@@ -3736,7 +3677,7 @@
               <a:t>메서드 </a:t>
             </a:r>
             <a:r>
-              <a:rPr kumimoji="0" lang="en-US" altLang="ko-KR" sz="1200" b="0" i="0" u="none" strike="noStrike" kern="1200" cap="none" spc="0" normalizeH="0" baseline="0" dirty="0">
+              <a:rPr kumimoji="0" lang="en-US" altLang="ko-KR" sz="1200" b="0" i="0" u="none" strike="noStrike" kern="1200" cap="none" spc="0" normalizeH="0" baseline="0">
                 <a:solidFill>
                   <a:srgbClr val="000000"/>
                 </a:solidFill>
@@ -3744,54 +3685,10 @@
                 <a:ea typeface="맑은 고딕"/>
                 <a:cs typeface="Calibri"/>
               </a:rPr>
-              <a:t>: </a:t>
-            </a:r>
-            <a:r>
-              <a:rPr kumimoji="0" lang="en-US" altLang="ko-KR" sz="1200" b="0" i="0" u="none" strike="noStrike" kern="1200" cap="none" spc="0" normalizeH="0" baseline="0" dirty="0" err="1">
-                <a:solidFill>
-                  <a:srgbClr val="000000"/>
-                </a:solidFill>
-                <a:latin typeface="Calibri"/>
-                <a:ea typeface="맑은 고딕"/>
-                <a:cs typeface="Calibri"/>
-              </a:rPr>
-              <a:t>ExpUp</a:t>
-            </a:r>
-            <a:r>
-              <a:rPr kumimoji="0" lang="en-US" altLang="ko-KR" sz="1200" b="0" i="0" u="none" strike="noStrike" kern="1200" cap="none" spc="0" normalizeH="0" baseline="0" dirty="0">
-                <a:solidFill>
-                  <a:srgbClr val="000000"/>
-                </a:solidFill>
-                <a:latin typeface="Calibri"/>
-                <a:ea typeface="맑은 고딕"/>
-                <a:cs typeface="Calibri"/>
-              </a:rPr>
-              <a:t>, </a:t>
-            </a:r>
-            <a:r>
-              <a:rPr kumimoji="0" lang="en-US" altLang="ko-KR" sz="1200" b="0" i="0" u="none" strike="noStrike" kern="1200" cap="none" spc="0" normalizeH="0" baseline="0" dirty="0" err="1">
-                <a:solidFill>
-                  <a:srgbClr val="000000"/>
-                </a:solidFill>
-                <a:latin typeface="Calibri"/>
-                <a:ea typeface="맑은 고딕"/>
-                <a:cs typeface="Calibri"/>
-              </a:rPr>
-              <a:t>MoneyUp</a:t>
-            </a:r>
-            <a:r>
-              <a:rPr kumimoji="0" lang="en-US" altLang="ko-KR" sz="1200" b="0" i="0" u="none" strike="noStrike" kern="1200" cap="none" spc="0" normalizeH="0" baseline="0" dirty="0">
-                <a:solidFill>
-                  <a:srgbClr val="000000"/>
-                </a:solidFill>
-                <a:latin typeface="Calibri"/>
-                <a:ea typeface="맑은 고딕"/>
-                <a:cs typeface="Calibri"/>
-              </a:rPr>
-              <a:t>, </a:t>
-            </a:r>
-            <a:r>
-              <a:rPr lang="en-US" altLang="ko-KR" sz="1200" dirty="0" err="1">
+              <a:t>: ExpUp, MoneyUp, </a:t>
+            </a:r>
+            <a:r>
+              <a:rPr lang="en-US" altLang="ko-KR" sz="1200">
                 <a:solidFill>
                   <a:srgbClr val="000000"/>
                 </a:solidFill>
@@ -3801,7 +3698,7 @@
               </a:rPr>
               <a:t>BuyItems</a:t>
             </a:r>
-            <a:endParaRPr lang="en-US" altLang="ko-KR" sz="1200" dirty="0">
+            <a:endParaRPr lang="en-US" altLang="ko-KR" sz="1200">
               <a:solidFill>
                 <a:srgbClr val="000000"/>
               </a:solidFill>
@@ -3814,13 +3711,7 @@
       </p:sp>
       <p:sp>
         <p:nvSpPr>
-          <p:cNvPr id="7" name="제목 1">
-            <a:extLst>
-              <a:ext uri="{FF2B5EF4-FFF2-40B4-BE49-F238E27FC236}">
-                <a16:creationId xmlns:a16="http://schemas.microsoft.com/office/drawing/2014/main" id="{2AD7B292-634A-8E6E-59D5-6DCB2A48244F}"/>
-              </a:ext>
-            </a:extLst>
-          </p:cNvPr>
+          <p:cNvPr id="7" name="제목 1"/>
           <p:cNvSpPr>
             <a:spLocks noGrp="1"/>
           </p:cNvSpPr>
@@ -3872,6 +3763,14 @@
               </a:rPr>
               <a:t>몬스터</a:t>
             </a:r>
+            <a:endParaRPr kumimoji="0" lang="ko-KR" altLang="en-US" sz="1500" b="0" i="0" u="none" strike="noStrike" kern="1200" cap="none" spc="0" normalizeH="0" baseline="0">
+              <a:solidFill>
+                <a:srgbClr val="000000"/>
+              </a:solidFill>
+              <a:latin typeface="Calibri"/>
+              <a:ea typeface="맑은 고딕"/>
+              <a:cs typeface="Calibri"/>
+            </a:endParaRPr>
           </a:p>
           <a:p>
             <a:pPr marL="0" lvl="0" indent="0" algn="ctr" defTabSz="914400" rtl="0" eaLnBrk="1" latinLnBrk="1" hangingPunct="1">
@@ -3909,6 +3808,14 @@
               </a:rPr>
               <a:t>: species</a:t>
             </a:r>
+            <a:endParaRPr lang="en-US" altLang="ko-KR" sz="1500">
+              <a:solidFill>
+                <a:srgbClr val="000000"/>
+              </a:solidFill>
+              <a:latin typeface="Calibri"/>
+              <a:ea typeface="맑은 고딕"/>
+              <a:cs typeface="Calibri"/>
+            </a:endParaRPr>
           </a:p>
           <a:p>
             <a:pPr marL="0" lvl="0" indent="0" algn="ctr" defTabSz="914400" rtl="0" eaLnBrk="1" latinLnBrk="1" hangingPunct="1">
@@ -3935,18 +3842,20 @@
               </a:rPr>
               <a:t>difficulty</a:t>
             </a:r>
-          </a:p>
-        </p:txBody>
-      </p:sp>
-      <p:sp>
-        <p:nvSpPr>
-          <p:cNvPr id="8" name="제목 1">
-            <a:extLst>
-              <a:ext uri="{FF2B5EF4-FFF2-40B4-BE49-F238E27FC236}">
-                <a16:creationId xmlns:a16="http://schemas.microsoft.com/office/drawing/2014/main" id="{F6FDF096-5105-E829-0205-470663E8C64D}"/>
-              </a:ext>
-            </a:extLst>
-          </p:cNvPr>
+            <a:endParaRPr lang="en-US" altLang="ko-KR" sz="1500">
+              <a:solidFill>
+                <a:srgbClr val="000000"/>
+              </a:solidFill>
+              <a:latin typeface="Calibri"/>
+              <a:ea typeface="맑은 고딕"/>
+              <a:cs typeface="Calibri"/>
+            </a:endParaRPr>
+          </a:p>
+        </p:txBody>
+      </p:sp>
+      <p:sp>
+        <p:nvSpPr>
+          <p:cNvPr id="8" name="제목 1"/>
           <p:cNvSpPr>
             <a:spLocks noGrp="1"/>
           </p:cNvSpPr>
@@ -3988,7 +3897,7 @@
               <a:defRPr/>
             </a:pPr>
             <a:r>
-              <a:rPr kumimoji="0" lang="en-US" altLang="ko-KR" sz="1300" b="0" i="0" u="none" strike="noStrike" kern="1200" cap="none" spc="0" normalizeH="0" baseline="0" dirty="0" err="1">
+              <a:rPr kumimoji="0" lang="en-US" altLang="ko-KR" sz="1300" b="0" i="0" u="none" strike="noStrike" kern="1200" cap="none" spc="0" normalizeH="0" baseline="0">
                 <a:solidFill>
                   <a:srgbClr val="000000"/>
                 </a:solidFill>
@@ -3998,7 +3907,7 @@
               </a:rPr>
               <a:t>npc</a:t>
             </a:r>
-            <a:endParaRPr kumimoji="0" lang="en-US" altLang="ko-KR" sz="1300" b="0" i="0" u="none" strike="noStrike" kern="1200" cap="none" spc="0" normalizeH="0" baseline="0" dirty="0">
+            <a:endParaRPr kumimoji="0" lang="en-US" altLang="ko-KR" sz="1300" b="0" i="0" u="none" strike="noStrike" kern="1200" cap="none" spc="0" normalizeH="0" baseline="0">
               <a:solidFill>
                 <a:srgbClr val="000000"/>
               </a:solidFill>
@@ -4011,13 +3920,7 @@
       </p:sp>
       <p:sp>
         <p:nvSpPr>
-          <p:cNvPr id="9" name="제목 1">
-            <a:extLst>
-              <a:ext uri="{FF2B5EF4-FFF2-40B4-BE49-F238E27FC236}">
-                <a16:creationId xmlns:a16="http://schemas.microsoft.com/office/drawing/2014/main" id="{9A554D6E-FAED-C91B-3E8D-26B2427AD2AC}"/>
-              </a:ext>
-            </a:extLst>
-          </p:cNvPr>
+          <p:cNvPr id="9" name="제목 1"/>
           <p:cNvSpPr>
             <a:spLocks noGrp="1"/>
           </p:cNvSpPr>
@@ -4059,7 +3962,7 @@
               <a:defRPr/>
             </a:pPr>
             <a:r>
-              <a:rPr kumimoji="0" lang="ko-KR" altLang="en-US" sz="1200" b="0" i="0" u="none" strike="noStrike" kern="1200" cap="none" spc="0" normalizeH="0" baseline="0" dirty="0">
+              <a:rPr kumimoji="0" lang="ko-KR" altLang="en-US" sz="1200" b="0" i="0" u="none" strike="noStrike" kern="1200" cap="none" spc="0" normalizeH="0" baseline="0">
                 <a:solidFill>
                   <a:srgbClr val="000000"/>
                 </a:solidFill>
@@ -4070,7 +3973,7 @@
               <a:t>전</a:t>
             </a:r>
             <a:r>
-              <a:rPr lang="ko-KR" altLang="en-US" sz="1200" dirty="0">
+              <a:rPr lang="ko-KR" altLang="en-US" sz="1200">
                 <a:solidFill>
                   <a:srgbClr val="000000"/>
                 </a:solidFill>
@@ -4080,16 +3983,24 @@
               </a:rPr>
               <a:t>사</a:t>
             </a:r>
-          </a:p>
-          <a:p>
-            <a:pPr algn="ctr">
+            <a:endParaRPr lang="ko-KR" altLang="en-US" sz="1200">
+              <a:solidFill>
+                <a:srgbClr val="000000"/>
+              </a:solidFill>
+              <a:latin typeface="Calibri"/>
+              <a:ea typeface="맑은 고딕"/>
+              <a:cs typeface="Calibri"/>
+            </a:endParaRPr>
+          </a:p>
+          <a:p>
+            <a:pPr lvl="0" algn="ctr">
               <a:spcBef>
                 <a:spcPct val="0"/>
               </a:spcBef>
               <a:defRPr/>
             </a:pPr>
             <a:r>
-              <a:rPr kumimoji="0" lang="ko-KR" altLang="en-US" sz="1200" b="0" i="0" u="none" strike="noStrike" kern="1200" cap="none" spc="0" normalizeH="0" baseline="0" dirty="0">
+              <a:rPr kumimoji="0" lang="ko-KR" altLang="en-US" sz="1200" b="0" i="0" u="none" strike="noStrike" kern="1200" cap="none" spc="0" normalizeH="0" baseline="0">
                 <a:solidFill>
                   <a:srgbClr val="000000"/>
                 </a:solidFill>
@@ -4100,7 +4011,7 @@
               <a:t>메서드 </a:t>
             </a:r>
             <a:r>
-              <a:rPr kumimoji="0" lang="en-US" altLang="ko-KR" sz="1200" b="0" i="0" u="none" strike="noStrike" kern="1200" cap="none" spc="0" normalizeH="0" baseline="0" dirty="0">
+              <a:rPr kumimoji="0" lang="en-US" altLang="ko-KR" sz="1200" b="0" i="0" u="none" strike="noStrike" kern="1200" cap="none" spc="0" normalizeH="0" baseline="0">
                 <a:solidFill>
                   <a:srgbClr val="000000"/>
                 </a:solidFill>
@@ -4108,20 +4019,9 @@
                 <a:ea typeface="맑은 고딕"/>
                 <a:cs typeface="Calibri"/>
               </a:rPr>
-              <a:t>: </a:t>
-            </a:r>
-            <a:r>
-              <a:rPr kumimoji="0" lang="en-US" altLang="ko-KR" sz="1200" b="0" i="0" u="none" strike="noStrike" kern="1200" cap="none" spc="0" normalizeH="0" baseline="0" dirty="0" err="1">
-                <a:solidFill>
-                  <a:srgbClr val="000000"/>
-                </a:solidFill>
-                <a:latin typeface="Calibri"/>
-                <a:ea typeface="맑은 고딕"/>
-                <a:cs typeface="Calibri"/>
-              </a:rPr>
-              <a:t>SkillWa</a:t>
-            </a:r>
-            <a:endParaRPr lang="en-US" altLang="ko-KR" sz="1200" dirty="0">
+              <a:t>: SkillWa</a:t>
+            </a:r>
+            <a:endParaRPr kumimoji="0" lang="en-US" altLang="ko-KR" sz="1200" b="0" i="0" u="none" strike="noStrike" kern="1200" cap="none" spc="0" normalizeH="0" baseline="0">
               <a:solidFill>
                 <a:srgbClr val="000000"/>
               </a:solidFill>
@@ -4144,7 +4044,7 @@
               <a:buNone/>
               <a:defRPr/>
             </a:pPr>
-            <a:endParaRPr kumimoji="0" lang="ko-KR" altLang="en-US" sz="1200" b="0" i="0" u="none" strike="noStrike" kern="1200" cap="none" spc="0" normalizeH="0" baseline="0" dirty="0">
+            <a:endParaRPr kumimoji="0" lang="ko-KR" altLang="en-US" sz="1200" b="0" i="0" u="none" strike="noStrike" kern="1200" cap="none" spc="0" normalizeH="0" baseline="0">
               <a:solidFill>
                 <a:srgbClr val="000000"/>
               </a:solidFill>
@@ -4157,13 +4057,7 @@
       </p:sp>
       <p:sp>
         <p:nvSpPr>
-          <p:cNvPr id="10" name="제목 1">
-            <a:extLst>
-              <a:ext uri="{FF2B5EF4-FFF2-40B4-BE49-F238E27FC236}">
-                <a16:creationId xmlns:a16="http://schemas.microsoft.com/office/drawing/2014/main" id="{78F5919E-CFBB-58C1-CF4A-7CF08E62A556}"/>
-              </a:ext>
-            </a:extLst>
-          </p:cNvPr>
+          <p:cNvPr id="10" name="제목 1"/>
           <p:cNvSpPr>
             <a:spLocks noGrp="1"/>
           </p:cNvSpPr>
@@ -4205,7 +4099,7 @@
               <a:defRPr/>
             </a:pPr>
             <a:r>
-              <a:rPr kumimoji="0" lang="ko-KR" altLang="en-US" sz="1200" b="0" i="0" u="none" strike="noStrike" kern="1200" cap="none" spc="0" normalizeH="0" baseline="0" dirty="0">
+              <a:rPr kumimoji="0" lang="ko-KR" altLang="en-US" sz="1200" b="0" i="0" u="none" strike="noStrike" kern="1200" cap="none" spc="0" normalizeH="0" baseline="0">
                 <a:solidFill>
                   <a:srgbClr val="000000"/>
                 </a:solidFill>
@@ -4215,7 +4109,7 @@
               </a:rPr>
               <a:t>궁수</a:t>
             </a:r>
-            <a:endParaRPr lang="en-US" altLang="ko-KR" sz="1200" dirty="0">
+            <a:endParaRPr kumimoji="0" lang="ko-KR" altLang="en-US" sz="1200" b="0" i="0" u="none" strike="noStrike" kern="1200" cap="none" spc="0" normalizeH="0" baseline="0">
               <a:solidFill>
                 <a:srgbClr val="000000"/>
               </a:solidFill>
@@ -4225,14 +4119,14 @@
             </a:endParaRPr>
           </a:p>
           <a:p>
-            <a:pPr algn="ctr">
+            <a:pPr lvl="0" algn="ctr">
               <a:spcBef>
                 <a:spcPct val="0"/>
               </a:spcBef>
               <a:defRPr/>
             </a:pPr>
             <a:r>
-              <a:rPr kumimoji="0" lang="ko-KR" altLang="en-US" sz="1200" b="0" i="0" u="none" strike="noStrike" kern="1200" cap="none" spc="0" normalizeH="0" baseline="0" dirty="0">
+              <a:rPr kumimoji="0" lang="ko-KR" altLang="en-US" sz="1200" b="0" i="0" u="none" strike="noStrike" kern="1200" cap="none" spc="0" normalizeH="0" baseline="0">
                 <a:solidFill>
                   <a:srgbClr val="000000"/>
                 </a:solidFill>
@@ -4243,7 +4137,7 @@
               <a:t>메서드</a:t>
             </a:r>
             <a:r>
-              <a:rPr kumimoji="0" lang="en-US" altLang="ko-KR" sz="1200" b="0" i="0" u="none" strike="noStrike" kern="1200" cap="none" spc="0" normalizeH="0" baseline="0" dirty="0">
+              <a:rPr kumimoji="0" lang="en-US" altLang="ko-KR" sz="1200" b="0" i="0" u="none" strike="noStrike" kern="1200" cap="none" spc="0" normalizeH="0" baseline="0">
                 <a:solidFill>
                   <a:srgbClr val="000000"/>
                 </a:solidFill>
@@ -4251,20 +4145,9 @@
                 <a:ea typeface="맑은 고딕"/>
                 <a:cs typeface="Calibri"/>
               </a:rPr>
-              <a:t>:</a:t>
-            </a:r>
-            <a:r>
-              <a:rPr kumimoji="0" lang="en-US" altLang="ko-KR" sz="1200" b="0" i="0" u="none" strike="noStrike" kern="1200" cap="none" spc="0" normalizeH="0" baseline="0" dirty="0" err="1">
-                <a:solidFill>
-                  <a:srgbClr val="000000"/>
-                </a:solidFill>
-                <a:latin typeface="Calibri"/>
-                <a:ea typeface="맑은 고딕"/>
-                <a:cs typeface="Calibri"/>
-              </a:rPr>
-              <a:t>SkillAr</a:t>
-            </a:r>
-            <a:endParaRPr lang="en-US" altLang="ko-KR" sz="1200" dirty="0">
+              <a:t>:SkillAr</a:t>
+            </a:r>
+            <a:endParaRPr kumimoji="0" lang="en-US" altLang="ko-KR" sz="1200" b="0" i="0" u="none" strike="noStrike" kern="1200" cap="none" spc="0" normalizeH="0" baseline="0">
               <a:solidFill>
                 <a:srgbClr val="000000"/>
               </a:solidFill>
@@ -4274,13 +4157,13 @@
             </a:endParaRPr>
           </a:p>
           <a:p>
-            <a:pPr algn="ctr">
+            <a:pPr lvl="0" algn="ctr">
               <a:spcBef>
                 <a:spcPct val="0"/>
               </a:spcBef>
               <a:defRPr/>
             </a:pPr>
-            <a:endParaRPr lang="en-US" altLang="ko-KR" sz="1200" dirty="0">
+            <a:endParaRPr lang="en-US" altLang="ko-KR" sz="1200">
               <a:solidFill>
                 <a:srgbClr val="000000"/>
               </a:solidFill>
@@ -4303,7 +4186,7 @@
               <a:buNone/>
               <a:defRPr/>
             </a:pPr>
-            <a:endParaRPr kumimoji="0" lang="ko-KR" altLang="en-US" sz="1200" b="0" i="0" u="none" strike="noStrike" kern="1200" cap="none" spc="0" normalizeH="0" baseline="0" dirty="0">
+            <a:endParaRPr kumimoji="0" lang="ko-KR" altLang="en-US" sz="1200" b="0" i="0" u="none" strike="noStrike" kern="1200" cap="none" spc="0" normalizeH="0" baseline="0">
               <a:solidFill>
                 <a:srgbClr val="000000"/>
               </a:solidFill>
@@ -4316,13 +4199,7 @@
       </p:sp>
       <p:sp>
         <p:nvSpPr>
-          <p:cNvPr id="11" name="제목 1">
-            <a:extLst>
-              <a:ext uri="{FF2B5EF4-FFF2-40B4-BE49-F238E27FC236}">
-                <a16:creationId xmlns:a16="http://schemas.microsoft.com/office/drawing/2014/main" id="{81D362B6-F63D-CBEB-E164-46E078AF5D4F}"/>
-              </a:ext>
-            </a:extLst>
-          </p:cNvPr>
+          <p:cNvPr id="11" name="제목 1"/>
           <p:cNvSpPr>
             <a:spLocks noGrp="1"/>
           </p:cNvSpPr>
@@ -4364,7 +4241,7 @@
               <a:defRPr/>
             </a:pPr>
             <a:r>
-              <a:rPr kumimoji="0" lang="ko-KR" altLang="en-US" sz="1200" b="0" i="0" u="none" strike="noStrike" kern="1200" cap="none" spc="0" normalizeH="0" baseline="0" dirty="0">
+              <a:rPr kumimoji="0" lang="ko-KR" altLang="en-US" sz="1200" b="0" i="0" u="none" strike="noStrike" kern="1200" cap="none" spc="0" normalizeH="0" baseline="0">
                 <a:solidFill>
                   <a:srgbClr val="000000"/>
                 </a:solidFill>
@@ -4374,7 +4251,7 @@
               </a:rPr>
               <a:t>마법사</a:t>
             </a:r>
-            <a:endParaRPr lang="en-US" altLang="ko-KR" sz="1200" dirty="0">
+            <a:endParaRPr kumimoji="0" lang="ko-KR" altLang="en-US" sz="1200" b="0" i="0" u="none" strike="noStrike" kern="1200" cap="none" spc="0" normalizeH="0" baseline="0">
               <a:solidFill>
                 <a:srgbClr val="000000"/>
               </a:solidFill>
@@ -4384,14 +4261,14 @@
             </a:endParaRPr>
           </a:p>
           <a:p>
-            <a:pPr algn="ctr">
+            <a:pPr lvl="0" algn="ctr">
               <a:spcBef>
                 <a:spcPct val="0"/>
               </a:spcBef>
               <a:defRPr/>
             </a:pPr>
             <a:r>
-              <a:rPr lang="ko-KR" altLang="en-US" sz="1200" dirty="0">
+              <a:rPr lang="ko-KR" altLang="en-US" sz="1200">
                 <a:solidFill>
                   <a:srgbClr val="000000"/>
                 </a:solidFill>
@@ -4402,7 +4279,7 @@
               <a:t>메서드 </a:t>
             </a:r>
             <a:r>
-              <a:rPr lang="en-US" altLang="ko-KR" sz="1200" dirty="0">
+              <a:rPr lang="en-US" altLang="ko-KR" sz="1200">
                 <a:solidFill>
                   <a:srgbClr val="000000"/>
                 </a:solidFill>
@@ -4410,20 +4287,9 @@
                 <a:ea typeface="맑은 고딕"/>
                 <a:cs typeface="Calibri"/>
               </a:rPr>
-              <a:t>:</a:t>
-            </a:r>
-            <a:r>
-              <a:rPr lang="en-US" altLang="ko-KR" sz="1200" dirty="0" err="1">
-                <a:solidFill>
-                  <a:srgbClr val="000000"/>
-                </a:solidFill>
-                <a:latin typeface="Calibri"/>
-                <a:ea typeface="맑은 고딕"/>
-                <a:cs typeface="Calibri"/>
-              </a:rPr>
-              <a:t>SkillMa</a:t>
-            </a:r>
-            <a:endParaRPr lang="en-US" altLang="ko-KR" sz="1200" dirty="0">
+              <a:t>:SkillMa</a:t>
+            </a:r>
+            <a:endParaRPr lang="en-US" altLang="ko-KR" sz="1200">
               <a:solidFill>
                 <a:srgbClr val="000000"/>
               </a:solidFill>
@@ -4446,7 +4312,7 @@
               <a:buNone/>
               <a:defRPr/>
             </a:pPr>
-            <a:endParaRPr kumimoji="0" lang="ko-KR" altLang="en-US" sz="1200" b="0" i="0" u="none" strike="noStrike" kern="1200" cap="none" spc="0" normalizeH="0" baseline="0" dirty="0">
+            <a:endParaRPr kumimoji="0" lang="ko-KR" altLang="en-US" sz="1200" b="0" i="0" u="none" strike="noStrike" kern="1200" cap="none" spc="0" normalizeH="0" baseline="0">
               <a:solidFill>
                 <a:srgbClr val="000000"/>
               </a:solidFill>
@@ -4459,13 +4325,7 @@
       </p:sp>
       <p:sp>
         <p:nvSpPr>
-          <p:cNvPr id="12" name="제목 1">
-            <a:extLst>
-              <a:ext uri="{FF2B5EF4-FFF2-40B4-BE49-F238E27FC236}">
-                <a16:creationId xmlns:a16="http://schemas.microsoft.com/office/drawing/2014/main" id="{9646582F-8CFA-CCD7-E5B9-803F43F8D9C1}"/>
-              </a:ext>
-            </a:extLst>
-          </p:cNvPr>
+          <p:cNvPr id="13" name="제목 1"/>
           <p:cNvSpPr>
             <a:spLocks noGrp="1"/>
           </p:cNvSpPr>
@@ -4473,8 +4333,8 @@
         </p:nvSpPr>
         <p:spPr>
           <a:xfrm>
-            <a:off x="3251952" y="5365705"/>
-            <a:ext cx="923166" cy="729265"/>
+            <a:off x="4419393" y="5284926"/>
+            <a:ext cx="923167" cy="1282526"/>
           </a:xfrm>
           <a:prstGeom prst="rect">
             <a:avLst/>
@@ -4489,7 +4349,7 @@
         </p:spPr>
         <p:txBody>
           <a:bodyPr vert="horz" lIns="91440" tIns="45720" rIns="91440" bIns="45720" anchor="ctr">
-            <a:normAutofit/>
+            <a:noAutofit/>
           </a:bodyPr>
           <a:lstStyle/>
           <a:p>
@@ -4507,7 +4367,7 @@
               <a:defRPr/>
             </a:pPr>
             <a:r>
-              <a:rPr lang="ko-KR" altLang="en-US" sz="1500">
+              <a:rPr lang="ko-KR" altLang="en-US" sz="1200">
                 <a:solidFill>
                   <a:srgbClr val="000000"/>
                 </a:solidFill>
@@ -4515,9 +4375,9 @@
                 <a:ea typeface="맑은 고딕"/>
                 <a:cs typeface="Calibri"/>
               </a:rPr>
-              <a:t>일반</a:t>
-            </a:r>
-            <a:endParaRPr lang="en-US" altLang="ko-KR" sz="1500">
+              <a:t>보스</a:t>
+            </a:r>
+            <a:endParaRPr lang="ko-KR" altLang="en-US" sz="1200">
               <a:solidFill>
                 <a:srgbClr val="000000"/>
               </a:solidFill>
@@ -4526,17 +4386,124 @@
               <a:cs typeface="Calibri"/>
             </a:endParaRPr>
           </a:p>
-        </p:txBody>
-      </p:sp>
-      <p:sp>
-        <p:nvSpPr>
-          <p:cNvPr id="13" name="제목 1">
-            <a:extLst>
-              <a:ext uri="{FF2B5EF4-FFF2-40B4-BE49-F238E27FC236}">
-                <a16:creationId xmlns:a16="http://schemas.microsoft.com/office/drawing/2014/main" id="{11D73BA7-E64E-BA13-9148-EBD9D21D4CDD}"/>
-              </a:ext>
-            </a:extLst>
-          </p:cNvPr>
+          <a:p>
+            <a:pPr marL="0" lvl="0" indent="0" algn="ctr" defTabSz="914400" rtl="0" eaLnBrk="1" latinLnBrk="1" hangingPunct="1">
+              <a:lnSpc>
+                <a:spcPct val="100000"/>
+              </a:lnSpc>
+              <a:spcBef>
+                <a:spcPct val="0"/>
+              </a:spcBef>
+              <a:spcAft>
+                <a:spcPts val="0"/>
+              </a:spcAft>
+              <a:buNone/>
+              <a:defRPr/>
+            </a:pPr>
+            <a:r>
+              <a:rPr lang="ko-KR" altLang="en-US" sz="1200">
+                <a:solidFill>
+                  <a:srgbClr val="000000"/>
+                </a:solidFill>
+                <a:latin typeface="Calibri"/>
+                <a:ea typeface="맑은 고딕"/>
+                <a:cs typeface="Calibri"/>
+              </a:rPr>
+              <a:t>메서드 </a:t>
+            </a:r>
+            <a:r>
+              <a:rPr lang="en-US" altLang="ko-KR" sz="1200">
+                <a:solidFill>
+                  <a:srgbClr val="000000"/>
+                </a:solidFill>
+                <a:latin typeface="Calibri"/>
+                <a:ea typeface="맑은 고딕"/>
+                <a:cs typeface="Calibri"/>
+              </a:rPr>
+              <a:t>: SkillBoss1</a:t>
+            </a:r>
+            <a:endParaRPr lang="en-US" altLang="ko-KR" sz="1200">
+              <a:solidFill>
+                <a:srgbClr val="000000"/>
+              </a:solidFill>
+              <a:latin typeface="Calibri"/>
+              <a:ea typeface="맑은 고딕"/>
+              <a:cs typeface="Calibri"/>
+            </a:endParaRPr>
+          </a:p>
+          <a:p>
+            <a:pPr marL="0" lvl="0" indent="0" algn="ctr" defTabSz="914400" rtl="0" eaLnBrk="1" latinLnBrk="1" hangingPunct="1">
+              <a:lnSpc>
+                <a:spcPct val="100000"/>
+              </a:lnSpc>
+              <a:spcBef>
+                <a:spcPct val="0"/>
+              </a:spcBef>
+              <a:spcAft>
+                <a:spcPts val="0"/>
+              </a:spcAft>
+              <a:buNone/>
+              <a:defRPr/>
+            </a:pPr>
+            <a:r>
+              <a:rPr lang="en-US" altLang="ko-KR" sz="1200">
+                <a:solidFill>
+                  <a:srgbClr val="000000"/>
+                </a:solidFill>
+                <a:latin typeface="Calibri"/>
+                <a:ea typeface="맑은 고딕"/>
+                <a:cs typeface="Calibri"/>
+              </a:rPr>
+              <a:t>SkillBoss2</a:t>
+            </a:r>
+            <a:endParaRPr lang="en-US" altLang="ko-KR" sz="1200">
+              <a:solidFill>
+                <a:srgbClr val="000000"/>
+              </a:solidFill>
+              <a:latin typeface="Calibri"/>
+              <a:ea typeface="맑은 고딕"/>
+              <a:cs typeface="Calibri"/>
+            </a:endParaRPr>
+          </a:p>
+          <a:p>
+            <a:pPr marL="0" lvl="0" indent="0" algn="ctr" defTabSz="914400" rtl="0" eaLnBrk="1" latinLnBrk="1" hangingPunct="1">
+              <a:lnSpc>
+                <a:spcPct val="100000"/>
+              </a:lnSpc>
+              <a:spcBef>
+                <a:spcPct val="0"/>
+              </a:spcBef>
+              <a:spcAft>
+                <a:spcPts val="0"/>
+              </a:spcAft>
+              <a:buNone/>
+              <a:defRPr/>
+            </a:pPr>
+            <a:r>
+              <a:rPr lang="en-US" altLang="ko-KR" sz="1200">
+                <a:solidFill>
+                  <a:srgbClr val="000000"/>
+                </a:solidFill>
+                <a:latin typeface="Calibri"/>
+                <a:ea typeface="맑은 고딕"/>
+                <a:cs typeface="Calibri"/>
+              </a:rPr>
+              <a:t>SkillBoss3</a:t>
+            </a:r>
+            <a:endParaRPr lang="en-US" altLang="ko-KR" sz="1200">
+              <a:solidFill>
+                <a:srgbClr val="000000"/>
+              </a:solidFill>
+              <a:latin typeface="Calibri"/>
+              <a:ea typeface="맑은 고딕"/>
+              <a:cs typeface="Calibri"/>
+            </a:endParaRPr>
+          </a:p>
+        </p:txBody>
+      </p:sp>
+      <p:sp>
+        <p:nvSpPr>
+          <p:cNvPr id="14" name="제목 1"/>
           <p:cNvSpPr>
             <a:spLocks noGrp="1"/>
           </p:cNvSpPr>
@@ -4544,8 +4511,8 @@
         </p:nvSpPr>
         <p:spPr>
           <a:xfrm>
-            <a:off x="4419393" y="5284926"/>
-            <a:ext cx="923167" cy="786154"/>
+            <a:off x="5414502" y="2568725"/>
+            <a:ext cx="807868" cy="793815"/>
           </a:xfrm>
           <a:prstGeom prst="rect">
             <a:avLst/>
@@ -4560,7 +4527,7 @@
         </p:spPr>
         <p:txBody>
           <a:bodyPr vert="horz" lIns="91440" tIns="45720" rIns="91440" bIns="45720" anchor="ctr">
-            <a:noAutofit/>
+            <a:normAutofit/>
           </a:bodyPr>
           <a:lstStyle/>
           <a:p>
@@ -4578,17 +4545,56 @@
               <a:defRPr/>
             </a:pPr>
             <a:r>
-              <a:rPr lang="ko-KR" altLang="en-US" sz="1200">
+              <a:rPr kumimoji="0" lang="ko-KR" altLang="en-US" sz="1300" b="0" i="0" u="none" strike="noStrike" kern="1200" cap="none" spc="0" normalizeH="0" baseline="0">
                 <a:solidFill>
                   <a:srgbClr val="000000"/>
                 </a:solidFill>
-                <a:latin typeface="Calibri"/>
+                <a:latin typeface="맑은 고딕"/>
                 <a:ea typeface="맑은 고딕"/>
                 <a:cs typeface="Calibri"/>
               </a:rPr>
-              <a:t>보스</a:t>
-            </a:r>
-          </a:p>
+              <a:t>전투지원</a:t>
+            </a:r>
+            <a:endParaRPr kumimoji="0" lang="ko-KR" altLang="en-US" sz="1300" b="0" i="0" u="none" strike="noStrike" kern="1200" cap="none" spc="0" normalizeH="0" baseline="0">
+              <a:solidFill>
+                <a:srgbClr val="000000"/>
+              </a:solidFill>
+              <a:latin typeface="맑은 고딕"/>
+              <a:ea typeface="맑은 고딕"/>
+              <a:cs typeface="Calibri"/>
+            </a:endParaRPr>
+          </a:p>
+        </p:txBody>
+      </p:sp>
+      <p:sp>
+        <p:nvSpPr>
+          <p:cNvPr id="15" name="제목 1"/>
+          <p:cNvSpPr>
+            <a:spLocks noGrp="1"/>
+          </p:cNvSpPr>
+          <p:nvPr/>
+        </p:nvSpPr>
+        <p:spPr>
+          <a:xfrm>
+            <a:off x="6323126" y="2591855"/>
+            <a:ext cx="1102614" cy="863894"/>
+          </a:xfrm>
+          <a:prstGeom prst="rect">
+            <a:avLst/>
+          </a:prstGeom>
+          <a:ln>
+            <a:solidFill>
+              <a:srgbClr val="000000">
+                <a:alpha val="100000"/>
+              </a:srgbClr>
+            </a:solidFill>
+          </a:ln>
+        </p:spPr>
+        <p:txBody>
+          <a:bodyPr vert="horz" lIns="91440" tIns="45720" rIns="91440" bIns="45720" anchor="ctr">
+            <a:normAutofit/>
+          </a:bodyPr>
+          <a:lstStyle/>
           <a:p>
             <a:pPr marL="0" lvl="0" indent="0" algn="ctr" defTabSz="914400" rtl="0" eaLnBrk="1" latinLnBrk="1" hangingPunct="1">
               <a:lnSpc>
@@ -4604,39 +4610,75 @@
               <a:defRPr/>
             </a:pPr>
             <a:r>
-              <a:rPr lang="ko-KR" altLang="en-US" sz="1200">
+              <a:rPr kumimoji="0" lang="ko-KR" altLang="en-US" sz="1300" b="0" i="0" u="none" strike="noStrike" kern="1200" cap="none" spc="0" normalizeH="0" baseline="0">
                 <a:solidFill>
                   <a:srgbClr val="000000"/>
                 </a:solidFill>
-                <a:latin typeface="Calibri"/>
+                <a:latin typeface="맑은 고딕"/>
+                <a:ea typeface="맑은 고딕"/>
+                <a:cs typeface="Calibri"/>
+              </a:rPr>
+              <a:t>무기판매</a:t>
+            </a:r>
+            <a:endParaRPr kumimoji="0" lang="ko-KR" altLang="en-US" sz="1300" b="0" i="0" u="none" strike="noStrike" kern="1200" cap="none" spc="0" normalizeH="0" baseline="0">
+              <a:solidFill>
+                <a:srgbClr val="000000"/>
+              </a:solidFill>
+              <a:latin typeface="맑은 고딕"/>
+              <a:ea typeface="맑은 고딕"/>
+              <a:cs typeface="Calibri"/>
+            </a:endParaRPr>
+          </a:p>
+          <a:p>
+            <a:pPr marL="0" lvl="0" indent="0" algn="ctr" defTabSz="914400" rtl="0" eaLnBrk="1" latinLnBrk="1" hangingPunct="1">
+              <a:lnSpc>
+                <a:spcPct val="100000"/>
+              </a:lnSpc>
+              <a:spcBef>
+                <a:spcPct val="0"/>
+              </a:spcBef>
+              <a:spcAft>
+                <a:spcPts val="0"/>
+              </a:spcAft>
+              <a:buNone/>
+              <a:defRPr/>
+            </a:pPr>
+            <a:r>
+              <a:rPr kumimoji="0" lang="ko-KR" altLang="en-US" sz="1300" b="0" i="0" u="none" strike="noStrike" kern="1200" cap="none" spc="0" normalizeH="0" baseline="0">
+                <a:solidFill>
+                  <a:srgbClr val="000000"/>
+                </a:solidFill>
+                <a:latin typeface="맑은 고딕"/>
                 <a:ea typeface="맑은 고딕"/>
                 <a:cs typeface="Calibri"/>
               </a:rPr>
               <a:t>메서드 </a:t>
             </a:r>
             <a:r>
-              <a:rPr lang="en-US" altLang="ko-KR" sz="1200">
+              <a:rPr kumimoji="0" lang="en-US" altLang="ko-KR" sz="1300" b="0" i="0" u="none" strike="noStrike" kern="1200" cap="none" spc="0" normalizeH="0" baseline="0">
                 <a:solidFill>
                   <a:srgbClr val="000000"/>
                 </a:solidFill>
-                <a:latin typeface="Calibri"/>
+                <a:latin typeface="맑은 고딕"/>
                 <a:ea typeface="맑은 고딕"/>
                 <a:cs typeface="Calibri"/>
               </a:rPr>
-              <a:t>: SkillBoss</a:t>
-            </a:r>
-          </a:p>
-        </p:txBody>
-      </p:sp>
-      <p:sp>
-        <p:nvSpPr>
-          <p:cNvPr id="14" name="제목 1">
-            <a:extLst>
-              <a:ext uri="{FF2B5EF4-FFF2-40B4-BE49-F238E27FC236}">
-                <a16:creationId xmlns:a16="http://schemas.microsoft.com/office/drawing/2014/main" id="{43FE6901-1407-7B6A-5AFE-A50EBC36E33A}"/>
-              </a:ext>
-            </a:extLst>
-          </p:cNvPr>
+              <a:t>:SellItem</a:t>
+            </a:r>
+            <a:endParaRPr kumimoji="0" lang="ko-KR" altLang="en-US" sz="1300" b="0" i="0" u="none" strike="noStrike" kern="1200" cap="none" spc="0" normalizeH="0" baseline="0">
+              <a:solidFill>
+                <a:srgbClr val="000000"/>
+              </a:solidFill>
+              <a:latin typeface="맑은 고딕"/>
+              <a:ea typeface="맑은 고딕"/>
+              <a:cs typeface="Calibri"/>
+            </a:endParaRPr>
+          </a:p>
+        </p:txBody>
+      </p:sp>
+      <p:sp>
+        <p:nvSpPr>
+          <p:cNvPr id="16" name="제목 1"/>
           <p:cNvSpPr>
             <a:spLocks noGrp="1"/>
           </p:cNvSpPr>
@@ -4644,8 +4686,8 @@
         </p:nvSpPr>
         <p:spPr>
           <a:xfrm>
-            <a:off x="5414502" y="2568725"/>
-            <a:ext cx="807868" cy="793815"/>
+            <a:off x="7712519" y="2624203"/>
+            <a:ext cx="1362261" cy="965533"/>
           </a:xfrm>
           <a:prstGeom prst="rect">
             <a:avLst/>
@@ -4686,20 +4728,101 @@
                 <a:ea typeface="맑은 고딕"/>
                 <a:cs typeface="Calibri"/>
               </a:rPr>
-              <a:t>전투지원</a:t>
-            </a:r>
-          </a:p>
-        </p:txBody>
-      </p:sp>
-      <p:sp>
-        <p:nvSpPr>
-          <p:cNvPr id="15" name="제목 1">
-            <a:extLst>
-              <a:ext uri="{FF2B5EF4-FFF2-40B4-BE49-F238E27FC236}">
-                <a16:creationId xmlns:a16="http://schemas.microsoft.com/office/drawing/2014/main" id="{1BF35E0C-5D1B-FDC6-4BD9-2906BEFC026E}"/>
-              </a:ext>
-            </a:extLst>
-          </p:cNvPr>
+              <a:t>길잡이</a:t>
+            </a:r>
+            <a:endParaRPr kumimoji="0" lang="ko-KR" altLang="en-US" sz="1300" b="0" i="0" u="none" strike="noStrike" kern="1200" cap="none" spc="0" normalizeH="0" baseline="0">
+              <a:solidFill>
+                <a:srgbClr val="000000"/>
+              </a:solidFill>
+              <a:latin typeface="맑은 고딕"/>
+              <a:ea typeface="맑은 고딕"/>
+              <a:cs typeface="Calibri"/>
+            </a:endParaRPr>
+          </a:p>
+          <a:p>
+            <a:pPr marL="0" lvl="0" indent="0" algn="ctr" defTabSz="914400" rtl="0" eaLnBrk="1" latinLnBrk="1" hangingPunct="1">
+              <a:lnSpc>
+                <a:spcPct val="100000"/>
+              </a:lnSpc>
+              <a:spcBef>
+                <a:spcPct val="0"/>
+              </a:spcBef>
+              <a:spcAft>
+                <a:spcPts val="0"/>
+              </a:spcAft>
+              <a:buNone/>
+              <a:defRPr/>
+            </a:pPr>
+            <a:r>
+              <a:rPr kumimoji="0" lang="ko-KR" altLang="en-US" sz="1300" b="0" i="0" u="none" strike="noStrike" kern="1200" cap="none" spc="0" normalizeH="0" baseline="0">
+                <a:solidFill>
+                  <a:srgbClr val="000000"/>
+                </a:solidFill>
+                <a:latin typeface="맑은 고딕"/>
+                <a:ea typeface="맑은 고딕"/>
+                <a:cs typeface="Calibri"/>
+              </a:rPr>
+              <a:t>메서드 </a:t>
+            </a:r>
+            <a:r>
+              <a:rPr kumimoji="0" lang="en-US" altLang="ko-KR" sz="1300" b="0" i="0" u="none" strike="noStrike" kern="1200" cap="none" spc="0" normalizeH="0" baseline="0">
+                <a:solidFill>
+                  <a:srgbClr val="000000"/>
+                </a:solidFill>
+                <a:latin typeface="맑은 고딕"/>
+                <a:ea typeface="맑은 고딕"/>
+                <a:cs typeface="Calibri"/>
+              </a:rPr>
+              <a:t>:</a:t>
+            </a:r>
+            <a:endParaRPr kumimoji="0" lang="en-US" altLang="ko-KR" sz="1300" b="0" i="0" u="none" strike="noStrike" kern="1200" cap="none" spc="0" normalizeH="0" baseline="0">
+              <a:solidFill>
+                <a:srgbClr val="000000"/>
+              </a:solidFill>
+              <a:latin typeface="맑은 고딕"/>
+              <a:ea typeface="맑은 고딕"/>
+              <a:cs typeface="Calibri"/>
+            </a:endParaRPr>
+          </a:p>
+          <a:p>
+            <a:pPr marL="0" lvl="0" indent="0" algn="ctr" defTabSz="914400" rtl="0" eaLnBrk="1" latinLnBrk="1" hangingPunct="1">
+              <a:lnSpc>
+                <a:spcPct val="100000"/>
+              </a:lnSpc>
+              <a:spcBef>
+                <a:spcPct val="0"/>
+              </a:spcBef>
+              <a:spcAft>
+                <a:spcPts val="0"/>
+              </a:spcAft>
+              <a:buNone/>
+              <a:defRPr/>
+            </a:pPr>
+            <a:r>
+              <a:rPr kumimoji="0" lang="en-US" altLang="ko-KR" sz="1300" b="0" i="0" u="none" strike="noStrike" kern="1200" cap="none" spc="0" normalizeH="0" baseline="0">
+                <a:solidFill>
+                  <a:srgbClr val="000000"/>
+                </a:solidFill>
+                <a:latin typeface="맑은 고딕"/>
+                <a:ea typeface="맑은 고딕"/>
+                <a:cs typeface="Calibri"/>
+              </a:rPr>
+              <a:t>Buff</a:t>
+            </a:r>
+            <a:endParaRPr kumimoji="0" lang="ko-KR" altLang="en-US" sz="1300" b="0" i="0" u="none" strike="noStrike" kern="1200" cap="none" spc="0" normalizeH="0" baseline="0">
+              <a:solidFill>
+                <a:srgbClr val="000000"/>
+              </a:solidFill>
+              <a:latin typeface="맑은 고딕"/>
+              <a:ea typeface="맑은 고딕"/>
+              <a:cs typeface="Calibri"/>
+            </a:endParaRPr>
+          </a:p>
+        </p:txBody>
+      </p:sp>
+      <p:sp>
+        <p:nvSpPr>
+          <p:cNvPr id="17" name="제목 1"/>
           <p:cNvSpPr>
             <a:spLocks noGrp="1"/>
           </p:cNvSpPr>
@@ -4707,8 +4830,8 @@
         </p:nvSpPr>
         <p:spPr>
           <a:xfrm>
-            <a:off x="6323126" y="2591855"/>
-            <a:ext cx="1102614" cy="863894"/>
+            <a:off x="5584984" y="5855827"/>
+            <a:ext cx="807868" cy="560319"/>
           </a:xfrm>
           <a:prstGeom prst="rect">
             <a:avLst/>
@@ -4741,25 +4864,56 @@
               <a:defRPr/>
             </a:pPr>
             <a:r>
-              <a:rPr kumimoji="0" lang="ko-KR" altLang="en-US" sz="1300" b="0" i="0" u="none" strike="noStrike" kern="1200" cap="none" spc="0" normalizeH="0" baseline="0" dirty="0">
+              <a:rPr kumimoji="0" lang="ko-KR" altLang="en-US" sz="1500" b="0" i="0" u="none" strike="noStrike" kern="1200" cap="none" spc="0" normalizeH="0" baseline="0">
                 <a:solidFill>
                   <a:srgbClr val="000000"/>
                 </a:solidFill>
-                <a:latin typeface="맑은 고딕"/>
+                <a:latin typeface="Calibri"/>
                 <a:ea typeface="맑은 고딕"/>
                 <a:cs typeface="Calibri"/>
               </a:rPr>
-              <a:t>무기판매</a:t>
-            </a:r>
-            <a:endParaRPr lang="en-US" altLang="ko-KR" sz="1300" dirty="0">
+              <a:t>상급</a:t>
+            </a:r>
+            <a:endParaRPr kumimoji="0" lang="ko-KR" altLang="en-US" sz="1500" b="0" i="0" u="none" strike="noStrike" kern="1200" cap="none" spc="0" normalizeH="0" baseline="0">
               <a:solidFill>
                 <a:srgbClr val="000000"/>
               </a:solidFill>
-              <a:latin typeface="맑은 고딕"/>
+              <a:latin typeface="Calibri"/>
               <a:ea typeface="맑은 고딕"/>
               <a:cs typeface="Calibri"/>
             </a:endParaRPr>
           </a:p>
+        </p:txBody>
+      </p:sp>
+      <p:sp>
+        <p:nvSpPr>
+          <p:cNvPr id="18" name="제목 1"/>
+          <p:cNvSpPr>
+            <a:spLocks noGrp="1"/>
+          </p:cNvSpPr>
+          <p:nvPr/>
+        </p:nvSpPr>
+        <p:spPr>
+          <a:xfrm>
+            <a:off x="6521237" y="5792302"/>
+            <a:ext cx="642278" cy="560319"/>
+          </a:xfrm>
+          <a:prstGeom prst="rect">
+            <a:avLst/>
+          </a:prstGeom>
+          <a:ln>
+            <a:solidFill>
+              <a:srgbClr val="000000">
+                <a:alpha val="100000"/>
+              </a:srgbClr>
+            </a:solidFill>
+          </a:ln>
+        </p:spPr>
+        <p:txBody>
+          <a:bodyPr vert="horz" lIns="91440" tIns="45720" rIns="91440" bIns="45720" anchor="ctr">
+            <a:normAutofit/>
+          </a:bodyPr>
+          <a:lstStyle/>
           <a:p>
             <a:pPr marL="0" lvl="0" indent="0" algn="ctr" defTabSz="914400" rtl="0" eaLnBrk="1" latinLnBrk="1" hangingPunct="1">
               <a:lnSpc>
@@ -4775,43 +4929,21 @@
               <a:defRPr/>
             </a:pPr>
             <a:r>
-              <a:rPr kumimoji="0" lang="ko-KR" altLang="en-US" sz="1300" b="0" i="0" u="none" strike="noStrike" kern="1200" cap="none" spc="0" normalizeH="0" baseline="0" dirty="0">
+              <a:rPr kumimoji="0" lang="ko-KR" altLang="en-US" sz="1500" b="0" i="0" u="none" strike="noStrike" kern="1200" cap="none" spc="0" normalizeH="0" baseline="0">
                 <a:solidFill>
                   <a:srgbClr val="000000"/>
                 </a:solidFill>
-                <a:latin typeface="맑은 고딕"/>
+                <a:latin typeface="Calibri"/>
                 <a:ea typeface="맑은 고딕"/>
                 <a:cs typeface="Calibri"/>
               </a:rPr>
-              <a:t>메서드 </a:t>
-            </a:r>
-            <a:r>
-              <a:rPr kumimoji="0" lang="en-US" altLang="ko-KR" sz="1300" b="0" i="0" u="none" strike="noStrike" kern="1200" cap="none" spc="0" normalizeH="0" baseline="0" dirty="0">
-                <a:solidFill>
-                  <a:srgbClr val="000000"/>
-                </a:solidFill>
-                <a:latin typeface="맑은 고딕"/>
-                <a:ea typeface="맑은 고딕"/>
-                <a:cs typeface="Calibri"/>
-              </a:rPr>
-              <a:t>:</a:t>
-            </a:r>
-            <a:r>
-              <a:rPr kumimoji="0" lang="en-US" altLang="ko-KR" sz="1300" b="0" i="0" u="none" strike="noStrike" kern="1200" cap="none" spc="0" normalizeH="0" baseline="0" dirty="0" err="1">
-                <a:solidFill>
-                  <a:srgbClr val="000000"/>
-                </a:solidFill>
-                <a:latin typeface="맑은 고딕"/>
-                <a:ea typeface="맑은 고딕"/>
-                <a:cs typeface="Calibri"/>
-              </a:rPr>
-              <a:t>SellItem</a:t>
-            </a:r>
-            <a:endParaRPr kumimoji="0" lang="ko-KR" altLang="en-US" sz="1300" b="0" i="0" u="none" strike="noStrike" kern="1200" cap="none" spc="0" normalizeH="0" baseline="0" dirty="0">
+              <a:t>중급</a:t>
+            </a:r>
+            <a:endParaRPr kumimoji="0" lang="ko-KR" altLang="en-US" sz="1500" b="0" i="0" u="none" strike="noStrike" kern="1200" cap="none" spc="0" normalizeH="0" baseline="0">
               <a:solidFill>
                 <a:srgbClr val="000000"/>
               </a:solidFill>
-              <a:latin typeface="맑은 고딕"/>
+              <a:latin typeface="Calibri"/>
               <a:ea typeface="맑은 고딕"/>
               <a:cs typeface="Calibri"/>
             </a:endParaRPr>
@@ -4820,13 +4952,7 @@
       </p:sp>
       <p:sp>
         <p:nvSpPr>
-          <p:cNvPr id="16" name="제목 1">
-            <a:extLst>
-              <a:ext uri="{FF2B5EF4-FFF2-40B4-BE49-F238E27FC236}">
-                <a16:creationId xmlns:a16="http://schemas.microsoft.com/office/drawing/2014/main" id="{27AAD976-B8D8-D1E4-7417-852DED4409BD}"/>
-              </a:ext>
-            </a:extLst>
-          </p:cNvPr>
+          <p:cNvPr id="19" name="제목 1"/>
           <p:cNvSpPr>
             <a:spLocks noGrp="1"/>
           </p:cNvSpPr>
@@ -4834,8 +4960,8 @@
         </p:nvSpPr>
         <p:spPr>
           <a:xfrm>
-            <a:off x="7712519" y="2624203"/>
-            <a:ext cx="1362261" cy="965533"/>
+            <a:off x="7291900" y="5790921"/>
+            <a:ext cx="579520" cy="560318"/>
           </a:xfrm>
           <a:prstGeom prst="rect">
             <a:avLst/>
@@ -4868,17 +4994,56 @@
               <a:defRPr/>
             </a:pPr>
             <a:r>
-              <a:rPr kumimoji="0" lang="ko-KR" altLang="en-US" sz="1300" b="0" i="0" u="none" strike="noStrike" kern="1200" cap="none" spc="0" normalizeH="0" baseline="0" dirty="0">
+              <a:rPr kumimoji="0" lang="ko-KR" altLang="en-US" sz="1500" b="0" i="0" u="none" strike="noStrike" kern="1200" cap="none" spc="0" normalizeH="0" baseline="0">
                 <a:solidFill>
                   <a:srgbClr val="000000"/>
                 </a:solidFill>
-                <a:latin typeface="맑은 고딕"/>
+                <a:latin typeface="Calibri"/>
                 <a:ea typeface="맑은 고딕"/>
                 <a:cs typeface="Calibri"/>
               </a:rPr>
-              <a:t>길잡이</a:t>
-            </a:r>
-          </a:p>
+              <a:t>하급</a:t>
+            </a:r>
+            <a:endParaRPr kumimoji="0" lang="ko-KR" altLang="en-US" sz="1500" b="0" i="0" u="none" strike="noStrike" kern="1200" cap="none" spc="0" normalizeH="0" baseline="0">
+              <a:solidFill>
+                <a:srgbClr val="000000"/>
+              </a:solidFill>
+              <a:latin typeface="Calibri"/>
+              <a:ea typeface="맑은 고딕"/>
+              <a:cs typeface="Calibri"/>
+            </a:endParaRPr>
+          </a:p>
+        </p:txBody>
+      </p:sp>
+      <p:sp>
+        <p:nvSpPr>
+          <p:cNvPr id="20" name="제목 1"/>
+          <p:cNvSpPr>
+            <a:spLocks noGrp="1"/>
+          </p:cNvSpPr>
+          <p:nvPr/>
+        </p:nvSpPr>
+        <p:spPr>
+          <a:xfrm>
+            <a:off x="7810758" y="1213369"/>
+            <a:ext cx="579520" cy="408154"/>
+          </a:xfrm>
+          <a:prstGeom prst="rect">
+            <a:avLst/>
+          </a:prstGeom>
+          <a:ln>
+            <a:solidFill>
+              <a:srgbClr val="000000">
+                <a:alpha val="100000"/>
+              </a:srgbClr>
+            </a:solidFill>
+          </a:ln>
+        </p:spPr>
+        <p:txBody>
+          <a:bodyPr vert="horz" lIns="91440" tIns="45720" rIns="91440" bIns="45720" anchor="ctr">
+            <a:normAutofit/>
+          </a:bodyPr>
+          <a:lstStyle/>
           <a:p>
             <a:pPr marL="0" lvl="0" indent="0" algn="ctr" defTabSz="914400" rtl="0" eaLnBrk="1" latinLnBrk="1" hangingPunct="1">
               <a:lnSpc>
@@ -4894,28 +5059,56 @@
               <a:defRPr/>
             </a:pPr>
             <a:r>
-              <a:rPr kumimoji="0" lang="ko-KR" altLang="en-US" sz="1300" b="0" i="0" u="none" strike="noStrike" kern="1200" cap="none" spc="0" normalizeH="0" baseline="0" dirty="0">
+              <a:rPr kumimoji="0" lang="ko-KR" altLang="en-US" sz="1500" b="0" i="0" u="none" strike="noStrike" kern="1200" cap="none" spc="0" normalizeH="0" baseline="0">
                 <a:solidFill>
                   <a:srgbClr val="000000"/>
                 </a:solidFill>
-                <a:latin typeface="맑은 고딕"/>
+                <a:latin typeface="Calibri"/>
                 <a:ea typeface="맑은 고딕"/>
                 <a:cs typeface="Calibri"/>
               </a:rPr>
-              <a:t>메서드 </a:t>
-            </a:r>
-            <a:r>
-              <a:rPr kumimoji="0" lang="en-US" altLang="ko-KR" sz="1300" b="0" i="0" u="none" strike="noStrike" kern="1200" cap="none" spc="0" normalizeH="0" baseline="0" dirty="0">
-                <a:solidFill>
-                  <a:srgbClr val="000000"/>
-                </a:solidFill>
-                <a:latin typeface="맑은 고딕"/>
-                <a:ea typeface="맑은 고딕"/>
-                <a:cs typeface="Calibri"/>
-              </a:rPr>
-              <a:t>:</a:t>
-            </a:r>
-          </a:p>
+              <a:t>검류</a:t>
+            </a:r>
+            <a:endParaRPr kumimoji="0" lang="ko-KR" altLang="en-US" sz="1500" b="0" i="0" u="none" strike="noStrike" kern="1200" cap="none" spc="0" normalizeH="0" baseline="0">
+              <a:solidFill>
+                <a:srgbClr val="000000"/>
+              </a:solidFill>
+              <a:latin typeface="Calibri"/>
+              <a:ea typeface="맑은 고딕"/>
+              <a:cs typeface="Calibri"/>
+            </a:endParaRPr>
+          </a:p>
+        </p:txBody>
+      </p:sp>
+      <p:sp>
+        <p:nvSpPr>
+          <p:cNvPr id="21" name="제목 1"/>
+          <p:cNvSpPr>
+            <a:spLocks noGrp="1"/>
+          </p:cNvSpPr>
+          <p:nvPr/>
+        </p:nvSpPr>
+        <p:spPr>
+          <a:xfrm>
+            <a:off x="8948634" y="1141177"/>
+            <a:ext cx="579520" cy="408154"/>
+          </a:xfrm>
+          <a:prstGeom prst="rect">
+            <a:avLst/>
+          </a:prstGeom>
+          <a:ln>
+            <a:solidFill>
+              <a:srgbClr val="000000">
+                <a:alpha val="100000"/>
+              </a:srgbClr>
+            </a:solidFill>
+          </a:ln>
+        </p:spPr>
+        <p:txBody>
+          <a:bodyPr vert="horz" lIns="91440" tIns="45720" rIns="91440" bIns="45720" anchor="ctr">
+            <a:normAutofit/>
+          </a:bodyPr>
+          <a:lstStyle/>
           <a:p>
             <a:pPr marL="0" lvl="0" indent="0" algn="ctr" defTabSz="914400" rtl="0" eaLnBrk="1" latinLnBrk="1" hangingPunct="1">
               <a:lnSpc>
@@ -4931,21 +5124,21 @@
               <a:defRPr/>
             </a:pPr>
             <a:r>
-              <a:rPr kumimoji="0" lang="en-US" altLang="ko-KR" sz="1300" b="0" i="0" u="none" strike="noStrike" kern="1200" cap="none" spc="0" normalizeH="0" baseline="0" dirty="0">
+              <a:rPr kumimoji="0" lang="ko-KR" altLang="en-US" sz="1500" b="0" i="0" u="none" strike="noStrike" kern="1200" cap="none" spc="0" normalizeH="0" baseline="0">
                 <a:solidFill>
                   <a:srgbClr val="000000"/>
                 </a:solidFill>
-                <a:latin typeface="맑은 고딕"/>
+                <a:latin typeface="Calibri"/>
                 <a:ea typeface="맑은 고딕"/>
                 <a:cs typeface="Calibri"/>
               </a:rPr>
-              <a:t>Buff</a:t>
-            </a:r>
-            <a:endParaRPr kumimoji="0" lang="ko-KR" altLang="en-US" sz="1300" b="0" i="0" u="none" strike="noStrike" kern="1200" cap="none" spc="0" normalizeH="0" baseline="0" dirty="0">
+              <a:t>활류</a:t>
+            </a:r>
+            <a:endParaRPr kumimoji="0" lang="ko-KR" altLang="en-US" sz="1500" b="0" i="0" u="none" strike="noStrike" kern="1200" cap="none" spc="0" normalizeH="0" baseline="0">
               <a:solidFill>
                 <a:srgbClr val="000000"/>
               </a:solidFill>
-              <a:latin typeface="맑은 고딕"/>
+              <a:latin typeface="Calibri"/>
               <a:ea typeface="맑은 고딕"/>
               <a:cs typeface="Calibri"/>
             </a:endParaRPr>
@@ -4954,13 +5147,7 @@
       </p:sp>
       <p:sp>
         <p:nvSpPr>
-          <p:cNvPr id="17" name="제목 1">
-            <a:extLst>
-              <a:ext uri="{FF2B5EF4-FFF2-40B4-BE49-F238E27FC236}">
-                <a16:creationId xmlns:a16="http://schemas.microsoft.com/office/drawing/2014/main" id="{FD8D5B63-BED8-0114-0E51-142B246E237D}"/>
-              </a:ext>
-            </a:extLst>
-          </p:cNvPr>
+          <p:cNvPr id="22" name="제목 1"/>
           <p:cNvSpPr>
             <a:spLocks noGrp="1"/>
           </p:cNvSpPr>
@@ -4968,8 +5155,8 @@
         </p:nvSpPr>
         <p:spPr>
           <a:xfrm>
-            <a:off x="5584984" y="5855827"/>
-            <a:ext cx="807868" cy="560319"/>
+            <a:off x="9821906" y="1045779"/>
+            <a:ext cx="579520" cy="408154"/>
           </a:xfrm>
           <a:prstGeom prst="rect">
             <a:avLst/>
@@ -5010,29 +5197,459 @@
                 <a:ea typeface="맑은 고딕"/>
                 <a:cs typeface="Calibri"/>
               </a:rPr>
-              <a:t>상급</a:t>
-            </a:r>
-          </a:p>
-        </p:txBody>
-      </p:sp>
-      <p:sp>
-        <p:nvSpPr>
-          <p:cNvPr id="18" name="제목 1">
-            <a:extLst>
-              <a:ext uri="{FF2B5EF4-FFF2-40B4-BE49-F238E27FC236}">
-                <a16:creationId xmlns:a16="http://schemas.microsoft.com/office/drawing/2014/main" id="{38E9DCB0-07BB-23AB-4FEA-B103407D647C}"/>
-              </a:ext>
-            </a:extLst>
-          </p:cNvPr>
-          <p:cNvSpPr>
-            <a:spLocks noGrp="1"/>
-          </p:cNvSpPr>
+              <a:t>봉류</a:t>
+            </a:r>
+            <a:endParaRPr kumimoji="0" lang="ko-KR" altLang="en-US" sz="1500" b="0" i="0" u="none" strike="noStrike" kern="1200" cap="none" spc="0" normalizeH="0" baseline="0">
+              <a:solidFill>
+                <a:srgbClr val="000000"/>
+              </a:solidFill>
+              <a:latin typeface="Calibri"/>
+              <a:ea typeface="맑은 고딕"/>
+              <a:cs typeface="Calibri"/>
+            </a:endParaRPr>
+          </a:p>
+        </p:txBody>
+      </p:sp>
+      <p:cxnSp>
+        <p:nvCxnSpPr>
+          <p:cNvPr id="24" name="직선 연결선 23"/>
+          <p:cNvCxnSpPr>
+            <a:stCxn id="4" idx="1"/>
+            <a:endCxn id="6" idx="3"/>
+          </p:cNvCxnSpPr>
           <p:nvPr/>
-        </p:nvSpPr>
+        </p:nvCxnSpPr>
+        <p:spPr>
+          <a:xfrm flipH="1">
+            <a:off x="3023250" y="658758"/>
+            <a:ext cx="1708276" cy="758791"/>
+          </a:xfrm>
+          <a:prstGeom prst="line">
+            <a:avLst/>
+          </a:prstGeom>
+        </p:spPr>
+        <p:style>
+          <a:lnRef idx="1">
+            <a:schemeClr val="accent1"/>
+          </a:lnRef>
+          <a:fillRef idx="0">
+            <a:schemeClr val="accent1"/>
+          </a:fillRef>
+          <a:effectRef idx="0">
+            <a:schemeClr val="accent1"/>
+          </a:effectRef>
+          <a:fontRef idx="minor">
+            <a:schemeClr val="tx1"/>
+          </a:fontRef>
+        </p:style>
+      </p:cxnSp>
+      <p:cxnSp>
+        <p:nvCxnSpPr>
+          <p:cNvPr id="26" name="직선 연결선 25"/>
+          <p:cNvCxnSpPr>
+            <a:stCxn id="4" idx="2"/>
+            <a:endCxn id="7" idx="0"/>
+          </p:cNvCxnSpPr>
+          <p:nvPr/>
+        </p:nvCxnSpPr>
+        <p:spPr>
+          <a:xfrm flipH="1">
+            <a:off x="4713020" y="1219861"/>
+            <a:ext cx="1275898" cy="220295"/>
+          </a:xfrm>
+          <a:prstGeom prst="line">
+            <a:avLst/>
+          </a:prstGeom>
+        </p:spPr>
+        <p:style>
+          <a:lnRef idx="1">
+            <a:schemeClr val="accent1"/>
+          </a:lnRef>
+          <a:fillRef idx="0">
+            <a:schemeClr val="accent1"/>
+          </a:fillRef>
+          <a:effectRef idx="0">
+            <a:schemeClr val="accent1"/>
+          </a:effectRef>
+          <a:fontRef idx="minor">
+            <a:schemeClr val="tx1"/>
+          </a:fontRef>
+        </p:style>
+      </p:cxnSp>
+      <p:cxnSp>
+        <p:nvCxnSpPr>
+          <p:cNvPr id="30" name="직선 연결선 29"/>
+          <p:cNvCxnSpPr>
+            <a:stCxn id="6" idx="2"/>
+            <a:endCxn id="9" idx="0"/>
+          </p:cNvCxnSpPr>
+          <p:nvPr/>
+        </p:nvCxnSpPr>
+        <p:spPr>
+          <a:xfrm flipH="1">
+            <a:off x="881520" y="2176340"/>
+            <a:ext cx="906629" cy="279505"/>
+          </a:xfrm>
+          <a:prstGeom prst="line">
+            <a:avLst/>
+          </a:prstGeom>
+        </p:spPr>
+        <p:style>
+          <a:lnRef idx="1">
+            <a:schemeClr val="accent1"/>
+          </a:lnRef>
+          <a:fillRef idx="0">
+            <a:schemeClr val="accent1"/>
+          </a:fillRef>
+          <a:effectRef idx="0">
+            <a:schemeClr val="accent1"/>
+          </a:effectRef>
+          <a:fontRef idx="minor">
+            <a:schemeClr val="tx1"/>
+          </a:fontRef>
+        </p:style>
+      </p:cxnSp>
+      <p:cxnSp>
+        <p:nvCxnSpPr>
+          <p:cNvPr id="32" name="직선 연결선 31"/>
+          <p:cNvCxnSpPr>
+            <a:stCxn id="6" idx="2"/>
+            <a:endCxn id="10" idx="0"/>
+          </p:cNvCxnSpPr>
+          <p:nvPr/>
+        </p:nvCxnSpPr>
         <p:spPr>
           <a:xfrm>
-            <a:off x="6521237" y="5792302"/>
-            <a:ext cx="642278" cy="560319"/>
+            <a:off x="1788149" y="2176340"/>
+            <a:ext cx="594517" cy="283904"/>
+          </a:xfrm>
+          <a:prstGeom prst="line">
+            <a:avLst/>
+          </a:prstGeom>
+        </p:spPr>
+        <p:style>
+          <a:lnRef idx="1">
+            <a:schemeClr val="accent1"/>
+          </a:lnRef>
+          <a:fillRef idx="0">
+            <a:schemeClr val="accent1"/>
+          </a:fillRef>
+          <a:effectRef idx="0">
+            <a:schemeClr val="accent1"/>
+          </a:effectRef>
+          <a:fontRef idx="minor">
+            <a:schemeClr val="tx1"/>
+          </a:fontRef>
+        </p:style>
+      </p:cxnSp>
+      <p:cxnSp>
+        <p:nvCxnSpPr>
+          <p:cNvPr id="34" name="직선 연결선 33"/>
+          <p:cNvCxnSpPr>
+            <a:stCxn id="6" idx="2"/>
+            <a:endCxn id="11" idx="0"/>
+          </p:cNvCxnSpPr>
+          <p:nvPr/>
+        </p:nvCxnSpPr>
+        <p:spPr>
+          <a:xfrm>
+            <a:off x="1788149" y="2176340"/>
+            <a:ext cx="1925386" cy="304078"/>
+          </a:xfrm>
+          <a:prstGeom prst="line">
+            <a:avLst/>
+          </a:prstGeom>
+        </p:spPr>
+        <p:style>
+          <a:lnRef idx="1">
+            <a:schemeClr val="accent1"/>
+          </a:lnRef>
+          <a:fillRef idx="0">
+            <a:schemeClr val="accent1"/>
+          </a:fillRef>
+          <a:effectRef idx="0">
+            <a:schemeClr val="accent1"/>
+          </a:effectRef>
+          <a:fontRef idx="minor">
+            <a:schemeClr val="tx1"/>
+          </a:fontRef>
+        </p:style>
+      </p:cxnSp>
+      <p:cxnSp>
+        <p:nvCxnSpPr>
+          <p:cNvPr id="36" name="직선 연결선 35"/>
+          <p:cNvCxnSpPr>
+            <a:stCxn id="7" idx="2"/>
+          </p:cNvCxnSpPr>
+          <p:nvPr/>
+        </p:nvCxnSpPr>
+        <p:spPr>
+          <a:xfrm flipH="1">
+            <a:off x="3713535" y="2418453"/>
+            <a:ext cx="999485" cy="2947252"/>
+          </a:xfrm>
+          <a:prstGeom prst="line">
+            <a:avLst/>
+          </a:prstGeom>
+        </p:spPr>
+        <p:style>
+          <a:lnRef idx="1">
+            <a:schemeClr val="accent1"/>
+          </a:lnRef>
+          <a:fillRef idx="0">
+            <a:schemeClr val="accent1"/>
+          </a:fillRef>
+          <a:effectRef idx="0">
+            <a:schemeClr val="accent1"/>
+          </a:effectRef>
+          <a:fontRef idx="minor">
+            <a:schemeClr val="tx1"/>
+          </a:fontRef>
+        </p:style>
+      </p:cxnSp>
+      <p:cxnSp>
+        <p:nvCxnSpPr>
+          <p:cNvPr id="40" name="직선 연결선 39"/>
+          <p:cNvCxnSpPr>
+            <a:stCxn id="7" idx="2"/>
+            <a:endCxn id="13" idx="0"/>
+          </p:cNvCxnSpPr>
+          <p:nvPr/>
+        </p:nvCxnSpPr>
+        <p:spPr>
+          <a:xfrm rot="16200000" flipH="1">
+            <a:off x="3363761" y="3767711"/>
+            <a:ext cx="2866473" cy="167956"/>
+          </a:xfrm>
+          <a:prstGeom prst="line">
+            <a:avLst/>
+          </a:prstGeom>
+        </p:spPr>
+        <p:style>
+          <a:lnRef idx="1">
+            <a:schemeClr val="accent1"/>
+          </a:lnRef>
+          <a:fillRef idx="0">
+            <a:schemeClr val="accent1"/>
+          </a:fillRef>
+          <a:effectRef idx="0">
+            <a:schemeClr val="accent1"/>
+          </a:effectRef>
+          <a:fontRef idx="minor">
+            <a:schemeClr val="tx1"/>
+          </a:fontRef>
+        </p:style>
+      </p:cxnSp>
+      <p:cxnSp>
+        <p:nvCxnSpPr>
+          <p:cNvPr id="42" name="직선 연결선 41"/>
+          <p:cNvCxnSpPr>
+            <a:stCxn id="8" idx="2"/>
+            <a:endCxn id="14" idx="0"/>
+          </p:cNvCxnSpPr>
+          <p:nvPr/>
+        </p:nvCxnSpPr>
+        <p:spPr>
+          <a:xfrm flipH="1">
+            <a:off x="5818436" y="2177737"/>
+            <a:ext cx="268879" cy="390988"/>
+          </a:xfrm>
+          <a:prstGeom prst="line">
+            <a:avLst/>
+          </a:prstGeom>
+        </p:spPr>
+        <p:style>
+          <a:lnRef idx="1">
+            <a:schemeClr val="accent1"/>
+          </a:lnRef>
+          <a:fillRef idx="0">
+            <a:schemeClr val="accent1"/>
+          </a:fillRef>
+          <a:effectRef idx="0">
+            <a:schemeClr val="accent1"/>
+          </a:effectRef>
+          <a:fontRef idx="minor">
+            <a:schemeClr val="tx1"/>
+          </a:fontRef>
+        </p:style>
+      </p:cxnSp>
+      <p:cxnSp>
+        <p:nvCxnSpPr>
+          <p:cNvPr id="44" name="직선 연결선 43"/>
+          <p:cNvCxnSpPr>
+            <a:stCxn id="8" idx="2"/>
+            <a:endCxn id="15" idx="0"/>
+          </p:cNvCxnSpPr>
+          <p:nvPr/>
+        </p:nvCxnSpPr>
+        <p:spPr>
+          <a:xfrm>
+            <a:off x="6087315" y="2177737"/>
+            <a:ext cx="787118" cy="414118"/>
+          </a:xfrm>
+          <a:prstGeom prst="line">
+            <a:avLst/>
+          </a:prstGeom>
+        </p:spPr>
+        <p:style>
+          <a:lnRef idx="1">
+            <a:schemeClr val="accent1"/>
+          </a:lnRef>
+          <a:fillRef idx="0">
+            <a:schemeClr val="accent1"/>
+          </a:fillRef>
+          <a:effectRef idx="0">
+            <a:schemeClr val="accent1"/>
+          </a:effectRef>
+          <a:fontRef idx="minor">
+            <a:schemeClr val="tx1"/>
+          </a:fontRef>
+        </p:style>
+      </p:cxnSp>
+      <p:cxnSp>
+        <p:nvCxnSpPr>
+          <p:cNvPr id="46" name="직선 연결선 45"/>
+          <p:cNvCxnSpPr>
+            <a:stCxn id="8" idx="2"/>
+            <a:endCxn id="16" idx="0"/>
+          </p:cNvCxnSpPr>
+          <p:nvPr/>
+        </p:nvCxnSpPr>
+        <p:spPr>
+          <a:xfrm>
+            <a:off x="6087315" y="2177737"/>
+            <a:ext cx="2306335" cy="446466"/>
+          </a:xfrm>
+          <a:prstGeom prst="line">
+            <a:avLst/>
+          </a:prstGeom>
+        </p:spPr>
+        <p:style>
+          <a:lnRef idx="1">
+            <a:schemeClr val="accent1"/>
+          </a:lnRef>
+          <a:fillRef idx="0">
+            <a:schemeClr val="accent1"/>
+          </a:fillRef>
+          <a:effectRef idx="0">
+            <a:schemeClr val="accent1"/>
+          </a:effectRef>
+          <a:fontRef idx="minor">
+            <a:schemeClr val="tx1"/>
+          </a:fontRef>
+        </p:style>
+      </p:cxnSp>
+      <p:cxnSp>
+        <p:nvCxnSpPr>
+          <p:cNvPr id="54" name="직선 연결선 53"/>
+          <p:cNvCxnSpPr>
+            <a:stCxn id="14" idx="2"/>
+            <a:endCxn id="17" idx="0"/>
+          </p:cNvCxnSpPr>
+          <p:nvPr/>
+        </p:nvCxnSpPr>
+        <p:spPr>
+          <a:xfrm>
+            <a:off x="5818436" y="3362540"/>
+            <a:ext cx="170482" cy="2493287"/>
+          </a:xfrm>
+          <a:prstGeom prst="line">
+            <a:avLst/>
+          </a:prstGeom>
+        </p:spPr>
+        <p:style>
+          <a:lnRef idx="1">
+            <a:schemeClr val="accent1"/>
+          </a:lnRef>
+          <a:fillRef idx="0">
+            <a:schemeClr val="accent1"/>
+          </a:fillRef>
+          <a:effectRef idx="0">
+            <a:schemeClr val="accent1"/>
+          </a:effectRef>
+          <a:fontRef idx="minor">
+            <a:schemeClr val="tx1"/>
+          </a:fontRef>
+        </p:style>
+      </p:cxnSp>
+      <p:cxnSp>
+        <p:nvCxnSpPr>
+          <p:cNvPr id="56" name="직선 연결선 55"/>
+          <p:cNvCxnSpPr>
+            <a:stCxn id="14" idx="2"/>
+            <a:endCxn id="18" idx="0"/>
+          </p:cNvCxnSpPr>
+          <p:nvPr/>
+        </p:nvCxnSpPr>
+        <p:spPr>
+          <a:xfrm>
+            <a:off x="5818436" y="3362540"/>
+            <a:ext cx="1023940" cy="2429762"/>
+          </a:xfrm>
+          <a:prstGeom prst="line">
+            <a:avLst/>
+          </a:prstGeom>
+        </p:spPr>
+        <p:style>
+          <a:lnRef idx="1">
+            <a:schemeClr val="accent1"/>
+          </a:lnRef>
+          <a:fillRef idx="0">
+            <a:schemeClr val="accent1"/>
+          </a:fillRef>
+          <a:effectRef idx="0">
+            <a:schemeClr val="accent1"/>
+          </a:effectRef>
+          <a:fontRef idx="minor">
+            <a:schemeClr val="tx1"/>
+          </a:fontRef>
+        </p:style>
+      </p:cxnSp>
+      <p:cxnSp>
+        <p:nvCxnSpPr>
+          <p:cNvPr id="58" name="직선 연결선 57"/>
+          <p:cNvCxnSpPr>
+            <a:stCxn id="14" idx="2"/>
+            <a:endCxn id="19" idx="0"/>
+          </p:cNvCxnSpPr>
+          <p:nvPr/>
+        </p:nvCxnSpPr>
+        <p:spPr>
+          <a:xfrm>
+            <a:off x="5818436" y="3362540"/>
+            <a:ext cx="1763224" cy="2428381"/>
+          </a:xfrm>
+          <a:prstGeom prst="line">
+            <a:avLst/>
+          </a:prstGeom>
+        </p:spPr>
+        <p:style>
+          <a:lnRef idx="1">
+            <a:schemeClr val="accent1"/>
+          </a:lnRef>
+          <a:fillRef idx="0">
+            <a:schemeClr val="accent1"/>
+          </a:fillRef>
+          <a:effectRef idx="0">
+            <a:schemeClr val="accent1"/>
+          </a:effectRef>
+          <a:fontRef idx="minor">
+            <a:schemeClr val="tx1"/>
+          </a:fontRef>
+        </p:style>
+      </p:cxnSp>
+      <p:sp>
+        <p:nvSpPr>
+          <p:cNvPr id="59" name="제목 1"/>
+          <p:cNvSpPr>
+            <a:spLocks noGrp="1"/>
+          </p:cNvSpPr>
+          <p:nvPr/>
+        </p:nvSpPr>
+        <p:spPr>
+          <a:xfrm>
+            <a:off x="873426" y="4626550"/>
+            <a:ext cx="1934132" cy="1229277"/>
           </a:xfrm>
           <a:prstGeom prst="rect">
             <a:avLst/>
@@ -5065,7 +5682,7 @@
               <a:defRPr/>
             </a:pPr>
             <a:r>
-              <a:rPr kumimoji="0" lang="ko-KR" altLang="en-US" sz="1500" b="0" i="0" u="none" strike="noStrike" kern="1200" cap="none" spc="0" normalizeH="0" baseline="0">
+              <a:rPr lang="ko-KR" altLang="en-US" sz="1500">
                 <a:solidFill>
                   <a:srgbClr val="000000"/>
                 </a:solidFill>
@@ -5073,29 +5690,220 @@
                 <a:ea typeface="맑은 고딕"/>
                 <a:cs typeface="Calibri"/>
               </a:rPr>
-              <a:t>중급</a:t>
-            </a:r>
-          </a:p>
-        </p:txBody>
-      </p:sp>
-      <p:sp>
-        <p:nvSpPr>
-          <p:cNvPr id="19" name="제목 1">
-            <a:extLst>
-              <a:ext uri="{FF2B5EF4-FFF2-40B4-BE49-F238E27FC236}">
-                <a16:creationId xmlns:a16="http://schemas.microsoft.com/office/drawing/2014/main" id="{9949CDEB-66F6-A8DE-11CC-E2E694DCC69C}"/>
-              </a:ext>
-            </a:extLst>
-          </p:cNvPr>
-          <p:cNvSpPr>
-            <a:spLocks noGrp="1"/>
-          </p:cNvSpPr>
+              <a:t>인터페이스</a:t>
+            </a:r>
+            <a:endParaRPr lang="ko-KR" altLang="en-US" sz="1500">
+              <a:solidFill>
+                <a:srgbClr val="000000"/>
+              </a:solidFill>
+              <a:latin typeface="Calibri"/>
+              <a:ea typeface="맑은 고딕"/>
+              <a:cs typeface="Calibri"/>
+            </a:endParaRPr>
+          </a:p>
+          <a:p>
+            <a:pPr marL="0" lvl="0" indent="0" algn="ctr" defTabSz="914400" rtl="0" eaLnBrk="1" latinLnBrk="1" hangingPunct="1">
+              <a:lnSpc>
+                <a:spcPct val="100000"/>
+              </a:lnSpc>
+              <a:spcBef>
+                <a:spcPct val="0"/>
+              </a:spcBef>
+              <a:spcAft>
+                <a:spcPts val="0"/>
+              </a:spcAft>
+              <a:buNone/>
+              <a:defRPr/>
+            </a:pPr>
+            <a:r>
+              <a:rPr lang="ko-KR" altLang="en-US" sz="1500">
+                <a:solidFill>
+                  <a:srgbClr val="000000"/>
+                </a:solidFill>
+                <a:latin typeface="Calibri"/>
+                <a:ea typeface="맑은 고딕"/>
+                <a:cs typeface="Calibri"/>
+              </a:rPr>
+              <a:t>공격</a:t>
+            </a:r>
+            <a:endParaRPr lang="ko-KR" altLang="en-US" sz="1500">
+              <a:solidFill>
+                <a:srgbClr val="000000"/>
+              </a:solidFill>
+              <a:latin typeface="Calibri"/>
+              <a:ea typeface="맑은 고딕"/>
+              <a:cs typeface="Calibri"/>
+            </a:endParaRPr>
+          </a:p>
+          <a:p>
+            <a:pPr marL="0" lvl="0" indent="0" algn="ctr" defTabSz="914400" rtl="0" eaLnBrk="1" latinLnBrk="1" hangingPunct="1">
+              <a:lnSpc>
+                <a:spcPct val="100000"/>
+              </a:lnSpc>
+              <a:spcBef>
+                <a:spcPct val="0"/>
+              </a:spcBef>
+              <a:spcAft>
+                <a:spcPts val="0"/>
+              </a:spcAft>
+              <a:buNone/>
+              <a:defRPr/>
+            </a:pPr>
+            <a:r>
+              <a:rPr lang="ko-KR" altLang="en-US" sz="1500">
+                <a:solidFill>
+                  <a:srgbClr val="000000"/>
+                </a:solidFill>
+                <a:latin typeface="Calibri"/>
+                <a:ea typeface="맑은 고딕"/>
+                <a:cs typeface="Calibri"/>
+              </a:rPr>
+              <a:t>메서드 </a:t>
+            </a:r>
+            <a:r>
+              <a:rPr lang="en-US" altLang="ko-KR" sz="1500">
+                <a:solidFill>
+                  <a:srgbClr val="000000"/>
+                </a:solidFill>
+                <a:latin typeface="Calibri"/>
+                <a:ea typeface="맑은 고딕"/>
+                <a:cs typeface="Calibri"/>
+              </a:rPr>
+              <a:t>: </a:t>
+            </a:r>
+            <a:r>
+              <a:rPr lang="ko-KR" altLang="en-US" sz="1500">
+                <a:solidFill>
+                  <a:srgbClr val="000000"/>
+                </a:solidFill>
+                <a:latin typeface="Calibri"/>
+                <a:ea typeface="맑은 고딕"/>
+                <a:cs typeface="Calibri"/>
+              </a:rPr>
+              <a:t>기본공격</a:t>
+            </a:r>
+            <a:endParaRPr lang="en-US" altLang="ko-KR" sz="1500">
+              <a:solidFill>
+                <a:srgbClr val="000000"/>
+              </a:solidFill>
+              <a:latin typeface="Calibri"/>
+              <a:ea typeface="맑은 고딕"/>
+              <a:cs typeface="Calibri"/>
+            </a:endParaRPr>
+          </a:p>
+        </p:txBody>
+      </p:sp>
+      <p:cxnSp>
+        <p:nvCxnSpPr>
+          <p:cNvPr id="61" name="직선 연결선 60"/>
+          <p:cNvCxnSpPr>
+            <a:stCxn id="6" idx="2"/>
+            <a:endCxn id="59" idx="0"/>
+          </p:cNvCxnSpPr>
           <p:nvPr/>
-        </p:nvSpPr>
+        </p:nvCxnSpPr>
         <p:spPr>
           <a:xfrm>
-            <a:off x="7291900" y="5790921"/>
-            <a:ext cx="579520" cy="560318"/>
+            <a:off x="1788149" y="2176340"/>
+            <a:ext cx="52343" cy="2450210"/>
+          </a:xfrm>
+          <a:prstGeom prst="line">
+            <a:avLst/>
+          </a:prstGeom>
+        </p:spPr>
+        <p:style>
+          <a:lnRef idx="1">
+            <a:schemeClr val="accent1"/>
+          </a:lnRef>
+          <a:fillRef idx="0">
+            <a:schemeClr val="accent1"/>
+          </a:fillRef>
+          <a:effectRef idx="0">
+            <a:schemeClr val="accent1"/>
+          </a:effectRef>
+          <a:fontRef idx="minor">
+            <a:schemeClr val="tx1"/>
+          </a:fontRef>
+        </p:style>
+      </p:cxnSp>
+      <p:cxnSp>
+        <p:nvCxnSpPr>
+          <p:cNvPr id="63" name="직선 연결선 62"/>
+          <p:cNvCxnSpPr>
+            <a:stCxn id="59" idx="3"/>
+            <a:endCxn id="7" idx="1"/>
+          </p:cNvCxnSpPr>
+          <p:nvPr/>
+        </p:nvCxnSpPr>
+        <p:spPr>
+          <a:xfrm flipV="1">
+            <a:off x="2807558" y="1929305"/>
+            <a:ext cx="1345625" cy="3311884"/>
+          </a:xfrm>
+          <a:prstGeom prst="line">
+            <a:avLst/>
+          </a:prstGeom>
+        </p:spPr>
+        <p:style>
+          <a:lnRef idx="1">
+            <a:schemeClr val="accent1"/>
+          </a:lnRef>
+          <a:fillRef idx="0">
+            <a:schemeClr val="accent1"/>
+          </a:fillRef>
+          <a:effectRef idx="0">
+            <a:schemeClr val="accent1"/>
+          </a:effectRef>
+          <a:fontRef idx="minor">
+            <a:schemeClr val="tx1"/>
+          </a:fontRef>
+        </p:style>
+      </p:cxnSp>
+      <p:cxnSp>
+        <p:nvCxnSpPr>
+          <p:cNvPr id="65" name="직선 연결선 64"/>
+          <p:cNvCxnSpPr>
+            <a:stCxn id="14" idx="1"/>
+            <a:endCxn id="59" idx="3"/>
+          </p:cNvCxnSpPr>
+          <p:nvPr/>
+        </p:nvCxnSpPr>
+        <p:spPr>
+          <a:xfrm flipH="1">
+            <a:off x="2807558" y="2965633"/>
+            <a:ext cx="2606944" cy="2275556"/>
+          </a:xfrm>
+          <a:prstGeom prst="line">
+            <a:avLst/>
+          </a:prstGeom>
+        </p:spPr>
+        <p:style>
+          <a:lnRef idx="1">
+            <a:schemeClr val="accent1"/>
+          </a:lnRef>
+          <a:fillRef idx="0">
+            <a:schemeClr val="accent1"/>
+          </a:fillRef>
+          <a:effectRef idx="0">
+            <a:schemeClr val="accent1"/>
+          </a:effectRef>
+          <a:fontRef idx="minor">
+            <a:schemeClr val="tx1"/>
+          </a:fontRef>
+        </p:style>
+      </p:cxnSp>
+      <p:sp>
+        <p:nvSpPr>
+          <p:cNvPr id="66" name="제목 1"/>
+          <p:cNvSpPr>
+            <a:spLocks noGrp="1"/>
+          </p:cNvSpPr>
+          <p:nvPr/>
+        </p:nvSpPr>
+        <p:spPr>
+          <a:xfrm>
+            <a:off x="7143312" y="1694465"/>
+            <a:ext cx="963872" cy="631711"/>
           </a:xfrm>
           <a:prstGeom prst="rect">
             <a:avLst/>
@@ -5136,20 +5944,22 @@
                 <a:ea typeface="맑은 고딕"/>
                 <a:cs typeface="Calibri"/>
               </a:rPr>
-              <a:t>하급</a:t>
-            </a:r>
-          </a:p>
-        </p:txBody>
-      </p:sp>
-      <p:sp>
-        <p:nvSpPr>
-          <p:cNvPr id="20" name="제목 1">
-            <a:extLst>
-              <a:ext uri="{FF2B5EF4-FFF2-40B4-BE49-F238E27FC236}">
-                <a16:creationId xmlns:a16="http://schemas.microsoft.com/office/drawing/2014/main" id="{96762804-29D3-A099-798E-9D572E0DD685}"/>
-              </a:ext>
-            </a:extLst>
-          </p:cNvPr>
+              <a:t>대검</a:t>
+            </a:r>
+            <a:endParaRPr kumimoji="0" lang="en-US" altLang="ko-KR" sz="1500" b="0" i="0" u="none" strike="noStrike" kern="1200" cap="none" spc="0" normalizeH="0" baseline="0">
+              <a:solidFill>
+                <a:srgbClr val="000000"/>
+              </a:solidFill>
+              <a:latin typeface="Calibri"/>
+              <a:ea typeface="맑은 고딕"/>
+              <a:cs typeface="Calibri"/>
+            </a:endParaRPr>
+          </a:p>
+        </p:txBody>
+      </p:sp>
+      <p:sp>
+        <p:nvSpPr>
+          <p:cNvPr id="67" name="제목 1"/>
           <p:cNvSpPr>
             <a:spLocks noGrp="1"/>
           </p:cNvSpPr>
@@ -5157,8 +5967,8 @@
         </p:nvSpPr>
         <p:spPr>
           <a:xfrm>
-            <a:off x="7810758" y="1213369"/>
-            <a:ext cx="579520" cy="408154"/>
+            <a:off x="8205814" y="1726744"/>
+            <a:ext cx="662138" cy="697909"/>
           </a:xfrm>
           <a:prstGeom prst="rect">
             <a:avLst/>
@@ -5191,7 +6001,7 @@
               <a:defRPr/>
             </a:pPr>
             <a:r>
-              <a:rPr kumimoji="0" lang="ko-KR" altLang="en-US" sz="1500" b="0" i="0" u="none" strike="noStrike" kern="1200" cap="none" spc="0" normalizeH="0" baseline="0" dirty="0">
+              <a:rPr kumimoji="0" lang="ko-KR" altLang="en-US" sz="1500" b="0" u="none" strike="noStrike" kern="1200" cap="none" spc="0" normalizeH="0" baseline="0">
                 <a:solidFill>
                   <a:srgbClr val="000000"/>
                 </a:solidFill>
@@ -5199,20 +6009,45 @@
                 <a:ea typeface="맑은 고딕"/>
                 <a:cs typeface="Calibri"/>
               </a:rPr>
-              <a:t>검류</a:t>
-            </a:r>
-          </a:p>
-        </p:txBody>
-      </p:sp>
-      <p:sp>
-        <p:nvSpPr>
-          <p:cNvPr id="21" name="제목 1">
-            <a:extLst>
-              <a:ext uri="{FF2B5EF4-FFF2-40B4-BE49-F238E27FC236}">
-                <a16:creationId xmlns:a16="http://schemas.microsoft.com/office/drawing/2014/main" id="{952598D0-A76C-C5D7-A36F-AD307DF2E0E4}"/>
-              </a:ext>
-            </a:extLst>
-          </p:cNvPr>
+              <a:t>소검</a:t>
+            </a:r>
+            <a:endParaRPr kumimoji="0" lang="ko-KR" altLang="en-US" sz="1500" b="0" u="none" strike="noStrike" kern="1200" cap="none" spc="0" normalizeH="0" baseline="0">
+              <a:solidFill>
+                <a:srgbClr val="000000"/>
+              </a:solidFill>
+              <a:latin typeface="Calibri"/>
+              <a:ea typeface="맑은 고딕"/>
+              <a:cs typeface="Calibri"/>
+            </a:endParaRPr>
+          </a:p>
+          <a:p>
+            <a:pPr marL="0" lvl="0" indent="0" algn="ctr" defTabSz="914400" rtl="0" eaLnBrk="1" latinLnBrk="1" hangingPunct="1">
+              <a:lnSpc>
+                <a:spcPct val="100000"/>
+              </a:lnSpc>
+              <a:spcBef>
+                <a:spcPct val="0"/>
+              </a:spcBef>
+              <a:spcAft>
+                <a:spcPts val="0"/>
+              </a:spcAft>
+              <a:buNone/>
+              <a:defRPr/>
+            </a:pPr>
+            <a:endParaRPr lang="en-US" altLang="ko-KR" sz="1500" i="1">
+              <a:solidFill>
+                <a:srgbClr val="000000"/>
+              </a:solidFill>
+              <a:latin typeface="Calibri"/>
+              <a:ea typeface="맑은 고딕"/>
+              <a:cs typeface="Calibri"/>
+            </a:endParaRPr>
+          </a:p>
+        </p:txBody>
+      </p:sp>
+      <p:sp>
+        <p:nvSpPr>
+          <p:cNvPr id="68" name="제목 1"/>
           <p:cNvSpPr>
             <a:spLocks noGrp="1"/>
           </p:cNvSpPr>
@@ -5220,8 +6055,8 @@
         </p:nvSpPr>
         <p:spPr>
           <a:xfrm>
-            <a:off x="8948634" y="1141177"/>
-            <a:ext cx="579520" cy="408154"/>
+            <a:off x="9015779" y="1782509"/>
+            <a:ext cx="579520" cy="697909"/>
           </a:xfrm>
           <a:prstGeom prst="rect">
             <a:avLst/>
@@ -5262,20 +6097,45 @@
                 <a:ea typeface="맑은 고딕"/>
                 <a:cs typeface="Calibri"/>
               </a:rPr>
-              <a:t>활류</a:t>
-            </a:r>
-          </a:p>
-        </p:txBody>
-      </p:sp>
-      <p:sp>
-        <p:nvSpPr>
-          <p:cNvPr id="22" name="제목 1">
-            <a:extLst>
-              <a:ext uri="{FF2B5EF4-FFF2-40B4-BE49-F238E27FC236}">
-                <a16:creationId xmlns:a16="http://schemas.microsoft.com/office/drawing/2014/main" id="{BD005806-37A9-B8A4-62F1-C3065EEF5835}"/>
-              </a:ext>
-            </a:extLst>
-          </p:cNvPr>
+              <a:t>둔기</a:t>
+            </a:r>
+            <a:endParaRPr kumimoji="0" lang="ko-KR" altLang="en-US" sz="1500" b="0" i="0" u="none" strike="noStrike" kern="1200" cap="none" spc="0" normalizeH="0" baseline="0">
+              <a:solidFill>
+                <a:srgbClr val="000000"/>
+              </a:solidFill>
+              <a:latin typeface="Calibri"/>
+              <a:ea typeface="맑은 고딕"/>
+              <a:cs typeface="Calibri"/>
+            </a:endParaRPr>
+          </a:p>
+          <a:p>
+            <a:pPr marL="0" lvl="0" indent="0" algn="ctr" defTabSz="914400" rtl="0" eaLnBrk="1" latinLnBrk="1" hangingPunct="1">
+              <a:lnSpc>
+                <a:spcPct val="100000"/>
+              </a:lnSpc>
+              <a:spcBef>
+                <a:spcPct val="0"/>
+              </a:spcBef>
+              <a:spcAft>
+                <a:spcPts val="0"/>
+              </a:spcAft>
+              <a:buNone/>
+              <a:defRPr/>
+            </a:pPr>
+            <a:endParaRPr kumimoji="0" lang="ko-KR" altLang="en-US" sz="1500" b="0" i="0" u="none" strike="noStrike" kern="1200" cap="none" spc="0" normalizeH="0" baseline="0">
+              <a:solidFill>
+                <a:srgbClr val="000000"/>
+              </a:solidFill>
+              <a:latin typeface="Calibri"/>
+              <a:ea typeface="맑은 고딕"/>
+              <a:cs typeface="Calibri"/>
+            </a:endParaRPr>
+          </a:p>
+        </p:txBody>
+      </p:sp>
+      <p:sp>
+        <p:nvSpPr>
+          <p:cNvPr id="69" name="제목 1"/>
           <p:cNvSpPr>
             <a:spLocks noGrp="1"/>
           </p:cNvSpPr>
@@ -5283,8 +6143,8 @@
         </p:nvSpPr>
         <p:spPr>
           <a:xfrm>
-            <a:off x="9821906" y="1045779"/>
-            <a:ext cx="579520" cy="408154"/>
+            <a:off x="9019421" y="3144725"/>
+            <a:ext cx="730041" cy="697909"/>
           </a:xfrm>
           <a:prstGeom prst="rect">
             <a:avLst/>
@@ -5325,539 +6185,31 @@
                 <a:ea typeface="맑은 고딕"/>
                 <a:cs typeface="Calibri"/>
               </a:rPr>
-              <a:t>봉류</a:t>
-            </a:r>
-          </a:p>
-        </p:txBody>
-      </p:sp>
-      <p:cxnSp>
-        <p:nvCxnSpPr>
-          <p:cNvPr id="24" name="직선 연결선 23">
-            <a:extLst>
-              <a:ext uri="{FF2B5EF4-FFF2-40B4-BE49-F238E27FC236}">
-                <a16:creationId xmlns:a16="http://schemas.microsoft.com/office/drawing/2014/main" id="{E72DC1FF-35F1-76DE-75BB-570675553B1B}"/>
-              </a:ext>
-            </a:extLst>
-          </p:cNvPr>
-          <p:cNvCxnSpPr>
-            <a:stCxn id="4" idx="1"/>
-            <a:endCxn id="6" idx="3"/>
-          </p:cNvCxnSpPr>
+              <a:t>석궁</a:t>
+            </a:r>
+            <a:endParaRPr kumimoji="0" lang="en-US" altLang="ko-KR" sz="1500" b="0" i="0" u="none" strike="noStrike" kern="1200" cap="none" spc="0" normalizeH="0" baseline="0">
+              <a:solidFill>
+                <a:srgbClr val="000000"/>
+              </a:solidFill>
+              <a:latin typeface="Calibri"/>
+              <a:ea typeface="맑은 고딕"/>
+              <a:cs typeface="Calibri"/>
+            </a:endParaRPr>
+          </a:p>
+        </p:txBody>
+      </p:sp>
+      <p:sp>
+        <p:nvSpPr>
+          <p:cNvPr id="70" name="제목 1"/>
+          <p:cNvSpPr>
+            <a:spLocks noGrp="1"/>
+          </p:cNvSpPr>
           <p:nvPr/>
-        </p:nvCxnSpPr>
-        <p:spPr>
-          <a:xfrm flipH="1">
-            <a:off x="3023250" y="658758"/>
-            <a:ext cx="1708276" cy="758791"/>
-          </a:xfrm>
-          <a:prstGeom prst="line">
-            <a:avLst/>
-          </a:prstGeom>
-        </p:spPr>
-        <p:style>
-          <a:lnRef idx="1">
-            <a:schemeClr val="accent1"/>
-          </a:lnRef>
-          <a:fillRef idx="0">
-            <a:schemeClr val="accent1"/>
-          </a:fillRef>
-          <a:effectRef idx="0">
-            <a:schemeClr val="accent1"/>
-          </a:effectRef>
-          <a:fontRef idx="minor">
-            <a:schemeClr val="tx1"/>
-          </a:fontRef>
-        </p:style>
-      </p:cxnSp>
-      <p:cxnSp>
-        <p:nvCxnSpPr>
-          <p:cNvPr id="26" name="직선 연결선 25">
-            <a:extLst>
-              <a:ext uri="{FF2B5EF4-FFF2-40B4-BE49-F238E27FC236}">
-                <a16:creationId xmlns:a16="http://schemas.microsoft.com/office/drawing/2014/main" id="{1062A722-2595-D585-4B06-72F939815519}"/>
-              </a:ext>
-            </a:extLst>
-          </p:cNvPr>
-          <p:cNvCxnSpPr>
-            <a:stCxn id="4" idx="2"/>
-            <a:endCxn id="7" idx="0"/>
-          </p:cNvCxnSpPr>
-          <p:nvPr/>
-        </p:nvCxnSpPr>
-        <p:spPr>
-          <a:xfrm flipH="1">
-            <a:off x="4713020" y="1219861"/>
-            <a:ext cx="1275898" cy="220295"/>
-          </a:xfrm>
-          <a:prstGeom prst="line">
-            <a:avLst/>
-          </a:prstGeom>
-        </p:spPr>
-        <p:style>
-          <a:lnRef idx="1">
-            <a:schemeClr val="accent1"/>
-          </a:lnRef>
-          <a:fillRef idx="0">
-            <a:schemeClr val="accent1"/>
-          </a:fillRef>
-          <a:effectRef idx="0">
-            <a:schemeClr val="accent1"/>
-          </a:effectRef>
-          <a:fontRef idx="minor">
-            <a:schemeClr val="tx1"/>
-          </a:fontRef>
-        </p:style>
-      </p:cxnSp>
-      <p:cxnSp>
-        <p:nvCxnSpPr>
-          <p:cNvPr id="30" name="직선 연결선 29">
-            <a:extLst>
-              <a:ext uri="{FF2B5EF4-FFF2-40B4-BE49-F238E27FC236}">
-                <a16:creationId xmlns:a16="http://schemas.microsoft.com/office/drawing/2014/main" id="{DF14DDBA-D698-359C-23FA-4CB05DD46C7D}"/>
-              </a:ext>
-            </a:extLst>
-          </p:cNvPr>
-          <p:cNvCxnSpPr>
-            <a:cxnSpLocks/>
-            <a:stCxn id="6" idx="2"/>
-            <a:endCxn id="9" idx="0"/>
-          </p:cNvCxnSpPr>
-          <p:nvPr/>
-        </p:nvCxnSpPr>
-        <p:spPr>
-          <a:xfrm flipH="1">
-            <a:off x="881520" y="2176340"/>
-            <a:ext cx="906629" cy="279505"/>
-          </a:xfrm>
-          <a:prstGeom prst="line">
-            <a:avLst/>
-          </a:prstGeom>
-        </p:spPr>
-        <p:style>
-          <a:lnRef idx="1">
-            <a:schemeClr val="accent1"/>
-          </a:lnRef>
-          <a:fillRef idx="0">
-            <a:schemeClr val="accent1"/>
-          </a:fillRef>
-          <a:effectRef idx="0">
-            <a:schemeClr val="accent1"/>
-          </a:effectRef>
-          <a:fontRef idx="minor">
-            <a:schemeClr val="tx1"/>
-          </a:fontRef>
-        </p:style>
-      </p:cxnSp>
-      <p:cxnSp>
-        <p:nvCxnSpPr>
-          <p:cNvPr id="32" name="직선 연결선 31">
-            <a:extLst>
-              <a:ext uri="{FF2B5EF4-FFF2-40B4-BE49-F238E27FC236}">
-                <a16:creationId xmlns:a16="http://schemas.microsoft.com/office/drawing/2014/main" id="{058D0A1C-0391-6EF3-46C3-FA9400212E63}"/>
-              </a:ext>
-            </a:extLst>
-          </p:cNvPr>
-          <p:cNvCxnSpPr>
-            <a:cxnSpLocks/>
-            <a:stCxn id="6" idx="2"/>
-            <a:endCxn id="10" idx="0"/>
-          </p:cNvCxnSpPr>
-          <p:nvPr/>
-        </p:nvCxnSpPr>
+        </p:nvSpPr>
         <p:spPr>
           <a:xfrm>
-            <a:off x="1788149" y="2176340"/>
-            <a:ext cx="594517" cy="283904"/>
-          </a:xfrm>
-          <a:prstGeom prst="line">
-            <a:avLst/>
-          </a:prstGeom>
-        </p:spPr>
-        <p:style>
-          <a:lnRef idx="1">
-            <a:schemeClr val="accent1"/>
-          </a:lnRef>
-          <a:fillRef idx="0">
-            <a:schemeClr val="accent1"/>
-          </a:fillRef>
-          <a:effectRef idx="0">
-            <a:schemeClr val="accent1"/>
-          </a:effectRef>
-          <a:fontRef idx="minor">
-            <a:schemeClr val="tx1"/>
-          </a:fontRef>
-        </p:style>
-      </p:cxnSp>
-      <p:cxnSp>
-        <p:nvCxnSpPr>
-          <p:cNvPr id="34" name="직선 연결선 33">
-            <a:extLst>
-              <a:ext uri="{FF2B5EF4-FFF2-40B4-BE49-F238E27FC236}">
-                <a16:creationId xmlns:a16="http://schemas.microsoft.com/office/drawing/2014/main" id="{6F92DE08-D7A0-7C45-9940-9E6B1F340333}"/>
-              </a:ext>
-            </a:extLst>
-          </p:cNvPr>
-          <p:cNvCxnSpPr>
-            <a:cxnSpLocks/>
-            <a:stCxn id="6" idx="2"/>
-            <a:endCxn id="11" idx="0"/>
-          </p:cNvCxnSpPr>
-          <p:nvPr/>
-        </p:nvCxnSpPr>
-        <p:spPr>
-          <a:xfrm>
-            <a:off x="1788149" y="2176340"/>
-            <a:ext cx="1925386" cy="304078"/>
-          </a:xfrm>
-          <a:prstGeom prst="line">
-            <a:avLst/>
-          </a:prstGeom>
-        </p:spPr>
-        <p:style>
-          <a:lnRef idx="1">
-            <a:schemeClr val="accent1"/>
-          </a:lnRef>
-          <a:fillRef idx="0">
-            <a:schemeClr val="accent1"/>
-          </a:fillRef>
-          <a:effectRef idx="0">
-            <a:schemeClr val="accent1"/>
-          </a:effectRef>
-          <a:fontRef idx="minor">
-            <a:schemeClr val="tx1"/>
-          </a:fontRef>
-        </p:style>
-      </p:cxnSp>
-      <p:cxnSp>
-        <p:nvCxnSpPr>
-          <p:cNvPr id="36" name="직선 연결선 35">
-            <a:extLst>
-              <a:ext uri="{FF2B5EF4-FFF2-40B4-BE49-F238E27FC236}">
-                <a16:creationId xmlns:a16="http://schemas.microsoft.com/office/drawing/2014/main" id="{F34B6C4B-9E3C-FEAC-F253-27BD79E8850C}"/>
-              </a:ext>
-            </a:extLst>
-          </p:cNvPr>
-          <p:cNvCxnSpPr>
-            <a:stCxn id="7" idx="2"/>
-            <a:endCxn id="12" idx="0"/>
-          </p:cNvCxnSpPr>
-          <p:nvPr/>
-        </p:nvCxnSpPr>
-        <p:spPr>
-          <a:xfrm flipH="1">
-            <a:off x="3713535" y="2418453"/>
-            <a:ext cx="999485" cy="2947252"/>
-          </a:xfrm>
-          <a:prstGeom prst="line">
-            <a:avLst/>
-          </a:prstGeom>
-        </p:spPr>
-        <p:style>
-          <a:lnRef idx="1">
-            <a:schemeClr val="accent1"/>
-          </a:lnRef>
-          <a:fillRef idx="0">
-            <a:schemeClr val="accent1"/>
-          </a:fillRef>
-          <a:effectRef idx="0">
-            <a:schemeClr val="accent1"/>
-          </a:effectRef>
-          <a:fontRef idx="minor">
-            <a:schemeClr val="tx1"/>
-          </a:fontRef>
-        </p:style>
-      </p:cxnSp>
-      <p:cxnSp>
-        <p:nvCxnSpPr>
-          <p:cNvPr id="40" name="직선 연결선 39">
-            <a:extLst>
-              <a:ext uri="{FF2B5EF4-FFF2-40B4-BE49-F238E27FC236}">
-                <a16:creationId xmlns:a16="http://schemas.microsoft.com/office/drawing/2014/main" id="{C8DB66AD-DF45-AD44-FA4F-0449B4C1A7D1}"/>
-              </a:ext>
-            </a:extLst>
-          </p:cNvPr>
-          <p:cNvCxnSpPr>
-            <a:stCxn id="7" idx="2"/>
-            <a:endCxn id="13" idx="0"/>
-          </p:cNvCxnSpPr>
-          <p:nvPr/>
-        </p:nvCxnSpPr>
-        <p:spPr>
-          <a:xfrm>
-            <a:off x="4713020" y="2418453"/>
-            <a:ext cx="167957" cy="2866473"/>
-          </a:xfrm>
-          <a:prstGeom prst="line">
-            <a:avLst/>
-          </a:prstGeom>
-        </p:spPr>
-        <p:style>
-          <a:lnRef idx="1">
-            <a:schemeClr val="accent1"/>
-          </a:lnRef>
-          <a:fillRef idx="0">
-            <a:schemeClr val="accent1"/>
-          </a:fillRef>
-          <a:effectRef idx="0">
-            <a:schemeClr val="accent1"/>
-          </a:effectRef>
-          <a:fontRef idx="minor">
-            <a:schemeClr val="tx1"/>
-          </a:fontRef>
-        </p:style>
-      </p:cxnSp>
-      <p:cxnSp>
-        <p:nvCxnSpPr>
-          <p:cNvPr id="42" name="직선 연결선 41">
-            <a:extLst>
-              <a:ext uri="{FF2B5EF4-FFF2-40B4-BE49-F238E27FC236}">
-                <a16:creationId xmlns:a16="http://schemas.microsoft.com/office/drawing/2014/main" id="{07A35893-986A-D994-9DD4-CE12ADD8779F}"/>
-              </a:ext>
-            </a:extLst>
-          </p:cNvPr>
-          <p:cNvCxnSpPr>
-            <a:stCxn id="8" idx="2"/>
-            <a:endCxn id="14" idx="0"/>
-          </p:cNvCxnSpPr>
-          <p:nvPr/>
-        </p:nvCxnSpPr>
-        <p:spPr>
-          <a:xfrm flipH="1">
-            <a:off x="5818436" y="2177737"/>
-            <a:ext cx="268879" cy="390988"/>
-          </a:xfrm>
-          <a:prstGeom prst="line">
-            <a:avLst/>
-          </a:prstGeom>
-        </p:spPr>
-        <p:style>
-          <a:lnRef idx="1">
-            <a:schemeClr val="accent1"/>
-          </a:lnRef>
-          <a:fillRef idx="0">
-            <a:schemeClr val="accent1"/>
-          </a:fillRef>
-          <a:effectRef idx="0">
-            <a:schemeClr val="accent1"/>
-          </a:effectRef>
-          <a:fontRef idx="minor">
-            <a:schemeClr val="tx1"/>
-          </a:fontRef>
-        </p:style>
-      </p:cxnSp>
-      <p:cxnSp>
-        <p:nvCxnSpPr>
-          <p:cNvPr id="44" name="직선 연결선 43">
-            <a:extLst>
-              <a:ext uri="{FF2B5EF4-FFF2-40B4-BE49-F238E27FC236}">
-                <a16:creationId xmlns:a16="http://schemas.microsoft.com/office/drawing/2014/main" id="{0B3BC0BB-7749-E03F-38E9-4FDB9E74F958}"/>
-              </a:ext>
-            </a:extLst>
-          </p:cNvPr>
-          <p:cNvCxnSpPr>
-            <a:stCxn id="8" idx="2"/>
-            <a:endCxn id="15" idx="0"/>
-          </p:cNvCxnSpPr>
-          <p:nvPr/>
-        </p:nvCxnSpPr>
-        <p:spPr>
-          <a:xfrm>
-            <a:off x="6087315" y="2177737"/>
-            <a:ext cx="787118" cy="414118"/>
-          </a:xfrm>
-          <a:prstGeom prst="line">
-            <a:avLst/>
-          </a:prstGeom>
-        </p:spPr>
-        <p:style>
-          <a:lnRef idx="1">
-            <a:schemeClr val="accent1"/>
-          </a:lnRef>
-          <a:fillRef idx="0">
-            <a:schemeClr val="accent1"/>
-          </a:fillRef>
-          <a:effectRef idx="0">
-            <a:schemeClr val="accent1"/>
-          </a:effectRef>
-          <a:fontRef idx="minor">
-            <a:schemeClr val="tx1"/>
-          </a:fontRef>
-        </p:style>
-      </p:cxnSp>
-      <p:cxnSp>
-        <p:nvCxnSpPr>
-          <p:cNvPr id="46" name="직선 연결선 45">
-            <a:extLst>
-              <a:ext uri="{FF2B5EF4-FFF2-40B4-BE49-F238E27FC236}">
-                <a16:creationId xmlns:a16="http://schemas.microsoft.com/office/drawing/2014/main" id="{9C6C60D4-08DC-23C8-8A1B-34539C8CFC3B}"/>
-              </a:ext>
-            </a:extLst>
-          </p:cNvPr>
-          <p:cNvCxnSpPr>
-            <a:stCxn id="8" idx="2"/>
-            <a:endCxn id="16" idx="0"/>
-          </p:cNvCxnSpPr>
-          <p:nvPr/>
-        </p:nvCxnSpPr>
-        <p:spPr>
-          <a:xfrm>
-            <a:off x="6087315" y="2177737"/>
-            <a:ext cx="2306335" cy="446466"/>
-          </a:xfrm>
-          <a:prstGeom prst="line">
-            <a:avLst/>
-          </a:prstGeom>
-        </p:spPr>
-        <p:style>
-          <a:lnRef idx="1">
-            <a:schemeClr val="accent1"/>
-          </a:lnRef>
-          <a:fillRef idx="0">
-            <a:schemeClr val="accent1"/>
-          </a:fillRef>
-          <a:effectRef idx="0">
-            <a:schemeClr val="accent1"/>
-          </a:effectRef>
-          <a:fontRef idx="minor">
-            <a:schemeClr val="tx1"/>
-          </a:fontRef>
-        </p:style>
-      </p:cxnSp>
-      <p:cxnSp>
-        <p:nvCxnSpPr>
-          <p:cNvPr id="54" name="직선 연결선 53">
-            <a:extLst>
-              <a:ext uri="{FF2B5EF4-FFF2-40B4-BE49-F238E27FC236}">
-                <a16:creationId xmlns:a16="http://schemas.microsoft.com/office/drawing/2014/main" id="{9EE46307-7044-04A8-79E2-30A3122C08E5}"/>
-              </a:ext>
-            </a:extLst>
-          </p:cNvPr>
-          <p:cNvCxnSpPr>
-            <a:stCxn id="14" idx="2"/>
-            <a:endCxn id="17" idx="0"/>
-          </p:cNvCxnSpPr>
-          <p:nvPr/>
-        </p:nvCxnSpPr>
-        <p:spPr>
-          <a:xfrm>
-            <a:off x="5818436" y="3362540"/>
-            <a:ext cx="170482" cy="2493287"/>
-          </a:xfrm>
-          <a:prstGeom prst="line">
-            <a:avLst/>
-          </a:prstGeom>
-        </p:spPr>
-        <p:style>
-          <a:lnRef idx="1">
-            <a:schemeClr val="accent1"/>
-          </a:lnRef>
-          <a:fillRef idx="0">
-            <a:schemeClr val="accent1"/>
-          </a:fillRef>
-          <a:effectRef idx="0">
-            <a:schemeClr val="accent1"/>
-          </a:effectRef>
-          <a:fontRef idx="minor">
-            <a:schemeClr val="tx1"/>
-          </a:fontRef>
-        </p:style>
-      </p:cxnSp>
-      <p:cxnSp>
-        <p:nvCxnSpPr>
-          <p:cNvPr id="56" name="직선 연결선 55">
-            <a:extLst>
-              <a:ext uri="{FF2B5EF4-FFF2-40B4-BE49-F238E27FC236}">
-                <a16:creationId xmlns:a16="http://schemas.microsoft.com/office/drawing/2014/main" id="{D488603C-0EDF-E48E-E1A3-C95630F1ACE5}"/>
-              </a:ext>
-            </a:extLst>
-          </p:cNvPr>
-          <p:cNvCxnSpPr>
-            <a:stCxn id="14" idx="2"/>
-            <a:endCxn id="18" idx="0"/>
-          </p:cNvCxnSpPr>
-          <p:nvPr/>
-        </p:nvCxnSpPr>
-        <p:spPr>
-          <a:xfrm>
-            <a:off x="5818436" y="3362540"/>
-            <a:ext cx="1023940" cy="2429762"/>
-          </a:xfrm>
-          <a:prstGeom prst="line">
-            <a:avLst/>
-          </a:prstGeom>
-        </p:spPr>
-        <p:style>
-          <a:lnRef idx="1">
-            <a:schemeClr val="accent1"/>
-          </a:lnRef>
-          <a:fillRef idx="0">
-            <a:schemeClr val="accent1"/>
-          </a:fillRef>
-          <a:effectRef idx="0">
-            <a:schemeClr val="accent1"/>
-          </a:effectRef>
-          <a:fontRef idx="minor">
-            <a:schemeClr val="tx1"/>
-          </a:fontRef>
-        </p:style>
-      </p:cxnSp>
-      <p:cxnSp>
-        <p:nvCxnSpPr>
-          <p:cNvPr id="58" name="직선 연결선 57">
-            <a:extLst>
-              <a:ext uri="{FF2B5EF4-FFF2-40B4-BE49-F238E27FC236}">
-                <a16:creationId xmlns:a16="http://schemas.microsoft.com/office/drawing/2014/main" id="{567172C8-39CB-29AD-1B82-7C0FFBCE629B}"/>
-              </a:ext>
-            </a:extLst>
-          </p:cNvPr>
-          <p:cNvCxnSpPr>
-            <a:stCxn id="14" idx="2"/>
-            <a:endCxn id="19" idx="0"/>
-          </p:cNvCxnSpPr>
-          <p:nvPr/>
-        </p:nvCxnSpPr>
-        <p:spPr>
-          <a:xfrm>
-            <a:off x="5818436" y="3362540"/>
-            <a:ext cx="1763224" cy="2428381"/>
-          </a:xfrm>
-          <a:prstGeom prst="line">
-            <a:avLst/>
-          </a:prstGeom>
-        </p:spPr>
-        <p:style>
-          <a:lnRef idx="1">
-            <a:schemeClr val="accent1"/>
-          </a:lnRef>
-          <a:fillRef idx="0">
-            <a:schemeClr val="accent1"/>
-          </a:fillRef>
-          <a:effectRef idx="0">
-            <a:schemeClr val="accent1"/>
-          </a:effectRef>
-          <a:fontRef idx="minor">
-            <a:schemeClr val="tx1"/>
-          </a:fontRef>
-        </p:style>
-      </p:cxnSp>
-      <p:sp>
-        <p:nvSpPr>
-          <p:cNvPr id="59" name="제목 1">
-            <a:extLst>
-              <a:ext uri="{FF2B5EF4-FFF2-40B4-BE49-F238E27FC236}">
-                <a16:creationId xmlns:a16="http://schemas.microsoft.com/office/drawing/2014/main" id="{ACADC8F1-8F08-08F7-AF95-1BC686D1B2EC}"/>
-              </a:ext>
-            </a:extLst>
-          </p:cNvPr>
-          <p:cNvSpPr>
-            <a:spLocks noGrp="1"/>
-          </p:cNvSpPr>
-          <p:nvPr/>
-        </p:nvSpPr>
-        <p:spPr>
-          <a:xfrm>
-            <a:off x="873426" y="4626550"/>
-            <a:ext cx="1934132" cy="1229277"/>
+            <a:off x="9974946" y="3194171"/>
+            <a:ext cx="813472" cy="697908"/>
           </a:xfrm>
           <a:prstGeom prst="rect">
             <a:avLst/>
@@ -5890,7 +6242,7 @@
               <a:defRPr/>
             </a:pPr>
             <a:r>
-              <a:rPr lang="ko-KR" altLang="en-US" sz="1500">
+              <a:rPr kumimoji="0" lang="ko-KR" altLang="en-US" sz="1500" b="0" i="0" u="none" strike="noStrike" kern="1200" cap="none" spc="0" normalizeH="0" baseline="0">
                 <a:solidFill>
                   <a:srgbClr val="000000"/>
                 </a:solidFill>
@@ -5898,8 +6250,16 @@
                 <a:ea typeface="맑은 고딕"/>
                 <a:cs typeface="Calibri"/>
               </a:rPr>
-              <a:t>인터페이스</a:t>
-            </a:r>
+              <a:t>활</a:t>
+            </a:r>
+            <a:endParaRPr kumimoji="0" lang="ko-KR" altLang="en-US" sz="1500" b="0" i="0" u="none" strike="noStrike" kern="1200" cap="none" spc="0" normalizeH="0" baseline="0">
+              <a:solidFill>
+                <a:srgbClr val="000000"/>
+              </a:solidFill>
+              <a:latin typeface="Calibri"/>
+              <a:ea typeface="맑은 고딕"/>
+              <a:cs typeface="Calibri"/>
+            </a:endParaRPr>
           </a:p>
           <a:p>
             <a:pPr marL="0" lvl="0" indent="0" algn="ctr" defTabSz="914400" rtl="0" eaLnBrk="1" latinLnBrk="1" hangingPunct="1">
@@ -5915,18 +6275,46 @@
               <a:buNone/>
               <a:defRPr/>
             </a:pPr>
-            <a:r>
-              <a:rPr lang="ko-KR" altLang="en-US" sz="1500">
-                <a:solidFill>
-                  <a:srgbClr val="000000"/>
-                </a:solidFill>
-                <a:latin typeface="Calibri"/>
-                <a:ea typeface="맑은 고딕"/>
-                <a:cs typeface="Calibri"/>
-              </a:rPr>
-              <a:t>공격</a:t>
-            </a:r>
-          </a:p>
+            <a:endParaRPr lang="en-US" altLang="ko-KR" sz="1500">
+              <a:solidFill>
+                <a:srgbClr val="000000"/>
+              </a:solidFill>
+              <a:latin typeface="Calibri"/>
+              <a:ea typeface="맑은 고딕"/>
+              <a:cs typeface="Calibri"/>
+            </a:endParaRPr>
+          </a:p>
+        </p:txBody>
+      </p:sp>
+      <p:sp>
+        <p:nvSpPr>
+          <p:cNvPr id="72" name="제목 1"/>
+          <p:cNvSpPr>
+            <a:spLocks noGrp="1"/>
+          </p:cNvSpPr>
+          <p:nvPr/>
+        </p:nvSpPr>
+        <p:spPr>
+          <a:xfrm>
+            <a:off x="10897008" y="1818778"/>
+            <a:ext cx="1016126" cy="805425"/>
+          </a:xfrm>
+          <a:prstGeom prst="rect">
+            <a:avLst/>
+          </a:prstGeom>
+          <a:ln>
+            <a:solidFill>
+              <a:srgbClr val="000000">
+                <a:alpha val="100000"/>
+              </a:srgbClr>
+            </a:solidFill>
+          </a:ln>
+        </p:spPr>
+        <p:txBody>
+          <a:bodyPr vert="horz" lIns="91440" tIns="45720" rIns="91440" bIns="45720" anchor="ctr">
+            <a:normAutofit/>
+          </a:bodyPr>
+          <a:lstStyle/>
           <a:p>
             <a:pPr marL="0" lvl="0" indent="0" algn="ctr" defTabSz="914400" rtl="0" eaLnBrk="1" latinLnBrk="1" hangingPunct="1">
               <a:lnSpc>
@@ -5942,7 +6330,7 @@
               <a:defRPr/>
             </a:pPr>
             <a:r>
-              <a:rPr lang="ko-KR" altLang="en-US" sz="1500">
+              <a:rPr kumimoji="0" lang="ko-KR" altLang="en-US" sz="1500" b="0" i="0" u="none" strike="noStrike" kern="1200" cap="none" spc="0" normalizeH="0" baseline="0">
                 <a:solidFill>
                   <a:srgbClr val="000000"/>
                 </a:solidFill>
@@ -5950,7 +6338,7 @@
                 <a:ea typeface="맑은 고딕"/>
                 <a:cs typeface="Calibri"/>
               </a:rPr>
-              <a:t>메서드 </a:t>
+              <a:t>빗자루</a:t>
             </a:r>
             <a:r>
               <a:rPr lang="en-US" altLang="ko-KR" sz="1500">
@@ -5961,20 +6349,9 @@
                 <a:ea typeface="맑은 고딕"/>
                 <a:cs typeface="Calibri"/>
               </a:rPr>
-              <a:t>: </a:t>
-            </a:r>
-            <a:r>
-              <a:rPr lang="ko-KR" altLang="en-US" sz="1500">
-                <a:solidFill>
-                  <a:srgbClr val="000000"/>
-                </a:solidFill>
-                <a:latin typeface="Calibri"/>
-                <a:ea typeface="맑은 고딕"/>
-                <a:cs typeface="Calibri"/>
-              </a:rPr>
-              <a:t>기본공격</a:t>
-            </a:r>
-            <a:endParaRPr lang="en-US" altLang="ko-KR" sz="1500">
+              <a:t> </a:t>
+            </a:r>
+            <a:endParaRPr kumimoji="0" lang="ko-KR" altLang="en-US" sz="1500" b="0" i="0" u="none" strike="noStrike" kern="1200" cap="none" spc="0" normalizeH="0" baseline="0">
               <a:solidFill>
                 <a:srgbClr val="000000"/>
               </a:solidFill>
@@ -5985,141 +6362,18 @@
           </a:p>
         </p:txBody>
       </p:sp>
-      <p:cxnSp>
-        <p:nvCxnSpPr>
-          <p:cNvPr id="61" name="직선 연결선 60">
-            <a:extLst>
-              <a:ext uri="{FF2B5EF4-FFF2-40B4-BE49-F238E27FC236}">
-                <a16:creationId xmlns:a16="http://schemas.microsoft.com/office/drawing/2014/main" id="{F7498C4D-2C83-214C-593A-1773821F41FA}"/>
-              </a:ext>
-            </a:extLst>
-          </p:cNvPr>
-          <p:cNvCxnSpPr>
-            <a:stCxn id="6" idx="2"/>
-            <a:endCxn id="59" idx="0"/>
-          </p:cNvCxnSpPr>
+      <p:sp>
+        <p:nvSpPr>
+          <p:cNvPr id="73" name="제목 1"/>
+          <p:cNvSpPr>
+            <a:spLocks noGrp="1"/>
+          </p:cNvSpPr>
           <p:nvPr/>
-        </p:nvCxnSpPr>
+        </p:nvSpPr>
         <p:spPr>
           <a:xfrm>
-            <a:off x="1788149" y="2176340"/>
-            <a:ext cx="52343" cy="2450210"/>
-          </a:xfrm>
-          <a:prstGeom prst="line">
-            <a:avLst/>
-          </a:prstGeom>
-        </p:spPr>
-        <p:style>
-          <a:lnRef idx="1">
-            <a:schemeClr val="accent1"/>
-          </a:lnRef>
-          <a:fillRef idx="0">
-            <a:schemeClr val="accent1"/>
-          </a:fillRef>
-          <a:effectRef idx="0">
-            <a:schemeClr val="accent1"/>
-          </a:effectRef>
-          <a:fontRef idx="minor">
-            <a:schemeClr val="tx1"/>
-          </a:fontRef>
-        </p:style>
-      </p:cxnSp>
-      <p:cxnSp>
-        <p:nvCxnSpPr>
-          <p:cNvPr id="63" name="직선 연결선 62">
-            <a:extLst>
-              <a:ext uri="{FF2B5EF4-FFF2-40B4-BE49-F238E27FC236}">
-                <a16:creationId xmlns:a16="http://schemas.microsoft.com/office/drawing/2014/main" id="{36B28D23-01DE-8C48-B092-1E43E65D146C}"/>
-              </a:ext>
-            </a:extLst>
-          </p:cNvPr>
-          <p:cNvCxnSpPr>
-            <a:stCxn id="59" idx="3"/>
-            <a:endCxn id="7" idx="1"/>
-          </p:cNvCxnSpPr>
-          <p:nvPr/>
-        </p:nvCxnSpPr>
-        <p:spPr>
-          <a:xfrm flipV="1">
-            <a:off x="2807558" y="1929305"/>
-            <a:ext cx="1345625" cy="3311884"/>
-          </a:xfrm>
-          <a:prstGeom prst="line">
-            <a:avLst/>
-          </a:prstGeom>
-        </p:spPr>
-        <p:style>
-          <a:lnRef idx="1">
-            <a:schemeClr val="accent1"/>
-          </a:lnRef>
-          <a:fillRef idx="0">
-            <a:schemeClr val="accent1"/>
-          </a:fillRef>
-          <a:effectRef idx="0">
-            <a:schemeClr val="accent1"/>
-          </a:effectRef>
-          <a:fontRef idx="minor">
-            <a:schemeClr val="tx1"/>
-          </a:fontRef>
-        </p:style>
-      </p:cxnSp>
-      <p:cxnSp>
-        <p:nvCxnSpPr>
-          <p:cNvPr id="65" name="직선 연결선 64">
-            <a:extLst>
-              <a:ext uri="{FF2B5EF4-FFF2-40B4-BE49-F238E27FC236}">
-                <a16:creationId xmlns:a16="http://schemas.microsoft.com/office/drawing/2014/main" id="{B1E4BB1D-2459-DB36-2E9E-DE47CE7F9382}"/>
-              </a:ext>
-            </a:extLst>
-          </p:cNvPr>
-          <p:cNvCxnSpPr>
-            <a:stCxn id="14" idx="1"/>
-            <a:endCxn id="59" idx="3"/>
-          </p:cNvCxnSpPr>
-          <p:nvPr/>
-        </p:nvCxnSpPr>
-        <p:spPr>
-          <a:xfrm flipH="1">
-            <a:off x="2807558" y="2965633"/>
-            <a:ext cx="2606944" cy="2275556"/>
-          </a:xfrm>
-          <a:prstGeom prst="line">
-            <a:avLst/>
-          </a:prstGeom>
-        </p:spPr>
-        <p:style>
-          <a:lnRef idx="1">
-            <a:schemeClr val="accent1"/>
-          </a:lnRef>
-          <a:fillRef idx="0">
-            <a:schemeClr val="accent1"/>
-          </a:fillRef>
-          <a:effectRef idx="0">
-            <a:schemeClr val="accent1"/>
-          </a:effectRef>
-          <a:fontRef idx="minor">
-            <a:schemeClr val="tx1"/>
-          </a:fontRef>
-        </p:style>
-      </p:cxnSp>
-      <p:sp>
-        <p:nvSpPr>
-          <p:cNvPr id="66" name="제목 1">
-            <a:extLst>
-              <a:ext uri="{FF2B5EF4-FFF2-40B4-BE49-F238E27FC236}">
-                <a16:creationId xmlns:a16="http://schemas.microsoft.com/office/drawing/2014/main" id="{FF3CD38F-D32A-8EBB-6E65-ECE7FB18D510}"/>
-              </a:ext>
-            </a:extLst>
-          </p:cNvPr>
-          <p:cNvSpPr>
-            <a:spLocks noGrp="1"/>
-          </p:cNvSpPr>
-          <p:nvPr/>
-        </p:nvSpPr>
-        <p:spPr>
-          <a:xfrm>
-            <a:off x="7143312" y="1694465"/>
-            <a:ext cx="963872" cy="631711"/>
+            <a:off x="10897008" y="1022952"/>
+            <a:ext cx="1165640" cy="662394"/>
           </a:xfrm>
           <a:prstGeom prst="rect">
             <a:avLst/>
@@ -6152,7 +6406,7 @@
               <a:defRPr/>
             </a:pPr>
             <a:r>
-              <a:rPr kumimoji="0" lang="ko-KR" altLang="en-US" sz="1500" b="0" i="0" u="none" strike="noStrike" kern="1200" cap="none" spc="0" normalizeH="0" baseline="0" dirty="0">
+              <a:rPr lang="ko-KR" altLang="en-US" sz="1500">
                 <a:solidFill>
                   <a:srgbClr val="000000"/>
                 </a:solidFill>
@@ -6160,9 +6414,9 @@
                 <a:ea typeface="맑은 고딕"/>
                 <a:cs typeface="Calibri"/>
               </a:rPr>
-              <a:t>대검</a:t>
-            </a:r>
-            <a:endParaRPr kumimoji="0" lang="en-US" altLang="ko-KR" sz="1500" b="0" i="0" u="none" strike="noStrike" kern="1200" cap="none" spc="0" normalizeH="0" baseline="0" dirty="0">
+              <a:t>완드</a:t>
+            </a:r>
+            <a:endParaRPr lang="en-US" altLang="ko-KR" sz="1500">
               <a:solidFill>
                 <a:srgbClr val="000000"/>
               </a:solidFill>
@@ -6173,24 +6427,282 @@
           </a:p>
         </p:txBody>
       </p:sp>
-      <p:sp>
-        <p:nvSpPr>
-          <p:cNvPr id="67" name="제목 1">
-            <a:extLst>
-              <a:ext uri="{FF2B5EF4-FFF2-40B4-BE49-F238E27FC236}">
-                <a16:creationId xmlns:a16="http://schemas.microsoft.com/office/drawing/2014/main" id="{C58480B0-F1AB-1F94-83E0-1C06D0A3D4BB}"/>
-              </a:ext>
-            </a:extLst>
-          </p:cNvPr>
-          <p:cNvSpPr>
-            <a:spLocks noGrp="1"/>
-          </p:cNvSpPr>
+      <p:cxnSp>
+        <p:nvCxnSpPr>
+          <p:cNvPr id="75" name="직선 연결선 74"/>
+          <p:cNvCxnSpPr>
+            <a:stCxn id="22" idx="3"/>
+            <a:endCxn id="73" idx="1"/>
+          </p:cNvCxnSpPr>
           <p:nvPr/>
-        </p:nvSpPr>
+        </p:nvCxnSpPr>
         <p:spPr>
           <a:xfrm>
-            <a:off x="8205814" y="1726744"/>
-            <a:ext cx="662138" cy="697909"/>
+            <a:off x="10401426" y="1249856"/>
+            <a:ext cx="495582" cy="104293"/>
+          </a:xfrm>
+          <a:prstGeom prst="line">
+            <a:avLst/>
+          </a:prstGeom>
+        </p:spPr>
+        <p:style>
+          <a:lnRef idx="1">
+            <a:schemeClr val="accent1"/>
+          </a:lnRef>
+          <a:fillRef idx="0">
+            <a:schemeClr val="accent1"/>
+          </a:fillRef>
+          <a:effectRef idx="0">
+            <a:schemeClr val="accent1"/>
+          </a:effectRef>
+          <a:fontRef idx="minor">
+            <a:schemeClr val="tx1"/>
+          </a:fontRef>
+        </p:style>
+      </p:cxnSp>
+      <p:cxnSp>
+        <p:nvCxnSpPr>
+          <p:cNvPr id="77" name="직선 연결선 76"/>
+          <p:cNvCxnSpPr>
+            <a:stCxn id="22" idx="3"/>
+            <a:endCxn id="72" idx="1"/>
+          </p:cNvCxnSpPr>
+          <p:nvPr/>
+        </p:nvCxnSpPr>
+        <p:spPr>
+          <a:xfrm>
+            <a:off x="10401426" y="1249856"/>
+            <a:ext cx="495582" cy="971635"/>
+          </a:xfrm>
+          <a:prstGeom prst="line">
+            <a:avLst/>
+          </a:prstGeom>
+        </p:spPr>
+        <p:style>
+          <a:lnRef idx="1">
+            <a:schemeClr val="accent1"/>
+          </a:lnRef>
+          <a:fillRef idx="0">
+            <a:schemeClr val="accent1"/>
+          </a:fillRef>
+          <a:effectRef idx="0">
+            <a:schemeClr val="accent1"/>
+          </a:effectRef>
+          <a:fontRef idx="minor">
+            <a:schemeClr val="tx1"/>
+          </a:fontRef>
+        </p:style>
+      </p:cxnSp>
+      <p:cxnSp>
+        <p:nvCxnSpPr>
+          <p:cNvPr id="79" name="직선 연결선 78"/>
+          <p:cNvCxnSpPr>
+            <a:stCxn id="21" idx="2"/>
+            <a:endCxn id="69" idx="0"/>
+          </p:cNvCxnSpPr>
+          <p:nvPr/>
+        </p:nvCxnSpPr>
+        <p:spPr>
+          <a:xfrm>
+            <a:off x="9238394" y="1549331"/>
+            <a:ext cx="146048" cy="1595394"/>
+          </a:xfrm>
+          <a:prstGeom prst="line">
+            <a:avLst/>
+          </a:prstGeom>
+        </p:spPr>
+        <p:style>
+          <a:lnRef idx="1">
+            <a:schemeClr val="accent1"/>
+          </a:lnRef>
+          <a:fillRef idx="0">
+            <a:schemeClr val="accent1"/>
+          </a:fillRef>
+          <a:effectRef idx="0">
+            <a:schemeClr val="accent1"/>
+          </a:effectRef>
+          <a:fontRef idx="minor">
+            <a:schemeClr val="tx1"/>
+          </a:fontRef>
+        </p:style>
+      </p:cxnSp>
+      <p:cxnSp>
+        <p:nvCxnSpPr>
+          <p:cNvPr id="81" name="직선 연결선 80"/>
+          <p:cNvCxnSpPr>
+            <a:stCxn id="21" idx="2"/>
+            <a:endCxn id="70" idx="0"/>
+          </p:cNvCxnSpPr>
+          <p:nvPr/>
+        </p:nvCxnSpPr>
+        <p:spPr>
+          <a:xfrm>
+            <a:off x="9238394" y="1549331"/>
+            <a:ext cx="1143288" cy="1644840"/>
+          </a:xfrm>
+          <a:prstGeom prst="line">
+            <a:avLst/>
+          </a:prstGeom>
+        </p:spPr>
+        <p:style>
+          <a:lnRef idx="1">
+            <a:schemeClr val="accent1"/>
+          </a:lnRef>
+          <a:fillRef idx="0">
+            <a:schemeClr val="accent1"/>
+          </a:fillRef>
+          <a:effectRef idx="0">
+            <a:schemeClr val="accent1"/>
+          </a:effectRef>
+          <a:fontRef idx="minor">
+            <a:schemeClr val="tx1"/>
+          </a:fontRef>
+        </p:style>
+      </p:cxnSp>
+      <p:cxnSp>
+        <p:nvCxnSpPr>
+          <p:cNvPr id="86" name="직선 연결선 85"/>
+          <p:cNvCxnSpPr>
+            <a:stCxn id="20" idx="2"/>
+            <a:endCxn id="66" idx="0"/>
+          </p:cNvCxnSpPr>
+          <p:nvPr/>
+        </p:nvCxnSpPr>
+        <p:spPr>
+          <a:xfrm flipH="1">
+            <a:off x="7625248" y="1621523"/>
+            <a:ext cx="475270" cy="72942"/>
+          </a:xfrm>
+          <a:prstGeom prst="line">
+            <a:avLst/>
+          </a:prstGeom>
+        </p:spPr>
+        <p:style>
+          <a:lnRef idx="1">
+            <a:schemeClr val="accent1"/>
+          </a:lnRef>
+          <a:fillRef idx="0">
+            <a:schemeClr val="accent1"/>
+          </a:fillRef>
+          <a:effectRef idx="0">
+            <a:schemeClr val="accent1"/>
+          </a:effectRef>
+          <a:fontRef idx="minor">
+            <a:schemeClr val="tx1"/>
+          </a:fontRef>
+        </p:style>
+      </p:cxnSp>
+      <p:cxnSp>
+        <p:nvCxnSpPr>
+          <p:cNvPr id="88" name="직선 연결선 87"/>
+          <p:cNvCxnSpPr>
+            <a:stCxn id="20" idx="2"/>
+            <a:endCxn id="67" idx="0"/>
+          </p:cNvCxnSpPr>
+          <p:nvPr/>
+        </p:nvCxnSpPr>
+        <p:spPr>
+          <a:xfrm>
+            <a:off x="8100518" y="1621523"/>
+            <a:ext cx="436365" cy="105221"/>
+          </a:xfrm>
+          <a:prstGeom prst="line">
+            <a:avLst/>
+          </a:prstGeom>
+        </p:spPr>
+        <p:style>
+          <a:lnRef idx="1">
+            <a:schemeClr val="accent1"/>
+          </a:lnRef>
+          <a:fillRef idx="0">
+            <a:schemeClr val="accent1"/>
+          </a:fillRef>
+          <a:effectRef idx="0">
+            <a:schemeClr val="accent1"/>
+          </a:effectRef>
+          <a:fontRef idx="minor">
+            <a:schemeClr val="tx1"/>
+          </a:fontRef>
+        </p:style>
+      </p:cxnSp>
+      <p:cxnSp>
+        <p:nvCxnSpPr>
+          <p:cNvPr id="90" name="직선 연결선 89"/>
+          <p:cNvCxnSpPr>
+            <a:stCxn id="20" idx="2"/>
+            <a:endCxn id="68" idx="0"/>
+          </p:cNvCxnSpPr>
+          <p:nvPr/>
+        </p:nvCxnSpPr>
+        <p:spPr>
+          <a:xfrm>
+            <a:off x="8100518" y="1621523"/>
+            <a:ext cx="1205021" cy="160986"/>
+          </a:xfrm>
+          <a:prstGeom prst="line">
+            <a:avLst/>
+          </a:prstGeom>
+        </p:spPr>
+        <p:style>
+          <a:lnRef idx="1">
+            <a:schemeClr val="accent1"/>
+          </a:lnRef>
+          <a:fillRef idx="0">
+            <a:schemeClr val="accent1"/>
+          </a:fillRef>
+          <a:effectRef idx="0">
+            <a:schemeClr val="accent1"/>
+          </a:effectRef>
+          <a:fontRef idx="minor">
+            <a:schemeClr val="tx1"/>
+          </a:fontRef>
+        </p:style>
+      </p:cxnSp>
+      <p:cxnSp>
+        <p:nvCxnSpPr>
+          <p:cNvPr id="107" name="직선 연결선 106"/>
+          <p:cNvCxnSpPr>
+            <a:stCxn id="4" idx="2"/>
+            <a:endCxn id="8" idx="0"/>
+          </p:cNvCxnSpPr>
+          <p:nvPr/>
+        </p:nvCxnSpPr>
+        <p:spPr>
+          <a:xfrm>
+            <a:off x="5988918" y="1219861"/>
+            <a:ext cx="98397" cy="328632"/>
+          </a:xfrm>
+          <a:prstGeom prst="line">
+            <a:avLst/>
+          </a:prstGeom>
+        </p:spPr>
+        <p:style>
+          <a:lnRef idx="1">
+            <a:schemeClr val="accent1"/>
+          </a:lnRef>
+          <a:fillRef idx="0">
+            <a:schemeClr val="accent1"/>
+          </a:fillRef>
+          <a:effectRef idx="0">
+            <a:schemeClr val="accent1"/>
+          </a:effectRef>
+          <a:fontRef idx="minor">
+            <a:schemeClr val="tx1"/>
+          </a:fontRef>
+        </p:style>
+      </p:cxnSp>
+      <p:sp>
+        <p:nvSpPr>
+          <p:cNvPr id="118" name="제목 1"/>
+          <p:cNvSpPr>
+            <a:spLocks noGrp="1"/>
+          </p:cNvSpPr>
+          <p:nvPr/>
+        </p:nvSpPr>
+        <p:spPr>
+          <a:xfrm>
+            <a:off x="7844644" y="158958"/>
+            <a:ext cx="1171135" cy="629244"/>
           </a:xfrm>
           <a:prstGeom prst="rect">
             <a:avLst/>
@@ -6205,7 +6717,7 @@
         </p:spPr>
         <p:txBody>
           <a:bodyPr vert="horz" lIns="91440" tIns="45720" rIns="91440" bIns="45720" anchor="ctr">
-            <a:normAutofit/>
+            <a:normAutofit fontScale="92500" lnSpcReduction="10000"/>
           </a:bodyPr>
           <a:lstStyle/>
           <a:p>
@@ -6223,21 +6735,21 @@
               <a:defRPr/>
             </a:pPr>
             <a:r>
-              <a:rPr kumimoji="0" lang="ko-KR" altLang="en-US" sz="1500" b="0" u="none" strike="noStrike" kern="1200" cap="none" spc="0" normalizeH="0" baseline="0" dirty="0" err="1">
+              <a:rPr lang="en-US" altLang="ko-KR" sz="1300">
                 <a:solidFill>
                   <a:srgbClr val="000000"/>
                 </a:solidFill>
-                <a:latin typeface="Calibri"/>
+                <a:latin typeface="맑은 고딕"/>
                 <a:ea typeface="맑은 고딕"/>
                 <a:cs typeface="Calibri"/>
               </a:rPr>
-              <a:t>소검</a:t>
-            </a:r>
-            <a:endParaRPr kumimoji="0" lang="en-US" altLang="ko-KR" sz="1500" b="0" u="none" strike="noStrike" kern="1200" cap="none" spc="0" normalizeH="0" baseline="0" dirty="0">
+              <a:t>item</a:t>
+            </a:r>
+            <a:endParaRPr lang="en-US" altLang="ko-KR" sz="1300">
               <a:solidFill>
                 <a:srgbClr val="000000"/>
               </a:solidFill>
-              <a:latin typeface="Calibri"/>
+              <a:latin typeface="맑은 고딕"/>
               <a:ea typeface="맑은 고딕"/>
               <a:cs typeface="Calibri"/>
             </a:endParaRPr>
@@ -6256,35 +6768,183 @@
               <a:buNone/>
               <a:defRPr/>
             </a:pPr>
-            <a:endParaRPr lang="en-US" altLang="ko-KR" sz="1500" i="1" dirty="0">
+            <a:r>
+              <a:rPr lang="ko-KR" altLang="en-US" sz="1300">
+                <a:solidFill>
+                  <a:srgbClr val="000000"/>
+                </a:solidFill>
+                <a:latin typeface="맑은 고딕"/>
+                <a:ea typeface="맑은 고딕"/>
+                <a:cs typeface="Calibri"/>
+              </a:rPr>
+              <a:t>변수</a:t>
+            </a:r>
+            <a:r>
+              <a:rPr lang="en-US" altLang="ko-KR" sz="1300">
+                <a:solidFill>
+                  <a:srgbClr val="000000"/>
+                </a:solidFill>
+                <a:latin typeface="맑은 고딕"/>
+                <a:ea typeface="맑은 고딕"/>
+                <a:cs typeface="Calibri"/>
+              </a:rPr>
+              <a:t>:price, weaponatk</a:t>
+            </a:r>
+            <a:endParaRPr lang="en-US" altLang="ko-KR" sz="1300">
               <a:solidFill>
                 <a:srgbClr val="000000"/>
               </a:solidFill>
-              <a:latin typeface="Calibri"/>
+              <a:latin typeface="맑은 고딕"/>
               <a:ea typeface="맑은 고딕"/>
               <a:cs typeface="Calibri"/>
             </a:endParaRPr>
           </a:p>
         </p:txBody>
       </p:sp>
-      <p:sp>
-        <p:nvSpPr>
-          <p:cNvPr id="68" name="제목 1">
-            <a:extLst>
-              <a:ext uri="{FF2B5EF4-FFF2-40B4-BE49-F238E27FC236}">
-                <a16:creationId xmlns:a16="http://schemas.microsoft.com/office/drawing/2014/main" id="{365B819B-1C6B-C9EB-D013-A5C092CED709}"/>
-              </a:ext>
-            </a:extLst>
-          </p:cNvPr>
-          <p:cNvSpPr>
-            <a:spLocks noGrp="1"/>
-          </p:cNvSpPr>
+      <p:cxnSp>
+        <p:nvCxnSpPr>
+          <p:cNvPr id="141" name="직선 연결선 140"/>
+          <p:cNvCxnSpPr>
+            <a:stCxn id="118" idx="2"/>
+            <a:endCxn id="20" idx="0"/>
+          </p:cNvCxnSpPr>
           <p:nvPr/>
-        </p:nvSpPr>
+        </p:nvCxnSpPr>
+        <p:spPr>
+          <a:xfrm flipH="1">
+            <a:off x="8100518" y="788202"/>
+            <a:ext cx="329694" cy="425167"/>
+          </a:xfrm>
+          <a:prstGeom prst="line">
+            <a:avLst/>
+          </a:prstGeom>
+        </p:spPr>
+        <p:style>
+          <a:lnRef idx="1">
+            <a:schemeClr val="accent1"/>
+          </a:lnRef>
+          <a:fillRef idx="0">
+            <a:schemeClr val="accent1"/>
+          </a:fillRef>
+          <a:effectRef idx="0">
+            <a:schemeClr val="accent1"/>
+          </a:effectRef>
+          <a:fontRef idx="minor">
+            <a:schemeClr val="tx1"/>
+          </a:fontRef>
+        </p:style>
+      </p:cxnSp>
+      <p:cxnSp>
+        <p:nvCxnSpPr>
+          <p:cNvPr id="143" name="직선 연결선 142"/>
+          <p:cNvCxnSpPr>
+            <a:stCxn id="118" idx="2"/>
+            <a:endCxn id="21" idx="0"/>
+          </p:cNvCxnSpPr>
+          <p:nvPr/>
+        </p:nvCxnSpPr>
         <p:spPr>
           <a:xfrm>
-            <a:off x="9015779" y="1782509"/>
-            <a:ext cx="579520" cy="697909"/>
+            <a:off x="8430212" y="788202"/>
+            <a:ext cx="808182" cy="352975"/>
+          </a:xfrm>
+          <a:prstGeom prst="line">
+            <a:avLst/>
+          </a:prstGeom>
+        </p:spPr>
+        <p:style>
+          <a:lnRef idx="1">
+            <a:schemeClr val="accent1"/>
+          </a:lnRef>
+          <a:fillRef idx="0">
+            <a:schemeClr val="accent1"/>
+          </a:fillRef>
+          <a:effectRef idx="0">
+            <a:schemeClr val="accent1"/>
+          </a:effectRef>
+          <a:fontRef idx="minor">
+            <a:schemeClr val="tx1"/>
+          </a:fontRef>
+        </p:style>
+      </p:cxnSp>
+      <p:cxnSp>
+        <p:nvCxnSpPr>
+          <p:cNvPr id="145" name="직선 연결선 144"/>
+          <p:cNvCxnSpPr>
+            <a:stCxn id="118" idx="2"/>
+            <a:endCxn id="22" idx="0"/>
+          </p:cNvCxnSpPr>
+          <p:nvPr/>
+        </p:nvCxnSpPr>
+        <p:spPr>
+          <a:xfrm>
+            <a:off x="8430212" y="788202"/>
+            <a:ext cx="1681454" cy="257577"/>
+          </a:xfrm>
+          <a:prstGeom prst="line">
+            <a:avLst/>
+          </a:prstGeom>
+        </p:spPr>
+        <p:style>
+          <a:lnRef idx="1">
+            <a:schemeClr val="accent1"/>
+          </a:lnRef>
+          <a:fillRef idx="0">
+            <a:schemeClr val="accent1"/>
+          </a:fillRef>
+          <a:effectRef idx="0">
+            <a:schemeClr val="accent1"/>
+          </a:effectRef>
+          <a:fontRef idx="minor">
+            <a:schemeClr val="tx1"/>
+          </a:fontRef>
+        </p:style>
+      </p:cxnSp>
+      <p:cxnSp>
+        <p:nvCxnSpPr>
+          <p:cNvPr id="147" name="직선 연결선 146"/>
+          <p:cNvCxnSpPr>
+            <a:stCxn id="4" idx="3"/>
+            <a:endCxn id="118" idx="1"/>
+          </p:cNvCxnSpPr>
+          <p:nvPr/>
+        </p:nvCxnSpPr>
+        <p:spPr>
+          <a:xfrm flipV="1">
+            <a:off x="7246310" y="473580"/>
+            <a:ext cx="598334" cy="185178"/>
+          </a:xfrm>
+          <a:prstGeom prst="line">
+            <a:avLst/>
+          </a:prstGeom>
+        </p:spPr>
+        <p:style>
+          <a:lnRef idx="1">
+            <a:schemeClr val="accent1"/>
+          </a:lnRef>
+          <a:fillRef idx="0">
+            <a:schemeClr val="accent1"/>
+          </a:fillRef>
+          <a:effectRef idx="0">
+            <a:schemeClr val="accent1"/>
+          </a:effectRef>
+          <a:fontRef idx="minor">
+            <a:schemeClr val="tx1"/>
+          </a:fontRef>
+        </p:style>
+      </p:cxnSp>
+      <p:sp>
+        <p:nvSpPr>
+          <p:cNvPr id="155" name="제목 1"/>
+          <p:cNvSpPr>
+            <a:spLocks noGrp="1"/>
+          </p:cNvSpPr>
+          <p:nvPr/>
+        </p:nvSpPr>
+        <p:spPr>
+          <a:xfrm>
+            <a:off x="3200193" y="5370651"/>
+            <a:ext cx="923167" cy="786154"/>
           </a:xfrm>
           <a:prstGeom prst="rect">
             <a:avLst/>
@@ -6299,9 +6959,8 @@
         </p:spPr>
         <p:txBody>
           <a:bodyPr vert="horz" lIns="91440" tIns="45720" rIns="91440" bIns="45720" anchor="ctr">
-            <a:normAutofit/>
+            <a:noAutofit/>
           </a:bodyPr>
-          <a:lstStyle/>
           <a:p>
             <a:pPr marL="0" lvl="0" indent="0" algn="ctr" defTabSz="914400" rtl="0" eaLnBrk="1" latinLnBrk="1" hangingPunct="1">
               <a:lnSpc>
@@ -6317,7 +6976,7 @@
               <a:defRPr/>
             </a:pPr>
             <a:r>
-              <a:rPr kumimoji="0" lang="ko-KR" altLang="en-US" sz="1500" b="0" i="0" u="none" strike="noStrike" kern="1200" cap="none" spc="0" normalizeH="0" baseline="0" dirty="0">
+              <a:rPr xmlns:mc="http://schemas.openxmlformats.org/markup-compatibility/2006" xmlns:hp="http://schemas.haansoft.com/office/presentation/8.0" kumimoji="0" lang="ko-KR" altLang="en-US" sz="1200" b="0" i="0" u="none" strike="noStrike" kern="1200" cap="none" spc="0" normalizeH="0" baseline="0" mc:Ignorable="hp" hp:hslEmbossed="0">
                 <a:solidFill>
                   <a:srgbClr val="000000"/>
                 </a:solidFill>
@@ -6325,9 +6984,9 @@
                 <a:ea typeface="맑은 고딕"/>
                 <a:cs typeface="Calibri"/>
               </a:rPr>
-              <a:t>둔기</a:t>
-            </a:r>
-            <a:endParaRPr kumimoji="0" lang="en-US" altLang="ko-KR" sz="1500" b="0" i="0" u="none" strike="noStrike" kern="1200" cap="none" spc="0" normalizeH="0" baseline="0" dirty="0">
+              <a:t>일반</a:t>
+            </a:r>
+            <a:endParaRPr xmlns:mc="http://schemas.openxmlformats.org/markup-compatibility/2006" xmlns:hp="http://schemas.haansoft.com/office/presentation/8.0" kumimoji="0" lang="ko-KR" altLang="en-US" sz="1200" b="0" i="0" u="none" strike="noStrike" kern="1200" cap="none" spc="0" normalizeH="0" baseline="0" mc:Ignorable="hp" hp:hslEmbossed="0">
               <a:solidFill>
                 <a:srgbClr val="000000"/>
               </a:solidFill>
@@ -6336,940 +6995,63 @@
               <a:cs typeface="Calibri"/>
             </a:endParaRPr>
           </a:p>
-          <a:p>
-            <a:pPr marL="0" lvl="0" indent="0" algn="ctr" defTabSz="914400" rtl="0" eaLnBrk="1" latinLnBrk="1" hangingPunct="1">
-              <a:lnSpc>
-                <a:spcPct val="100000"/>
-              </a:lnSpc>
-              <a:spcBef>
-                <a:spcPct val="0"/>
-              </a:spcBef>
-              <a:spcAft>
-                <a:spcPts val="0"/>
-              </a:spcAft>
-              <a:buNone/>
-              <a:defRPr/>
-            </a:pPr>
-            <a:endParaRPr kumimoji="0" lang="ko-KR" altLang="en-US" sz="1500" b="0" i="0" u="none" strike="noStrike" kern="1200" cap="none" spc="0" normalizeH="0" baseline="0" dirty="0">
-              <a:solidFill>
-                <a:srgbClr val="000000"/>
-              </a:solidFill>
-              <a:latin typeface="Calibri"/>
-              <a:ea typeface="맑은 고딕"/>
-              <a:cs typeface="Calibri"/>
-            </a:endParaRPr>
-          </a:p>
-        </p:txBody>
-      </p:sp>
-      <p:sp>
-        <p:nvSpPr>
-          <p:cNvPr id="69" name="제목 1">
-            <a:extLst>
-              <a:ext uri="{FF2B5EF4-FFF2-40B4-BE49-F238E27FC236}">
-                <a16:creationId xmlns:a16="http://schemas.microsoft.com/office/drawing/2014/main" id="{122F860B-EEEC-EEBB-6FE4-DEB42BFCBA04}"/>
-              </a:ext>
-            </a:extLst>
-          </p:cNvPr>
-          <p:cNvSpPr>
-            <a:spLocks noGrp="1"/>
-          </p:cNvSpPr>
-          <p:nvPr/>
-        </p:nvSpPr>
-        <p:spPr>
-          <a:xfrm>
-            <a:off x="9019421" y="3144725"/>
-            <a:ext cx="730041" cy="697909"/>
-          </a:xfrm>
-          <a:prstGeom prst="rect">
-            <a:avLst/>
-          </a:prstGeom>
-          <a:ln>
-            <a:solidFill>
-              <a:srgbClr val="000000">
-                <a:alpha val="100000"/>
-              </a:srgbClr>
-            </a:solidFill>
-          </a:ln>
-        </p:spPr>
-        <p:txBody>
-          <a:bodyPr vert="horz" lIns="91440" tIns="45720" rIns="91440" bIns="45720" anchor="ctr">
-            <a:normAutofit/>
-          </a:bodyPr>
-          <a:lstStyle/>
-          <a:p>
-            <a:pPr marL="0" lvl="0" indent="0" algn="ctr" defTabSz="914400" rtl="0" eaLnBrk="1" latinLnBrk="1" hangingPunct="1">
-              <a:lnSpc>
-                <a:spcPct val="100000"/>
-              </a:lnSpc>
-              <a:spcBef>
-                <a:spcPct val="0"/>
-              </a:spcBef>
-              <a:spcAft>
-                <a:spcPts val="0"/>
-              </a:spcAft>
-              <a:buNone/>
-              <a:defRPr/>
-            </a:pPr>
-            <a:r>
-              <a:rPr kumimoji="0" lang="ko-KR" altLang="en-US" sz="1500" b="0" i="0" u="none" strike="noStrike" kern="1200" cap="none" spc="0" normalizeH="0" baseline="0" dirty="0">
-                <a:solidFill>
-                  <a:srgbClr val="000000"/>
-                </a:solidFill>
-                <a:latin typeface="Calibri"/>
-                <a:ea typeface="맑은 고딕"/>
-                <a:cs typeface="Calibri"/>
-              </a:rPr>
-              <a:t>석궁</a:t>
-            </a:r>
-            <a:endParaRPr kumimoji="0" lang="en-US" altLang="ko-KR" sz="1500" b="0" i="0" u="none" strike="noStrike" kern="1200" cap="none" spc="0" normalizeH="0" baseline="0" dirty="0">
-              <a:solidFill>
-                <a:srgbClr val="000000"/>
-              </a:solidFill>
-              <a:latin typeface="Calibri"/>
-              <a:ea typeface="맑은 고딕"/>
-              <a:cs typeface="Calibri"/>
-            </a:endParaRPr>
-          </a:p>
-        </p:txBody>
-      </p:sp>
-      <p:sp>
-        <p:nvSpPr>
-          <p:cNvPr id="70" name="제목 1">
-            <a:extLst>
-              <a:ext uri="{FF2B5EF4-FFF2-40B4-BE49-F238E27FC236}">
-                <a16:creationId xmlns:a16="http://schemas.microsoft.com/office/drawing/2014/main" id="{04B68A00-B3C3-D43F-2A2C-168D5352FDF8}"/>
-              </a:ext>
-            </a:extLst>
-          </p:cNvPr>
-          <p:cNvSpPr>
-            <a:spLocks noGrp="1"/>
-          </p:cNvSpPr>
-          <p:nvPr/>
-        </p:nvSpPr>
-        <p:spPr>
-          <a:xfrm>
-            <a:off x="9974946" y="3194171"/>
-            <a:ext cx="813472" cy="697908"/>
-          </a:xfrm>
-          <a:prstGeom prst="rect">
-            <a:avLst/>
-          </a:prstGeom>
-          <a:ln>
-            <a:solidFill>
-              <a:srgbClr val="000000">
-                <a:alpha val="100000"/>
-              </a:srgbClr>
-            </a:solidFill>
-          </a:ln>
-        </p:spPr>
-        <p:txBody>
-          <a:bodyPr vert="horz" lIns="91440" tIns="45720" rIns="91440" bIns="45720" anchor="ctr">
-            <a:normAutofit/>
-          </a:bodyPr>
-          <a:lstStyle/>
-          <a:p>
-            <a:pPr marL="0" lvl="0" indent="0" algn="ctr" defTabSz="914400" rtl="0" eaLnBrk="1" latinLnBrk="1" hangingPunct="1">
-              <a:lnSpc>
-                <a:spcPct val="100000"/>
-              </a:lnSpc>
-              <a:spcBef>
-                <a:spcPct val="0"/>
-              </a:spcBef>
-              <a:spcAft>
-                <a:spcPts val="0"/>
-              </a:spcAft>
-              <a:buNone/>
-              <a:defRPr/>
-            </a:pPr>
-            <a:r>
-              <a:rPr kumimoji="0" lang="ko-KR" altLang="en-US" sz="1500" b="0" i="0" u="none" strike="noStrike" kern="1200" cap="none" spc="0" normalizeH="0" baseline="0" dirty="0">
-                <a:solidFill>
-                  <a:srgbClr val="000000"/>
-                </a:solidFill>
-                <a:latin typeface="Calibri"/>
-                <a:ea typeface="맑은 고딕"/>
-                <a:cs typeface="Calibri"/>
-              </a:rPr>
-              <a:t>활</a:t>
-            </a:r>
-            <a:endParaRPr kumimoji="0" lang="en-US" altLang="ko-KR" sz="1500" b="0" i="0" u="none" strike="noStrike" kern="1200" cap="none" spc="0" normalizeH="0" baseline="0" dirty="0">
-              <a:solidFill>
-                <a:srgbClr val="000000"/>
-              </a:solidFill>
-              <a:latin typeface="Calibri"/>
-              <a:ea typeface="맑은 고딕"/>
-              <a:cs typeface="Calibri"/>
-            </a:endParaRPr>
-          </a:p>
-          <a:p>
-            <a:pPr marL="0" lvl="0" indent="0" algn="ctr" defTabSz="914400" rtl="0" eaLnBrk="1" latinLnBrk="1" hangingPunct="1">
-              <a:lnSpc>
-                <a:spcPct val="100000"/>
-              </a:lnSpc>
-              <a:spcBef>
-                <a:spcPct val="0"/>
-              </a:spcBef>
-              <a:spcAft>
-                <a:spcPts val="0"/>
-              </a:spcAft>
-              <a:buNone/>
-              <a:defRPr/>
-            </a:pPr>
-            <a:endParaRPr lang="en-US" altLang="ko-KR" sz="1500" dirty="0">
-              <a:solidFill>
-                <a:srgbClr val="000000"/>
-              </a:solidFill>
-              <a:latin typeface="Calibri"/>
-              <a:ea typeface="맑은 고딕"/>
-              <a:cs typeface="Calibri"/>
-            </a:endParaRPr>
-          </a:p>
-        </p:txBody>
-      </p:sp>
-      <p:sp>
-        <p:nvSpPr>
-          <p:cNvPr id="72" name="제목 1">
-            <a:extLst>
-              <a:ext uri="{FF2B5EF4-FFF2-40B4-BE49-F238E27FC236}">
-                <a16:creationId xmlns:a16="http://schemas.microsoft.com/office/drawing/2014/main" id="{BC9D70EC-C59C-A6E8-CF8C-45CEF706ADDA}"/>
-              </a:ext>
-            </a:extLst>
-          </p:cNvPr>
-          <p:cNvSpPr>
-            <a:spLocks noGrp="1"/>
-          </p:cNvSpPr>
-          <p:nvPr/>
-        </p:nvSpPr>
-        <p:spPr>
-          <a:xfrm>
-            <a:off x="10897008" y="1818778"/>
-            <a:ext cx="1016126" cy="805425"/>
-          </a:xfrm>
-          <a:prstGeom prst="rect">
-            <a:avLst/>
-          </a:prstGeom>
-          <a:ln>
-            <a:solidFill>
-              <a:srgbClr val="000000">
-                <a:alpha val="100000"/>
-              </a:srgbClr>
-            </a:solidFill>
-          </a:ln>
-        </p:spPr>
-        <p:txBody>
-          <a:bodyPr vert="horz" lIns="91440" tIns="45720" rIns="91440" bIns="45720" anchor="ctr">
-            <a:normAutofit/>
-          </a:bodyPr>
-          <a:lstStyle/>
-          <a:p>
-            <a:pPr marL="0" lvl="0" indent="0" algn="ctr" defTabSz="914400" rtl="0" eaLnBrk="1" latinLnBrk="1" hangingPunct="1">
-              <a:lnSpc>
-                <a:spcPct val="100000"/>
-              </a:lnSpc>
-              <a:spcBef>
-                <a:spcPct val="0"/>
-              </a:spcBef>
-              <a:spcAft>
-                <a:spcPts val="0"/>
-              </a:spcAft>
-              <a:buNone/>
-              <a:defRPr/>
-            </a:pPr>
-            <a:r>
-              <a:rPr kumimoji="0" lang="ko-KR" altLang="en-US" sz="1500" b="0" i="0" u="none" strike="noStrike" kern="1200" cap="none" spc="0" normalizeH="0" baseline="0" dirty="0">
-                <a:solidFill>
-                  <a:srgbClr val="000000"/>
-                </a:solidFill>
-                <a:latin typeface="Calibri"/>
-                <a:ea typeface="맑은 고딕"/>
-                <a:cs typeface="Calibri"/>
-              </a:rPr>
-              <a:t>빗자루</a:t>
-            </a:r>
-            <a:r>
-              <a:rPr lang="en-US" altLang="ko-KR" sz="1500" dirty="0">
-                <a:solidFill>
-                  <a:srgbClr val="000000"/>
-                </a:solidFill>
-                <a:latin typeface="Calibri"/>
-                <a:ea typeface="맑은 고딕"/>
-                <a:cs typeface="Calibri"/>
-              </a:rPr>
-              <a:t> </a:t>
-            </a:r>
-            <a:endParaRPr kumimoji="0" lang="ko-KR" altLang="en-US" sz="1500" b="0" i="0" u="none" strike="noStrike" kern="1200" cap="none" spc="0" normalizeH="0" baseline="0" dirty="0">
-              <a:solidFill>
-                <a:srgbClr val="000000"/>
-              </a:solidFill>
-              <a:latin typeface="Calibri"/>
-              <a:ea typeface="맑은 고딕"/>
-              <a:cs typeface="Calibri"/>
-            </a:endParaRPr>
-          </a:p>
-        </p:txBody>
-      </p:sp>
-      <p:sp>
-        <p:nvSpPr>
-          <p:cNvPr id="73" name="제목 1">
-            <a:extLst>
-              <a:ext uri="{FF2B5EF4-FFF2-40B4-BE49-F238E27FC236}">
-                <a16:creationId xmlns:a16="http://schemas.microsoft.com/office/drawing/2014/main" id="{3F079FC6-1183-6BEA-88F6-86524BAB9D39}"/>
-              </a:ext>
-            </a:extLst>
-          </p:cNvPr>
-          <p:cNvSpPr>
-            <a:spLocks noGrp="1"/>
-          </p:cNvSpPr>
-          <p:nvPr/>
-        </p:nvSpPr>
-        <p:spPr>
-          <a:xfrm>
-            <a:off x="10897008" y="1022952"/>
-            <a:ext cx="1165640" cy="662394"/>
-          </a:xfrm>
-          <a:prstGeom prst="rect">
-            <a:avLst/>
-          </a:prstGeom>
-          <a:ln>
-            <a:solidFill>
-              <a:srgbClr val="000000">
-                <a:alpha val="100000"/>
-              </a:srgbClr>
-            </a:solidFill>
-          </a:ln>
-        </p:spPr>
-        <p:txBody>
-          <a:bodyPr vert="horz" lIns="91440" tIns="45720" rIns="91440" bIns="45720" anchor="ctr">
-            <a:normAutofit/>
-          </a:bodyPr>
-          <a:lstStyle/>
-          <a:p>
-            <a:pPr marL="0" lvl="0" indent="0" algn="ctr" defTabSz="914400" rtl="0" eaLnBrk="1" latinLnBrk="1" hangingPunct="1">
-              <a:lnSpc>
-                <a:spcPct val="100000"/>
-              </a:lnSpc>
-              <a:spcBef>
-                <a:spcPct val="0"/>
-              </a:spcBef>
-              <a:spcAft>
-                <a:spcPts val="0"/>
-              </a:spcAft>
-              <a:buNone/>
-              <a:defRPr/>
-            </a:pPr>
-            <a:r>
-              <a:rPr lang="ko-KR" altLang="en-US" sz="1500" dirty="0" err="1">
-                <a:solidFill>
-                  <a:srgbClr val="000000"/>
-                </a:solidFill>
-                <a:latin typeface="Calibri"/>
-                <a:ea typeface="맑은 고딕"/>
-                <a:cs typeface="Calibri"/>
-              </a:rPr>
-              <a:t>완드</a:t>
-            </a:r>
-            <a:endParaRPr lang="en-US" altLang="ko-KR" sz="1500" dirty="0">
-              <a:solidFill>
-                <a:srgbClr val="000000"/>
-              </a:solidFill>
-              <a:latin typeface="Calibri"/>
-              <a:ea typeface="맑은 고딕"/>
-              <a:cs typeface="Calibri"/>
-            </a:endParaRPr>
-          </a:p>
-        </p:txBody>
-      </p:sp>
-      <p:cxnSp>
-        <p:nvCxnSpPr>
-          <p:cNvPr id="75" name="직선 연결선 74">
-            <a:extLst>
-              <a:ext uri="{FF2B5EF4-FFF2-40B4-BE49-F238E27FC236}">
-                <a16:creationId xmlns:a16="http://schemas.microsoft.com/office/drawing/2014/main" id="{E004AF5F-47BB-2CDE-14D4-9D1FF0AD8304}"/>
-              </a:ext>
-            </a:extLst>
-          </p:cNvPr>
-          <p:cNvCxnSpPr>
-            <a:stCxn id="22" idx="3"/>
-            <a:endCxn id="73" idx="1"/>
-          </p:cNvCxnSpPr>
-          <p:nvPr/>
-        </p:nvCxnSpPr>
-        <p:spPr>
-          <a:xfrm>
-            <a:off x="10401426" y="1249856"/>
-            <a:ext cx="495582" cy="104293"/>
-          </a:xfrm>
-          <a:prstGeom prst="line">
-            <a:avLst/>
-          </a:prstGeom>
-        </p:spPr>
-        <p:style>
-          <a:lnRef idx="1">
-            <a:schemeClr val="accent1"/>
-          </a:lnRef>
-          <a:fillRef idx="0">
-            <a:schemeClr val="accent1"/>
-          </a:fillRef>
-          <a:effectRef idx="0">
-            <a:schemeClr val="accent1"/>
-          </a:effectRef>
-          <a:fontRef idx="minor">
-            <a:schemeClr val="tx1"/>
-          </a:fontRef>
-        </p:style>
-      </p:cxnSp>
-      <p:cxnSp>
-        <p:nvCxnSpPr>
-          <p:cNvPr id="77" name="직선 연결선 76">
-            <a:extLst>
-              <a:ext uri="{FF2B5EF4-FFF2-40B4-BE49-F238E27FC236}">
-                <a16:creationId xmlns:a16="http://schemas.microsoft.com/office/drawing/2014/main" id="{F12EC7F5-598A-1721-3C6F-C423B5733C66}"/>
-              </a:ext>
-            </a:extLst>
-          </p:cNvPr>
-          <p:cNvCxnSpPr>
-            <a:stCxn id="22" idx="3"/>
-            <a:endCxn id="72" idx="1"/>
-          </p:cNvCxnSpPr>
-          <p:nvPr/>
-        </p:nvCxnSpPr>
-        <p:spPr>
-          <a:xfrm>
-            <a:off x="10401426" y="1249856"/>
-            <a:ext cx="495582" cy="971635"/>
-          </a:xfrm>
-          <a:prstGeom prst="line">
-            <a:avLst/>
-          </a:prstGeom>
-        </p:spPr>
-        <p:style>
-          <a:lnRef idx="1">
-            <a:schemeClr val="accent1"/>
-          </a:lnRef>
-          <a:fillRef idx="0">
-            <a:schemeClr val="accent1"/>
-          </a:fillRef>
-          <a:effectRef idx="0">
-            <a:schemeClr val="accent1"/>
-          </a:effectRef>
-          <a:fontRef idx="minor">
-            <a:schemeClr val="tx1"/>
-          </a:fontRef>
-        </p:style>
-      </p:cxnSp>
-      <p:cxnSp>
-        <p:nvCxnSpPr>
-          <p:cNvPr id="79" name="직선 연결선 78">
-            <a:extLst>
-              <a:ext uri="{FF2B5EF4-FFF2-40B4-BE49-F238E27FC236}">
-                <a16:creationId xmlns:a16="http://schemas.microsoft.com/office/drawing/2014/main" id="{C894DC17-92F3-F84A-2EA5-D2D09B3D8741}"/>
-              </a:ext>
-            </a:extLst>
-          </p:cNvPr>
-          <p:cNvCxnSpPr>
-            <a:stCxn id="21" idx="2"/>
-            <a:endCxn id="69" idx="0"/>
-          </p:cNvCxnSpPr>
-          <p:nvPr/>
-        </p:nvCxnSpPr>
-        <p:spPr>
-          <a:xfrm>
-            <a:off x="9238394" y="1549331"/>
-            <a:ext cx="146048" cy="1595394"/>
-          </a:xfrm>
-          <a:prstGeom prst="line">
-            <a:avLst/>
-          </a:prstGeom>
-        </p:spPr>
-        <p:style>
-          <a:lnRef idx="1">
-            <a:schemeClr val="accent1"/>
-          </a:lnRef>
-          <a:fillRef idx="0">
-            <a:schemeClr val="accent1"/>
-          </a:fillRef>
-          <a:effectRef idx="0">
-            <a:schemeClr val="accent1"/>
-          </a:effectRef>
-          <a:fontRef idx="minor">
-            <a:schemeClr val="tx1"/>
-          </a:fontRef>
-        </p:style>
-      </p:cxnSp>
-      <p:cxnSp>
-        <p:nvCxnSpPr>
-          <p:cNvPr id="81" name="직선 연결선 80">
-            <a:extLst>
-              <a:ext uri="{FF2B5EF4-FFF2-40B4-BE49-F238E27FC236}">
-                <a16:creationId xmlns:a16="http://schemas.microsoft.com/office/drawing/2014/main" id="{A793DF19-47CB-318A-C8BC-83C400DA2341}"/>
-              </a:ext>
-            </a:extLst>
-          </p:cNvPr>
-          <p:cNvCxnSpPr>
-            <a:stCxn id="21" idx="2"/>
-            <a:endCxn id="70" idx="0"/>
-          </p:cNvCxnSpPr>
-          <p:nvPr/>
-        </p:nvCxnSpPr>
-        <p:spPr>
-          <a:xfrm>
-            <a:off x="9238394" y="1549331"/>
-            <a:ext cx="1143288" cy="1644840"/>
-          </a:xfrm>
-          <a:prstGeom prst="line">
-            <a:avLst/>
-          </a:prstGeom>
-        </p:spPr>
-        <p:style>
-          <a:lnRef idx="1">
-            <a:schemeClr val="accent1"/>
-          </a:lnRef>
-          <a:fillRef idx="0">
-            <a:schemeClr val="accent1"/>
-          </a:fillRef>
-          <a:effectRef idx="0">
-            <a:schemeClr val="accent1"/>
-          </a:effectRef>
-          <a:fontRef idx="minor">
-            <a:schemeClr val="tx1"/>
-          </a:fontRef>
-        </p:style>
-      </p:cxnSp>
-      <p:cxnSp>
-        <p:nvCxnSpPr>
-          <p:cNvPr id="86" name="직선 연결선 85">
-            <a:extLst>
-              <a:ext uri="{FF2B5EF4-FFF2-40B4-BE49-F238E27FC236}">
-                <a16:creationId xmlns:a16="http://schemas.microsoft.com/office/drawing/2014/main" id="{FBF4E734-2C24-281C-4885-809E329B34EF}"/>
-              </a:ext>
-            </a:extLst>
-          </p:cNvPr>
-          <p:cNvCxnSpPr>
-            <a:stCxn id="20" idx="2"/>
-            <a:endCxn id="66" idx="0"/>
-          </p:cNvCxnSpPr>
-          <p:nvPr/>
-        </p:nvCxnSpPr>
-        <p:spPr>
-          <a:xfrm flipH="1">
-            <a:off x="7625248" y="1621523"/>
-            <a:ext cx="475270" cy="72942"/>
-          </a:xfrm>
-          <a:prstGeom prst="line">
-            <a:avLst/>
-          </a:prstGeom>
-        </p:spPr>
-        <p:style>
-          <a:lnRef idx="1">
-            <a:schemeClr val="accent1"/>
-          </a:lnRef>
-          <a:fillRef idx="0">
-            <a:schemeClr val="accent1"/>
-          </a:fillRef>
-          <a:effectRef idx="0">
-            <a:schemeClr val="accent1"/>
-          </a:effectRef>
-          <a:fontRef idx="minor">
-            <a:schemeClr val="tx1"/>
-          </a:fontRef>
-        </p:style>
-      </p:cxnSp>
-      <p:cxnSp>
-        <p:nvCxnSpPr>
-          <p:cNvPr id="88" name="직선 연결선 87">
-            <a:extLst>
-              <a:ext uri="{FF2B5EF4-FFF2-40B4-BE49-F238E27FC236}">
-                <a16:creationId xmlns:a16="http://schemas.microsoft.com/office/drawing/2014/main" id="{31BFB072-4D2C-7A4E-1618-727953E319C2}"/>
-              </a:ext>
-            </a:extLst>
-          </p:cNvPr>
-          <p:cNvCxnSpPr>
-            <a:stCxn id="20" idx="2"/>
-            <a:endCxn id="67" idx="0"/>
-          </p:cNvCxnSpPr>
-          <p:nvPr/>
-        </p:nvCxnSpPr>
-        <p:spPr>
-          <a:xfrm>
-            <a:off x="8100518" y="1621523"/>
-            <a:ext cx="436365" cy="105221"/>
-          </a:xfrm>
-          <a:prstGeom prst="line">
-            <a:avLst/>
-          </a:prstGeom>
-        </p:spPr>
-        <p:style>
-          <a:lnRef idx="1">
-            <a:schemeClr val="accent1"/>
-          </a:lnRef>
-          <a:fillRef idx="0">
-            <a:schemeClr val="accent1"/>
-          </a:fillRef>
-          <a:effectRef idx="0">
-            <a:schemeClr val="accent1"/>
-          </a:effectRef>
-          <a:fontRef idx="minor">
-            <a:schemeClr val="tx1"/>
-          </a:fontRef>
-        </p:style>
-      </p:cxnSp>
-      <p:cxnSp>
-        <p:nvCxnSpPr>
-          <p:cNvPr id="90" name="직선 연결선 89">
-            <a:extLst>
-              <a:ext uri="{FF2B5EF4-FFF2-40B4-BE49-F238E27FC236}">
-                <a16:creationId xmlns:a16="http://schemas.microsoft.com/office/drawing/2014/main" id="{D6AD9DE5-2533-A111-6EEF-D8385C0092A6}"/>
-              </a:ext>
-            </a:extLst>
-          </p:cNvPr>
-          <p:cNvCxnSpPr>
-            <a:stCxn id="20" idx="2"/>
-            <a:endCxn id="68" idx="0"/>
-          </p:cNvCxnSpPr>
-          <p:nvPr/>
-        </p:nvCxnSpPr>
-        <p:spPr>
-          <a:xfrm>
-            <a:off x="8100518" y="1621523"/>
-            <a:ext cx="1205021" cy="160986"/>
-          </a:xfrm>
-          <a:prstGeom prst="line">
-            <a:avLst/>
-          </a:prstGeom>
-        </p:spPr>
-        <p:style>
-          <a:lnRef idx="1">
-            <a:schemeClr val="accent1"/>
-          </a:lnRef>
-          <a:fillRef idx="0">
-            <a:schemeClr val="accent1"/>
-          </a:fillRef>
-          <a:effectRef idx="0">
-            <a:schemeClr val="accent1"/>
-          </a:effectRef>
-          <a:fontRef idx="minor">
-            <a:schemeClr val="tx1"/>
-          </a:fontRef>
-        </p:style>
-      </p:cxnSp>
-      <p:cxnSp>
-        <p:nvCxnSpPr>
-          <p:cNvPr id="107" name="직선 연결선 106">
-            <a:extLst>
-              <a:ext uri="{FF2B5EF4-FFF2-40B4-BE49-F238E27FC236}">
-                <a16:creationId xmlns:a16="http://schemas.microsoft.com/office/drawing/2014/main" id="{714C151D-6BB0-7211-B682-2B8F16E8D375}"/>
-              </a:ext>
-            </a:extLst>
-          </p:cNvPr>
-          <p:cNvCxnSpPr>
-            <a:stCxn id="4" idx="2"/>
-            <a:endCxn id="8" idx="0"/>
-          </p:cNvCxnSpPr>
-          <p:nvPr/>
-        </p:nvCxnSpPr>
-        <p:spPr>
-          <a:xfrm>
-            <a:off x="5988918" y="1219861"/>
-            <a:ext cx="98397" cy="328632"/>
-          </a:xfrm>
-          <a:prstGeom prst="line">
-            <a:avLst/>
-          </a:prstGeom>
-        </p:spPr>
-        <p:style>
-          <a:lnRef idx="1">
-            <a:schemeClr val="accent1"/>
-          </a:lnRef>
-          <a:fillRef idx="0">
-            <a:schemeClr val="accent1"/>
-          </a:fillRef>
-          <a:effectRef idx="0">
-            <a:schemeClr val="accent1"/>
-          </a:effectRef>
-          <a:fontRef idx="minor">
-            <a:schemeClr val="tx1"/>
-          </a:fontRef>
-        </p:style>
-      </p:cxnSp>
-      <p:sp>
-        <p:nvSpPr>
-          <p:cNvPr id="118" name="제목 1">
-            <a:extLst>
-              <a:ext uri="{FF2B5EF4-FFF2-40B4-BE49-F238E27FC236}">
-                <a16:creationId xmlns:a16="http://schemas.microsoft.com/office/drawing/2014/main" id="{75E1B809-D177-637D-2989-52F418CE5052}"/>
-              </a:ext>
-            </a:extLst>
-          </p:cNvPr>
-          <p:cNvSpPr>
-            <a:spLocks noGrp="1"/>
-          </p:cNvSpPr>
-          <p:nvPr/>
-        </p:nvSpPr>
-        <p:spPr>
-          <a:xfrm>
-            <a:off x="7844644" y="158958"/>
-            <a:ext cx="1171135" cy="629244"/>
-          </a:xfrm>
-          <a:prstGeom prst="rect">
-            <a:avLst/>
-          </a:prstGeom>
-          <a:ln>
-            <a:solidFill>
-              <a:srgbClr val="000000">
-                <a:alpha val="100000"/>
-              </a:srgbClr>
-            </a:solidFill>
-          </a:ln>
-        </p:spPr>
-        <p:txBody>
-          <a:bodyPr vert="horz" lIns="91440" tIns="45720" rIns="91440" bIns="45720" anchor="ctr">
-            <a:normAutofit/>
-          </a:bodyPr>
-          <a:lstStyle/>
-          <a:p>
-            <a:pPr marL="0" lvl="0" indent="0" algn="ctr" defTabSz="914400" rtl="0" eaLnBrk="1" latinLnBrk="1" hangingPunct="1">
-              <a:lnSpc>
-                <a:spcPct val="100000"/>
-              </a:lnSpc>
-              <a:spcBef>
-                <a:spcPct val="0"/>
-              </a:spcBef>
-              <a:spcAft>
-                <a:spcPts val="0"/>
-              </a:spcAft>
-              <a:buNone/>
-              <a:defRPr/>
-            </a:pPr>
-            <a:r>
-              <a:rPr lang="en-US" altLang="ko-KR" sz="1300" dirty="0">
-                <a:solidFill>
-                  <a:srgbClr val="000000"/>
-                </a:solidFill>
-                <a:latin typeface="맑은 고딕"/>
-                <a:ea typeface="맑은 고딕"/>
-                <a:cs typeface="Calibri"/>
-              </a:rPr>
-              <a:t>item</a:t>
-            </a:r>
-            <a:endParaRPr kumimoji="0" lang="en-US" altLang="ko-KR" sz="1300" b="0" i="0" u="none" strike="noStrike" kern="1200" cap="none" spc="0" normalizeH="0" baseline="0" dirty="0">
-              <a:solidFill>
-                <a:srgbClr val="000000"/>
-              </a:solidFill>
-              <a:latin typeface="맑은 고딕"/>
-              <a:ea typeface="맑은 고딕"/>
-              <a:cs typeface="Calibri"/>
-            </a:endParaRPr>
-          </a:p>
-        </p:txBody>
-      </p:sp>
-      <p:cxnSp>
-        <p:nvCxnSpPr>
-          <p:cNvPr id="141" name="직선 연결선 140">
-            <a:extLst>
-              <a:ext uri="{FF2B5EF4-FFF2-40B4-BE49-F238E27FC236}">
-                <a16:creationId xmlns:a16="http://schemas.microsoft.com/office/drawing/2014/main" id="{5CE19EAC-F434-674C-CC08-DED98B64B60C}"/>
-              </a:ext>
-            </a:extLst>
-          </p:cNvPr>
-          <p:cNvCxnSpPr>
-            <a:stCxn id="118" idx="2"/>
-            <a:endCxn id="20" idx="0"/>
-          </p:cNvCxnSpPr>
-          <p:nvPr/>
-        </p:nvCxnSpPr>
-        <p:spPr>
-          <a:xfrm flipH="1">
-            <a:off x="8100518" y="788202"/>
-            <a:ext cx="329694" cy="425167"/>
-          </a:xfrm>
-          <a:prstGeom prst="line">
-            <a:avLst/>
-          </a:prstGeom>
-        </p:spPr>
-        <p:style>
-          <a:lnRef idx="1">
-            <a:schemeClr val="accent1"/>
-          </a:lnRef>
-          <a:fillRef idx="0">
-            <a:schemeClr val="accent1"/>
-          </a:fillRef>
-          <a:effectRef idx="0">
-            <a:schemeClr val="accent1"/>
-          </a:effectRef>
-          <a:fontRef idx="minor">
-            <a:schemeClr val="tx1"/>
-          </a:fontRef>
-        </p:style>
-      </p:cxnSp>
-      <p:cxnSp>
-        <p:nvCxnSpPr>
-          <p:cNvPr id="143" name="직선 연결선 142">
-            <a:extLst>
-              <a:ext uri="{FF2B5EF4-FFF2-40B4-BE49-F238E27FC236}">
-                <a16:creationId xmlns:a16="http://schemas.microsoft.com/office/drawing/2014/main" id="{552497CE-6540-0342-4BE6-E451B81D507B}"/>
-              </a:ext>
-            </a:extLst>
-          </p:cNvPr>
-          <p:cNvCxnSpPr>
-            <a:stCxn id="118" idx="2"/>
-            <a:endCxn id="21" idx="0"/>
-          </p:cNvCxnSpPr>
-          <p:nvPr/>
-        </p:nvCxnSpPr>
-        <p:spPr>
-          <a:xfrm>
-            <a:off x="8430212" y="788202"/>
-            <a:ext cx="808182" cy="352975"/>
-          </a:xfrm>
-          <a:prstGeom prst="line">
-            <a:avLst/>
-          </a:prstGeom>
-        </p:spPr>
-        <p:style>
-          <a:lnRef idx="1">
-            <a:schemeClr val="accent1"/>
-          </a:lnRef>
-          <a:fillRef idx="0">
-            <a:schemeClr val="accent1"/>
-          </a:fillRef>
-          <a:effectRef idx="0">
-            <a:schemeClr val="accent1"/>
-          </a:effectRef>
-          <a:fontRef idx="minor">
-            <a:schemeClr val="tx1"/>
-          </a:fontRef>
-        </p:style>
-      </p:cxnSp>
-      <p:cxnSp>
-        <p:nvCxnSpPr>
-          <p:cNvPr id="145" name="직선 연결선 144">
-            <a:extLst>
-              <a:ext uri="{FF2B5EF4-FFF2-40B4-BE49-F238E27FC236}">
-                <a16:creationId xmlns:a16="http://schemas.microsoft.com/office/drawing/2014/main" id="{55305B58-2D4B-DCA9-7DC1-87FC804A39A7}"/>
-              </a:ext>
-            </a:extLst>
-          </p:cNvPr>
-          <p:cNvCxnSpPr>
-            <a:stCxn id="118" idx="2"/>
-            <a:endCxn id="22" idx="0"/>
-          </p:cNvCxnSpPr>
-          <p:nvPr/>
-        </p:nvCxnSpPr>
-        <p:spPr>
-          <a:xfrm>
-            <a:off x="8430212" y="788202"/>
-            <a:ext cx="1681454" cy="257577"/>
-          </a:xfrm>
-          <a:prstGeom prst="line">
-            <a:avLst/>
-          </a:prstGeom>
-        </p:spPr>
-        <p:style>
-          <a:lnRef idx="1">
-            <a:schemeClr val="accent1"/>
-          </a:lnRef>
-          <a:fillRef idx="0">
-            <a:schemeClr val="accent1"/>
-          </a:fillRef>
-          <a:effectRef idx="0">
-            <a:schemeClr val="accent1"/>
-          </a:effectRef>
-          <a:fontRef idx="minor">
-            <a:schemeClr val="tx1"/>
-          </a:fontRef>
-        </p:style>
-      </p:cxnSp>
-      <p:cxnSp>
-        <p:nvCxnSpPr>
-          <p:cNvPr id="147" name="직선 연결선 146">
-            <a:extLst>
-              <a:ext uri="{FF2B5EF4-FFF2-40B4-BE49-F238E27FC236}">
-                <a16:creationId xmlns:a16="http://schemas.microsoft.com/office/drawing/2014/main" id="{EDE82D60-4336-1281-BCF5-1E48922E71F3}"/>
-              </a:ext>
-            </a:extLst>
-          </p:cNvPr>
-          <p:cNvCxnSpPr>
-            <a:stCxn id="4" idx="3"/>
-            <a:endCxn id="118" idx="1"/>
-          </p:cNvCxnSpPr>
-          <p:nvPr/>
-        </p:nvCxnSpPr>
-        <p:spPr>
-          <a:xfrm flipV="1">
-            <a:off x="7246310" y="473580"/>
-            <a:ext cx="598334" cy="185178"/>
-          </a:xfrm>
-          <a:prstGeom prst="line">
-            <a:avLst/>
-          </a:prstGeom>
-        </p:spPr>
-        <p:style>
-          <a:lnRef idx="1">
-            <a:schemeClr val="accent1"/>
-          </a:lnRef>
-          <a:fillRef idx="0">
-            <a:schemeClr val="accent1"/>
-          </a:fillRef>
-          <a:effectRef idx="0">
-            <a:schemeClr val="accent1"/>
-          </a:effectRef>
-          <a:fontRef idx="minor">
-            <a:schemeClr val="tx1"/>
-          </a:fontRef>
-        </p:style>
-      </p:cxnSp>
+        </p:txBody>
+      </p:sp>
     </p:spTree>
-    <p:extLst>
-      <p:ext uri="{BB962C8B-B14F-4D97-AF65-F5344CB8AC3E}">
-        <p14:creationId xmlns:p14="http://schemas.microsoft.com/office/powerpoint/2010/main" val="2575442247"/>
-      </p:ext>
-    </p:extLst>
   </p:cSld>
   <p:clrMapOvr>
     <a:masterClrMapping/>
   </p:clrMapOvr>
+  <mc:AlternateContent xmlns:mc="http://schemas.openxmlformats.org/markup-compatibility/2006">
+    <mc:Choice xmlns:p14="http://schemas.microsoft.com/office/powerpoint/2010/main" Requires="p14">
+      <p:transition xmlns:mc="http://schemas.openxmlformats.org/markup-compatibility/2006" xmlns:p14="http://schemas.microsoft.com/office/powerpoint/2010/main" mc:Ignorable="p14" p14:dur="500"/>
+    </mc:Choice>
+    <mc:Fallback>
+      <p:transition/>
+    </mc:Fallback>
+  </mc:AlternateContent>
 </p:sld>
 </file>
 
 <file path=ppt/theme/theme1.xml><?xml version="1.0" encoding="utf-8"?>
-<a:theme xmlns:a="http://schemas.openxmlformats.org/drawingml/2006/main" name="Office 테마">
+<a:theme xmlns:r="http://schemas.openxmlformats.org/officeDocument/2006/relationships" xmlns:c="http://schemas.openxmlformats.org/drawingml/2006/chart" xmlns:dgm="http://schemas.openxmlformats.org/drawingml/2006/diagram" xmlns:dsp="http://schemas.microsoft.com/office/drawing/2008/diagram" xmlns:a="http://schemas.openxmlformats.org/drawingml/2006/main" xmlns:pic="http://schemas.openxmlformats.org/drawingml/2006/picture" xmlns:wp="http://schemas.openxmlformats.org/drawingml/2006/wordprocessingDrawing" xmlns:xdr="http://schemas.openxmlformats.org/drawingml/2006/spreadsheetDrawing" xmlns:lc="http://schemas.openxmlformats.org/drawingml/2006/lockedCanvas" xmlns:p="http://schemas.openxmlformats.org/presentationml/2006/main" name="Office 테마">
   <a:themeElements>
     <a:clrScheme name="Office">
       <a:dk1>
         <a:sysClr val="windowText" lastClr="000000"/>
       </a:dk1>
       <a:lt1>
-        <a:sysClr val="window" lastClr="FFFFFF"/>
+        <a:sysClr val="window" lastClr="ffffff"/>
       </a:lt1>
       <a:dk2>
-        <a:srgbClr val="44546A"/>
+        <a:srgbClr val="44546a"/>
       </a:dk2>
       <a:lt2>
-        <a:srgbClr val="E7E6E6"/>
+        <a:srgbClr val="e7e6e6"/>
       </a:lt2>
       <a:accent1>
-        <a:srgbClr val="4472C4"/>
+        <a:srgbClr val="4472c4"/>
       </a:accent1>
       <a:accent2>
-        <a:srgbClr val="ED7D31"/>
+        <a:srgbClr val="ed7d31"/>
       </a:accent2>
       <a:accent3>
-        <a:srgbClr val="A5A5A5"/>
+        <a:srgbClr val="a5a5a5"/>
       </a:accent3>
       <a:accent4>
-        <a:srgbClr val="FFC000"/>
+        <a:srgbClr val="ffc000"/>
       </a:accent4>
       <a:accent5>
-        <a:srgbClr val="5B9BD5"/>
+        <a:srgbClr val="5b9bd5"/>
       </a:accent5>
       <a:accent6>
-        <a:srgbClr val="70AD47"/>
+        <a:srgbClr val="70ad47"/>
       </a:accent6>
       <a:hlink>
-        <a:srgbClr val="0563C1"/>
+        <a:srgbClr val="0563c1"/>
       </a:hlink>
       <a:folHlink>
-        <a:srgbClr val="954F72"/>
+        <a:srgbClr val="954f72"/>
       </a:folHlink>
     </a:clrScheme>
     <a:fontScheme name="Office">
@@ -7277,7 +7059,7 @@
         <a:latin typeface="맑은 고딕" panose="020F0302020204030204"/>
         <a:ea typeface=""/>
         <a:cs typeface=""/>
-        <a:font script="Jpan" typeface="游ゴシック Light"/>
+        <a:font script="Jpan" typeface="Yu Gothic Light"/>
         <a:font script="Hang" typeface="맑은 고딕"/>
         <a:font script="Hans" typeface="等线 Light"/>
         <a:font script="Hant" typeface="新細明體"/>
@@ -7329,7 +7111,7 @@
         <a:latin typeface="맑은 고딕" panose="020F0502020204030204"/>
         <a:ea typeface=""/>
         <a:cs typeface=""/>
-        <a:font script="Jpan" typeface="游ゴシック"/>
+        <a:font script="Jpan" typeface="Yu Gothic"/>
         <a:font script="Hang" typeface="맑은 고딕"/>
         <a:font script="Hans" typeface="等线"/>
         <a:font script="Hant" typeface="新細明體"/>
@@ -7442,21 +7224,21 @@
             <a:schemeClr val="phClr"/>
           </a:solidFill>
           <a:prstDash val="solid"/>
-          <a:miter lim="800000"/>
+          <a:miter/>
         </a:ln>
         <a:ln w="12700" cap="flat" cmpd="sng" algn="ctr">
           <a:solidFill>
             <a:schemeClr val="phClr"/>
           </a:solidFill>
           <a:prstDash val="solid"/>
-          <a:miter lim="800000"/>
+          <a:miter/>
         </a:ln>
         <a:ln w="19050" cap="flat" cmpd="sng" algn="ctr">
           <a:solidFill>
             <a:schemeClr val="phClr"/>
           </a:solidFill>
           <a:prstDash val="solid"/>
-          <a:miter lim="800000"/>
+          <a:miter/>
         </a:ln>
       </a:lnStyleLst>
       <a:effectStyleLst>
@@ -7516,12 +7298,5 @@
       </a:bgFillStyleLst>
     </a:fmtScheme>
   </a:themeElements>
-  <a:objectDefaults/>
-  <a:extraClrSchemeLst/>
-  <a:extLst>
-    <a:ext uri="{05A4C25C-085E-4340-85A3-A5531E510DB2}">
-      <thm15:themeFamily xmlns:thm15="http://schemas.microsoft.com/office/thememl/2012/main" name="Office Theme" id="{62F939B6-93AF-4DB8-9C6B-D6C7DFDC589F}" vid="{4A3C46E8-61CC-4603-A589-7422A47A8E4A}"/>
-    </a:ext>
-  </a:extLst>
 </a:theme>
 </file>